--- a/vesta-doc/介绍.pptx
+++ b/vesta-doc/介绍.pptx
@@ -153,7 +153,7 @@
   </p:defaultTextStyle>
   <p:extLst>
     <p:ext uri="{EFAFB233-063F-42B5-8137-9DF3F51BA10A}">
-      <p15:sldGuideLst xmlns="" xmlns:p15="http://schemas.microsoft.com/office/powerpoint/2012/main">
+      <p15:sldGuideLst xmlns:p15="http://schemas.microsoft.com/office/powerpoint/2012/main">
         <p15:guide id="1" orient="horz" pos="714">
           <p15:clr>
             <a:srgbClr val="A4A3A4"/>
@@ -167,7 +167,7 @@
       </p15:sldGuideLst>
     </p:ext>
     <p:ext uri="{2D200454-40CA-4A62-9FC3-DE9A4176ACB9}">
-      <p15:notesGuideLst xmlns="" xmlns:p15="http://schemas.microsoft.com/office/powerpoint/2012/main">
+      <p15:notesGuideLst xmlns:p15="http://schemas.microsoft.com/office/powerpoint/2012/main">
         <p15:guide id="1" orient="horz" pos="3108">
           <p15:clr>
             <a:srgbClr val="A4A3A4"/>
@@ -2452,14 +2452,13 @@
         <a:p>
           <a:pPr rtl="0"/>
           <a:r>
-            <a:rPr lang="en-US" altLang="zh-CN" sz="1800" dirty="0" smtClean="0"/>
+            <a:rPr lang="en-US" altLang="zh-CN" sz="1800" dirty="0"/>
             <a:t>1. </a:t>
           </a:r>
           <a:r>
-            <a:rPr lang="zh-CN" altLang="en-US" sz="1800" dirty="0" smtClean="0"/>
+            <a:rPr lang="zh-CN" altLang="en-US" sz="1800" dirty="0"/>
             <a:t>多种质量属性</a:t>
           </a:r>
-          <a:endParaRPr lang="zh-CN" altLang="en-US" sz="1800" dirty="0"/>
         </a:p>
       </dgm:t>
     </dgm:pt>
@@ -2498,14 +2497,13 @@
         <a:p>
           <a:pPr rtl="0"/>
           <a:r>
-            <a:rPr lang="en-US" altLang="zh-CN" sz="1800" dirty="0" smtClean="0"/>
+            <a:rPr lang="en-US" altLang="zh-CN" sz="1800" dirty="0"/>
             <a:t>2. </a:t>
           </a:r>
           <a:r>
-            <a:rPr lang="zh-CN" altLang="en-US" sz="1800" dirty="0" smtClean="0"/>
+            <a:rPr lang="zh-CN" altLang="en-US" sz="1800" dirty="0"/>
             <a:t>多种发布模式</a:t>
           </a:r>
-          <a:endParaRPr lang="zh-CN" altLang="en-US" sz="1800" dirty="0"/>
         </a:p>
       </dgm:t>
     </dgm:pt>
@@ -2544,11 +2542,11 @@
         <a:p>
           <a:pPr rtl="0"/>
           <a:r>
-            <a:rPr lang="en-US" altLang="zh-CN" sz="1800" dirty="0" smtClean="0"/>
+            <a:rPr lang="en-US" altLang="zh-CN" sz="1800" dirty="0"/>
             <a:t>3. </a:t>
           </a:r>
           <a:r>
-            <a:rPr lang="zh-CN" altLang="en-US" sz="1800" dirty="0" smtClean="0"/>
+            <a:rPr lang="zh-CN" altLang="en-US" sz="1800" dirty="0"/>
             <a:t>多种性能场景</a:t>
           </a:r>
         </a:p>
@@ -2589,14 +2587,14 @@
         <a:p>
           <a:pPr algn="l" rtl="0"/>
           <a:r>
-            <a:rPr lang="en-US" altLang="zh-CN" sz="1800" dirty="0" smtClean="0"/>
+            <a:rPr lang="en-US" altLang="zh-CN" sz="1800" dirty="0"/>
             <a:t>4. </a:t>
           </a:r>
           <a:r>
-            <a:rPr lang="zh-CN" altLang="en-US" sz="1800" dirty="0" smtClean="0"/>
+            <a:rPr lang="zh-CN" altLang="en-US" sz="1800" dirty="0"/>
             <a:t>性能压测保驾护航</a:t>
           </a:r>
-          <a:endParaRPr lang="en-US" altLang="zh-CN" sz="1800" dirty="0" smtClean="0"/>
+          <a:endParaRPr lang="en-US" altLang="zh-CN" sz="1800" dirty="0"/>
         </a:p>
       </dgm:t>
     </dgm:pt>
@@ -2705,13 +2703,6 @@
         </dgm:presLayoutVars>
       </dgm:prSet>
       <dgm:spPr/>
-      <dgm:t>
-        <a:bodyPr/>
-        <a:lstStyle/>
-        <a:p>
-          <a:endParaRPr lang="zh-CN" altLang="en-US"/>
-        </a:p>
-      </dgm:t>
     </dgm:pt>
     <dgm:pt modelId="{72734353-2385-467C-B63F-76923D2478D8}" type="pres">
       <dgm:prSet presAssocID="{65EE0E75-4455-4B9E-AA84-1A2FBDDB5D80}" presName="diamond" presStyleLbl="bgShp" presStyleIdx="0" presStyleCnt="1"/>
@@ -2733,13 +2724,6 @@
         </dgm:presLayoutVars>
       </dgm:prSet>
       <dgm:spPr/>
-      <dgm:t>
-        <a:bodyPr/>
-        <a:lstStyle/>
-        <a:p>
-          <a:endParaRPr lang="zh-CN" altLang="en-US"/>
-        </a:p>
-      </dgm:t>
     </dgm:pt>
     <dgm:pt modelId="{D892557B-5855-4D09-A019-47442C57D95A}" type="pres">
       <dgm:prSet presAssocID="{65EE0E75-4455-4B9E-AA84-1A2FBDDB5D80}" presName="quad2" presStyleLbl="node1" presStyleIdx="1" presStyleCnt="4">
@@ -2750,13 +2734,6 @@
         </dgm:presLayoutVars>
       </dgm:prSet>
       <dgm:spPr/>
-      <dgm:t>
-        <a:bodyPr/>
-        <a:lstStyle/>
-        <a:p>
-          <a:endParaRPr lang="zh-CN" altLang="en-US"/>
-        </a:p>
-      </dgm:t>
     </dgm:pt>
     <dgm:pt modelId="{D811BCC5-BDE1-46FD-8ACB-78792C3BF2A2}" type="pres">
       <dgm:prSet presAssocID="{65EE0E75-4455-4B9E-AA84-1A2FBDDB5D80}" presName="quad3" presStyleLbl="node1" presStyleIdx="2" presStyleCnt="4">
@@ -2767,13 +2744,6 @@
         </dgm:presLayoutVars>
       </dgm:prSet>
       <dgm:spPr/>
-      <dgm:t>
-        <a:bodyPr/>
-        <a:lstStyle/>
-        <a:p>
-          <a:endParaRPr lang="zh-CN" altLang="en-US"/>
-        </a:p>
-      </dgm:t>
     </dgm:pt>
     <dgm:pt modelId="{56859668-60C9-4E2D-BD52-CC35A75EE544}" type="pres">
       <dgm:prSet presAssocID="{65EE0E75-4455-4B9E-AA84-1A2FBDDB5D80}" presName="quad4" presStyleLbl="node1" presStyleIdx="3" presStyleCnt="4">
@@ -2784,27 +2754,20 @@
         </dgm:presLayoutVars>
       </dgm:prSet>
       <dgm:spPr/>
-      <dgm:t>
-        <a:bodyPr/>
-        <a:lstStyle/>
-        <a:p>
-          <a:endParaRPr lang="zh-CN" altLang="en-US"/>
-        </a:p>
-      </dgm:t>
     </dgm:pt>
   </dgm:ptLst>
   <dgm:cxnLst>
+    <dgm:cxn modelId="{7E61290B-333F-4827-96E2-C8E979264BD8}" srcId="{65EE0E75-4455-4B9E-AA84-1A2FBDDB5D80}" destId="{898F6D3B-7781-41E9-8812-20D40D520A5D}" srcOrd="4" destOrd="0" parTransId="{EEF99F26-21A4-4766-AB23-8BA7CAA87E77}" sibTransId="{AD3E5BC3-0DFC-4B84-9A26-67B89FA6643A}"/>
+    <dgm:cxn modelId="{F6F2E429-311E-42C3-B0DD-DA780BE5006B}" srcId="{65EE0E75-4455-4B9E-AA84-1A2FBDDB5D80}" destId="{FF7A52A8-A3A9-4E78-AF52-622BF175315F}" srcOrd="5" destOrd="0" parTransId="{F8387425-2064-48E4-9B6A-A045BF4B941C}" sibTransId="{FA042943-58D3-408F-9163-7D0CFADF2810}"/>
     <dgm:cxn modelId="{3FC7E940-621E-4292-9E47-1F85EC000C56}" type="presOf" srcId="{7804BDA3-9525-43DC-B43E-32D83CDD4C41}" destId="{56859668-60C9-4E2D-BD52-CC35A75EE544}" srcOrd="0" destOrd="0" presId="urn:microsoft.com/office/officeart/2005/8/layout/matrix3"/>
-    <dgm:cxn modelId="{F6F2E429-311E-42C3-B0DD-DA780BE5006B}" srcId="{65EE0E75-4455-4B9E-AA84-1A2FBDDB5D80}" destId="{FF7A52A8-A3A9-4E78-AF52-622BF175315F}" srcOrd="5" destOrd="0" parTransId="{F8387425-2064-48E4-9B6A-A045BF4B941C}" sibTransId="{FA042943-58D3-408F-9163-7D0CFADF2810}"/>
     <dgm:cxn modelId="{8228695E-F25F-43F4-B833-0F99A3003DEA}" type="presOf" srcId="{7E4C5F4D-1CBA-4A06-9899-1B4822DE7D47}" destId="{D811BCC5-BDE1-46FD-8ACB-78792C3BF2A2}" srcOrd="0" destOrd="0" presId="urn:microsoft.com/office/officeart/2005/8/layout/matrix3"/>
+    <dgm:cxn modelId="{C9A1D246-F667-46CE-8266-9AE304006961}" type="presOf" srcId="{6482F6D4-ADE2-48E4-AF83-16401F52C4E5}" destId="{D892557B-5855-4D09-A019-47442C57D95A}" srcOrd="0" destOrd="0" presId="urn:microsoft.com/office/officeart/2005/8/layout/matrix3"/>
+    <dgm:cxn modelId="{C4A58B81-79F0-409E-96B1-96ED8977E197}" type="presOf" srcId="{40C0F772-F1A2-4486-8031-CA0FEA992B4A}" destId="{ECBC2BFB-CC65-46B8-8340-6F093CBB0F97}" srcOrd="0" destOrd="0" presId="urn:microsoft.com/office/officeart/2005/8/layout/matrix3"/>
+    <dgm:cxn modelId="{19E4D786-4EE5-4B24-8483-75096FF616D2}" srcId="{65EE0E75-4455-4B9E-AA84-1A2FBDDB5D80}" destId="{40C0F772-F1A2-4486-8031-CA0FEA992B4A}" srcOrd="0" destOrd="0" parTransId="{BFBEA663-7A5A-4C67-A5E9-4F93FB4A331C}" sibTransId="{15599956-4AED-4271-8EEE-555122F49F80}"/>
     <dgm:cxn modelId="{4BF1FCCE-229D-496C-BED4-E9135C501C24}" srcId="{65EE0E75-4455-4B9E-AA84-1A2FBDDB5D80}" destId="{7804BDA3-9525-43DC-B43E-32D83CDD4C41}" srcOrd="3" destOrd="0" parTransId="{F206D2A4-EBFF-4C56-9C0F-78D926A53F87}" sibTransId="{19E6B74D-E985-47A0-8207-EFFC88261467}"/>
+    <dgm:cxn modelId="{782060E6-65A9-40D8-94FD-40DA365527E7}" type="presOf" srcId="{65EE0E75-4455-4B9E-AA84-1A2FBDDB5D80}" destId="{20EACAB8-B4F6-47A3-9591-D1C19C51C684}" srcOrd="0" destOrd="0" presId="urn:microsoft.com/office/officeart/2005/8/layout/matrix3"/>
+    <dgm:cxn modelId="{3404FBEA-295F-4E0D-B064-0243542752EA}" srcId="{65EE0E75-4455-4B9E-AA84-1A2FBDDB5D80}" destId="{6482F6D4-ADE2-48E4-AF83-16401F52C4E5}" srcOrd="1" destOrd="0" parTransId="{0FB502F4-F7BD-4FD8-A756-C7AF51F6CAA2}" sibTransId="{49FDE4CB-756D-4641-B225-FA1CC8C26832}"/>
     <dgm:cxn modelId="{09E893F5-91A3-49B2-B3FE-1C03BA6A697B}" srcId="{65EE0E75-4455-4B9E-AA84-1A2FBDDB5D80}" destId="{7E4C5F4D-1CBA-4A06-9899-1B4822DE7D47}" srcOrd="2" destOrd="0" parTransId="{E52ADEC9-847B-4C47-804A-44DF6E8B7442}" sibTransId="{878C87FF-8248-413B-9AD4-5151D00E5DE5}"/>
-    <dgm:cxn modelId="{C4A58B81-79F0-409E-96B1-96ED8977E197}" type="presOf" srcId="{40C0F772-F1A2-4486-8031-CA0FEA992B4A}" destId="{ECBC2BFB-CC65-46B8-8340-6F093CBB0F97}" srcOrd="0" destOrd="0" presId="urn:microsoft.com/office/officeart/2005/8/layout/matrix3"/>
-    <dgm:cxn modelId="{C9A1D246-F667-46CE-8266-9AE304006961}" type="presOf" srcId="{6482F6D4-ADE2-48E4-AF83-16401F52C4E5}" destId="{D892557B-5855-4D09-A019-47442C57D95A}" srcOrd="0" destOrd="0" presId="urn:microsoft.com/office/officeart/2005/8/layout/matrix3"/>
-    <dgm:cxn modelId="{19E4D786-4EE5-4B24-8483-75096FF616D2}" srcId="{65EE0E75-4455-4B9E-AA84-1A2FBDDB5D80}" destId="{40C0F772-F1A2-4486-8031-CA0FEA992B4A}" srcOrd="0" destOrd="0" parTransId="{BFBEA663-7A5A-4C67-A5E9-4F93FB4A331C}" sibTransId="{15599956-4AED-4271-8EEE-555122F49F80}"/>
-    <dgm:cxn modelId="{3404FBEA-295F-4E0D-B064-0243542752EA}" srcId="{65EE0E75-4455-4B9E-AA84-1A2FBDDB5D80}" destId="{6482F6D4-ADE2-48E4-AF83-16401F52C4E5}" srcOrd="1" destOrd="0" parTransId="{0FB502F4-F7BD-4FD8-A756-C7AF51F6CAA2}" sibTransId="{49FDE4CB-756D-4641-B225-FA1CC8C26832}"/>
-    <dgm:cxn modelId="{7E61290B-333F-4827-96E2-C8E979264BD8}" srcId="{65EE0E75-4455-4B9E-AA84-1A2FBDDB5D80}" destId="{898F6D3B-7781-41E9-8812-20D40D520A5D}" srcOrd="4" destOrd="0" parTransId="{EEF99F26-21A4-4766-AB23-8BA7CAA87E77}" sibTransId="{AD3E5BC3-0DFC-4B84-9A26-67B89FA6643A}"/>
-    <dgm:cxn modelId="{782060E6-65A9-40D8-94FD-40DA365527E7}" type="presOf" srcId="{65EE0E75-4455-4B9E-AA84-1A2FBDDB5D80}" destId="{20EACAB8-B4F6-47A3-9591-D1C19C51C684}" srcOrd="0" destOrd="0" presId="urn:microsoft.com/office/officeart/2005/8/layout/matrix3"/>
     <dgm:cxn modelId="{51232124-C472-4807-9849-C02E47319267}" type="presParOf" srcId="{20EACAB8-B4F6-47A3-9591-D1C19C51C684}" destId="{72734353-2385-467C-B63F-76923D2478D8}" srcOrd="0" destOrd="0" presId="urn:microsoft.com/office/officeart/2005/8/layout/matrix3"/>
     <dgm:cxn modelId="{B8C733EF-3F8C-4F8A-939A-56DA6F9C49E0}" type="presParOf" srcId="{20EACAB8-B4F6-47A3-9591-D1C19C51C684}" destId="{ECBC2BFB-CC65-46B8-8340-6F093CBB0F97}" srcOrd="1" destOrd="0" presId="urn:microsoft.com/office/officeart/2005/8/layout/matrix3"/>
     <dgm:cxn modelId="{07312C8B-7B05-40F9-AB5A-B1791B22E735}" type="presParOf" srcId="{20EACAB8-B4F6-47A3-9591-D1C19C51C684}" destId="{D892557B-5855-4D09-A019-47442C57D95A}" srcOrd="2" destOrd="0" presId="urn:microsoft.com/office/officeart/2005/8/layout/matrix3"/>
@@ -2815,7 +2778,7 @@
   <dgm:whole/>
   <dgm:extLst>
     <a:ext uri="http://schemas.microsoft.com/office/drawing/2008/diagram">
-      <dsp:dataModelExt xmlns="" xmlns:dsp="http://schemas.microsoft.com/office/drawing/2008/diagram" relId="rId6" minVer="http://schemas.openxmlformats.org/drawingml/2006/diagram"/>
+      <dsp:dataModelExt xmlns:dsp="http://schemas.microsoft.com/office/drawing/2008/diagram" relId="rId6" minVer="http://schemas.openxmlformats.org/drawingml/2006/diagram"/>
     </a:ext>
   </dgm:extLst>
 </dgm:dataModel>
@@ -2848,7 +2811,7 @@
         <a:p>
           <a:pPr rtl="0"/>
           <a:r>
-            <a:rPr lang="zh-CN" altLang="en-US" dirty="0" smtClean="0"/>
+            <a:rPr lang="zh-CN" altLang="en-US" dirty="0"/>
             <a:t>全局唯一</a:t>
           </a:r>
           <a:endParaRPr lang="zh-CN" dirty="0"/>
@@ -2899,7 +2862,7 @@
         <a:p>
           <a:pPr rtl="0"/>
           <a:r>
-            <a:rPr lang="zh-CN" altLang="en-US" dirty="0" smtClean="0"/>
+            <a:rPr lang="zh-CN" altLang="en-US" dirty="0"/>
             <a:t>粗略有序</a:t>
           </a:r>
           <a:endParaRPr lang="zh-CN" dirty="0"/>
@@ -2941,7 +2904,7 @@
         <a:p>
           <a:pPr rtl="0"/>
           <a:r>
-            <a:rPr lang="zh-CN" altLang="en-US" dirty="0" smtClean="0"/>
+            <a:rPr lang="zh-CN" altLang="en-US" dirty="0"/>
             <a:t>高性能</a:t>
           </a:r>
           <a:endParaRPr lang="zh-CN" dirty="0"/>
@@ -2983,10 +2946,10 @@
         <a:p>
           <a:pPr rtl="0"/>
           <a:r>
-            <a:rPr lang="zh-CN" altLang="en-US" dirty="0" smtClean="0"/>
+            <a:rPr lang="zh-CN" altLang="en-US" dirty="0"/>
             <a:t>可反解</a:t>
           </a:r>
-          <a:endParaRPr lang="en-US" altLang="zh-CN" dirty="0" smtClean="0"/>
+          <a:endParaRPr lang="en-US" altLang="zh-CN" dirty="0"/>
         </a:p>
       </dgm:t>
     </dgm:pt>
@@ -3025,7 +2988,7 @@
         <a:p>
           <a:pPr rtl="0"/>
           <a:r>
-            <a:rPr lang="zh-CN" altLang="en-US" dirty="0" smtClean="0"/>
+            <a:rPr lang="zh-CN" altLang="en-US" dirty="0"/>
             <a:t>高可用</a:t>
           </a:r>
           <a:endParaRPr lang="zh-CN" dirty="0"/>
@@ -3067,7 +3030,7 @@
         <a:p>
           <a:pPr rtl="0"/>
           <a:r>
-            <a:rPr lang="zh-CN" altLang="en-US" dirty="0" smtClean="0"/>
+            <a:rPr lang="zh-CN" altLang="en-US" dirty="0"/>
             <a:t>可伸缩</a:t>
           </a:r>
           <a:endParaRPr lang="zh-CN" dirty="0"/>
@@ -3220,10 +3183,10 @@
         <a:p>
           <a:pPr rtl="0"/>
           <a:r>
-            <a:rPr lang="zh-CN" altLang="en-US" dirty="0" smtClean="0"/>
+            <a:rPr lang="zh-CN" altLang="en-US" dirty="0"/>
             <a:t>可制造</a:t>
           </a:r>
-          <a:endParaRPr lang="en-US" altLang="zh-CN" dirty="0" smtClean="0"/>
+          <a:endParaRPr lang="en-US" altLang="zh-CN" dirty="0"/>
         </a:p>
       </dgm:t>
     </dgm:pt>
@@ -3258,13 +3221,6 @@
         </dgm:presLayoutVars>
       </dgm:prSet>
       <dgm:spPr/>
-      <dgm:t>
-        <a:bodyPr/>
-        <a:lstStyle/>
-        <a:p>
-          <a:endParaRPr lang="zh-CN" altLang="en-US"/>
-        </a:p>
-      </dgm:t>
     </dgm:pt>
     <dgm:pt modelId="{BA43D142-5FCE-44F3-923E-82FDD219E971}" type="pres">
       <dgm:prSet presAssocID="{15BF09B7-55C2-4672-AC1B-DF482C6EC22E}" presName="Name1" presStyleCnt="0"/>
@@ -3281,13 +3237,6 @@
     <dgm:pt modelId="{3B9EB3E4-56C5-4874-A7EC-88B6FADF0F45}" type="pres">
       <dgm:prSet presAssocID="{15BF09B7-55C2-4672-AC1B-DF482C6EC22E}" presName="conn" presStyleLbl="parChTrans1D2" presStyleIdx="0" presStyleCnt="1"/>
       <dgm:spPr/>
-      <dgm:t>
-        <a:bodyPr/>
-        <a:lstStyle/>
-        <a:p>
-          <a:endParaRPr lang="zh-CN" altLang="en-US"/>
-        </a:p>
-      </dgm:t>
     </dgm:pt>
     <dgm:pt modelId="{DD3CDEE6-8ECF-48D8-B33F-2E1BFA488B9A}" type="pres">
       <dgm:prSet presAssocID="{15BF09B7-55C2-4672-AC1B-DF482C6EC22E}" presName="extraNode" presStyleLbl="node1" presStyleIdx="0" presStyleCnt="7"/>
@@ -3304,13 +3253,6 @@
         </dgm:presLayoutVars>
       </dgm:prSet>
       <dgm:spPr/>
-      <dgm:t>
-        <a:bodyPr/>
-        <a:lstStyle/>
-        <a:p>
-          <a:endParaRPr lang="zh-CN" altLang="en-US"/>
-        </a:p>
-      </dgm:t>
     </dgm:pt>
     <dgm:pt modelId="{80E213B9-1E60-4971-97D0-1505599A7B18}" type="pres">
       <dgm:prSet presAssocID="{8E9C6022-2AE0-4D14-AEC8-DBB2CD7B9C43}" presName="accent_1" presStyleCnt="0"/>
@@ -3335,13 +3277,6 @@
         </dgm:presLayoutVars>
       </dgm:prSet>
       <dgm:spPr/>
-      <dgm:t>
-        <a:bodyPr/>
-        <a:lstStyle/>
-        <a:p>
-          <a:endParaRPr lang="zh-CN" altLang="en-US"/>
-        </a:p>
-      </dgm:t>
     </dgm:pt>
     <dgm:pt modelId="{86860BD7-83D0-42CA-9430-FD2B67C83E1E}" type="pres">
       <dgm:prSet presAssocID="{5CA7C109-7773-45E7-B2F2-50E888E0C466}" presName="accent_2" presStyleCnt="0"/>
@@ -3366,13 +3301,6 @@
         </dgm:presLayoutVars>
       </dgm:prSet>
       <dgm:spPr/>
-      <dgm:t>
-        <a:bodyPr/>
-        <a:lstStyle/>
-        <a:p>
-          <a:endParaRPr lang="zh-CN" altLang="en-US"/>
-        </a:p>
-      </dgm:t>
     </dgm:pt>
     <dgm:pt modelId="{456C7C1B-8F02-4E5D-B535-F882C5D228A4}" type="pres">
       <dgm:prSet presAssocID="{AD03B4B8-C84B-4A2E-938E-D59E4ACAA351}" presName="accent_3" presStyleCnt="0"/>
@@ -3397,13 +3325,6 @@
         </dgm:presLayoutVars>
       </dgm:prSet>
       <dgm:spPr/>
-      <dgm:t>
-        <a:bodyPr/>
-        <a:lstStyle/>
-        <a:p>
-          <a:endParaRPr lang="zh-CN" altLang="en-US"/>
-        </a:p>
-      </dgm:t>
     </dgm:pt>
     <dgm:pt modelId="{EC145CE9-F06A-4FFE-9FC7-222ECC9EB896}" type="pres">
       <dgm:prSet presAssocID="{92573E1A-B37D-4DF1-8B64-35F82961BF24}" presName="accent_4" presStyleCnt="0"/>
@@ -3428,13 +3349,6 @@
         </dgm:presLayoutVars>
       </dgm:prSet>
       <dgm:spPr/>
-      <dgm:t>
-        <a:bodyPr/>
-        <a:lstStyle/>
-        <a:p>
-          <a:endParaRPr lang="zh-CN" altLang="en-US"/>
-        </a:p>
-      </dgm:t>
     </dgm:pt>
     <dgm:pt modelId="{5E9F427D-0D08-4AC4-95E9-97F30B26B811}" type="pres">
       <dgm:prSet presAssocID="{D92D3D20-BE80-448D-87AB-F33B01D8B002}" presName="accent_5" presStyleCnt="0"/>
@@ -3451,13 +3365,6 @@
         </dgm:presLayoutVars>
       </dgm:prSet>
       <dgm:spPr/>
-      <dgm:t>
-        <a:bodyPr/>
-        <a:lstStyle/>
-        <a:p>
-          <a:endParaRPr lang="zh-CN" altLang="en-US"/>
-        </a:p>
-      </dgm:t>
     </dgm:pt>
     <dgm:pt modelId="{2C582F9F-5945-4946-A1B6-26B111AE1CBF}" type="pres">
       <dgm:prSet presAssocID="{6075F8AB-25A9-4C3D-AA9C-5DCAFBF7D383}" presName="accent_6" presStyleCnt="0"/>
@@ -3474,13 +3381,6 @@
         </dgm:presLayoutVars>
       </dgm:prSet>
       <dgm:spPr/>
-      <dgm:t>
-        <a:bodyPr/>
-        <a:lstStyle/>
-        <a:p>
-          <a:endParaRPr lang="zh-CN" altLang="en-US"/>
-        </a:p>
-      </dgm:t>
     </dgm:pt>
     <dgm:pt modelId="{C38D81B0-8BCB-44C7-98CD-ECC0C8C26726}" type="pres">
       <dgm:prSet presAssocID="{B6F7E374-8722-487A-A8AA-4B44D6C4EB02}" presName="accent_7" presStyleCnt="0"/>
@@ -3492,25 +3392,25 @@
     </dgm:pt>
   </dgm:ptLst>
   <dgm:cxnLst>
+    <dgm:cxn modelId="{38663604-0E97-4A9B-BE42-553ECDAF6561}" type="presOf" srcId="{8E9C6022-2AE0-4D14-AEC8-DBB2CD7B9C43}" destId="{5287DD70-736C-41B5-B551-FC29D71EE704}" srcOrd="0" destOrd="0" presId="urn:microsoft.com/office/officeart/2008/layout/VerticalCurvedList"/>
+    <dgm:cxn modelId="{47E25507-921D-43A0-B4AC-E27C86915567}" srcId="{15BF09B7-55C2-4672-AC1B-DF482C6EC22E}" destId="{CC9BDF89-286C-4419-B457-0B26BED971AF}" srcOrd="9" destOrd="0" parTransId="{23BF04F6-2BB9-4352-A63A-B8C99ADB3228}" sibTransId="{47DB7F6F-F8F6-48EF-9595-4C51084480A1}"/>
+    <dgm:cxn modelId="{9059B709-1CFD-4CC2-B427-2205EDEED818}" srcId="{15BF09B7-55C2-4672-AC1B-DF482C6EC22E}" destId="{6075F8AB-25A9-4C3D-AA9C-5DCAFBF7D383}" srcOrd="5" destOrd="0" parTransId="{2D600C96-F5D9-4E44-9FEA-5691458DDFB5}" sibTransId="{E895FD5C-3264-4E0F-A2B7-890FFF4FB9DF}"/>
+    <dgm:cxn modelId="{3A007E0D-9965-4DDB-8378-ABD45F5105CA}" srcId="{15BF09B7-55C2-4672-AC1B-DF482C6EC22E}" destId="{3FF66F12-5E99-400E-B153-4CB1727B4C4C}" srcOrd="7" destOrd="0" parTransId="{27D30E19-4221-4053-A682-65E8DB45D03D}" sibTransId="{11A6E4A4-6EA1-4B2D-BA36-495F523B473F}"/>
+    <dgm:cxn modelId="{77114116-6353-462F-ADB4-D6FF697D25F6}" srcId="{15BF09B7-55C2-4672-AC1B-DF482C6EC22E}" destId="{8E9C6022-2AE0-4D14-AEC8-DBB2CD7B9C43}" srcOrd="0" destOrd="0" parTransId="{FFB7BF63-F310-42F1-9465-6B3DF0F2104F}" sibTransId="{4866B835-4C19-4434-813D-6850FC243821}"/>
+    <dgm:cxn modelId="{1A1C0917-E2F4-43B4-9401-89C2410B4DE9}" srcId="{15BF09B7-55C2-4672-AC1B-DF482C6EC22E}" destId="{5CA7C109-7773-45E7-B2F2-50E888E0C466}" srcOrd="1" destOrd="0" parTransId="{4CF14377-9CF1-439C-AE51-5D13D9F2E682}" sibTransId="{276E1DA7-86EC-4FBD-A7B8-71C6B8A1E6EC}"/>
     <dgm:cxn modelId="{BD39B222-6D5D-46D1-9F44-4A35A91BBCD3}" srcId="{15BF09B7-55C2-4672-AC1B-DF482C6EC22E}" destId="{D92D3D20-BE80-448D-87AB-F33B01D8B002}" srcOrd="4" destOrd="0" parTransId="{C41B00AD-F675-479F-B926-5D16B78CAD99}" sibTransId="{115849B7-47CA-457F-BCF9-6491F96093C9}"/>
-    <dgm:cxn modelId="{9059B709-1CFD-4CC2-B427-2205EDEED818}" srcId="{15BF09B7-55C2-4672-AC1B-DF482C6EC22E}" destId="{6075F8AB-25A9-4C3D-AA9C-5DCAFBF7D383}" srcOrd="5" destOrd="0" parTransId="{2D600C96-F5D9-4E44-9FEA-5691458DDFB5}" sibTransId="{E895FD5C-3264-4E0F-A2B7-890FFF4FB9DF}"/>
+    <dgm:cxn modelId="{73F96529-3CE3-4E05-ABA0-54FC58210193}" type="presOf" srcId="{B6F7E374-8722-487A-A8AA-4B44D6C4EB02}" destId="{F79B54A0-B5C3-46B4-A947-D14F2A3CA5A4}" srcOrd="0" destOrd="0" presId="urn:microsoft.com/office/officeart/2008/layout/VerticalCurvedList"/>
+    <dgm:cxn modelId="{F84C0E30-424B-4CD2-98F6-D0FBEF069C5C}" type="presOf" srcId="{92573E1A-B37D-4DF1-8B64-35F82961BF24}" destId="{87FF2AFE-5C1A-477D-8CFB-14AF20DFC0AA}" srcOrd="0" destOrd="0" presId="urn:microsoft.com/office/officeart/2008/layout/VerticalCurvedList"/>
+    <dgm:cxn modelId="{62C51537-B0A9-455B-A81A-78D04DC3935B}" srcId="{15BF09B7-55C2-4672-AC1B-DF482C6EC22E}" destId="{92573E1A-B37D-4DF1-8B64-35F82961BF24}" srcOrd="3" destOrd="0" parTransId="{62511973-3619-4A89-BBD1-46A89A73A376}" sibTransId="{DF3A3395-E738-4A8C-B4DA-0051ECEE0FA0}"/>
+    <dgm:cxn modelId="{843F4940-1BDD-4BFE-A050-D26002115E68}" type="presOf" srcId="{5CA7C109-7773-45E7-B2F2-50E888E0C466}" destId="{7EC9194C-EB0C-4ABD-878D-3E27367F6F85}" srcOrd="0" destOrd="0" presId="urn:microsoft.com/office/officeart/2008/layout/VerticalCurvedList"/>
     <dgm:cxn modelId="{19CF8E4D-09BF-447A-B1B5-83FF6D76EFA0}" srcId="{15BF09B7-55C2-4672-AC1B-DF482C6EC22E}" destId="{AD03B4B8-C84B-4A2E-938E-D59E4ACAA351}" srcOrd="2" destOrd="0" parTransId="{FDA4C38A-FC92-4057-B022-0B11D8FF4D3D}" sibTransId="{7E205325-93B4-4F28-89CB-62F50B0645E4}"/>
-    <dgm:cxn modelId="{62C51537-B0A9-455B-A81A-78D04DC3935B}" srcId="{15BF09B7-55C2-4672-AC1B-DF482C6EC22E}" destId="{92573E1A-B37D-4DF1-8B64-35F82961BF24}" srcOrd="3" destOrd="0" parTransId="{62511973-3619-4A89-BBD1-46A89A73A376}" sibTransId="{DF3A3395-E738-4A8C-B4DA-0051ECEE0FA0}"/>
-    <dgm:cxn modelId="{1A1C0917-E2F4-43B4-9401-89C2410B4DE9}" srcId="{15BF09B7-55C2-4672-AC1B-DF482C6EC22E}" destId="{5CA7C109-7773-45E7-B2F2-50E888E0C466}" srcOrd="1" destOrd="0" parTransId="{4CF14377-9CF1-439C-AE51-5D13D9F2E682}" sibTransId="{276E1DA7-86EC-4FBD-A7B8-71C6B8A1E6EC}"/>
-    <dgm:cxn modelId="{77114116-6353-462F-ADB4-D6FF697D25F6}" srcId="{15BF09B7-55C2-4672-AC1B-DF482C6EC22E}" destId="{8E9C6022-2AE0-4D14-AEC8-DBB2CD7B9C43}" srcOrd="0" destOrd="0" parTransId="{FFB7BF63-F310-42F1-9465-6B3DF0F2104F}" sibTransId="{4866B835-4C19-4434-813D-6850FC243821}"/>
+    <dgm:cxn modelId="{A4B40657-8592-43BC-89F4-C0FCD0D2ABBF}" srcId="{15BF09B7-55C2-4672-AC1B-DF482C6EC22E}" destId="{B6F7E374-8722-487A-A8AA-4B44D6C4EB02}" srcOrd="6" destOrd="0" parTransId="{6D4A1226-A966-4DEF-87D8-A7984F95F681}" sibTransId="{F2EF88D6-1B0C-4AA7-82E6-48AEB8ED9B51}"/>
+    <dgm:cxn modelId="{7AD8115A-563B-4012-934C-FC4F9069E3F2}" type="presOf" srcId="{AD03B4B8-C84B-4A2E-938E-D59E4ACAA351}" destId="{0F850F57-E4B9-4ACE-9D0E-A5A45A2DF788}" srcOrd="0" destOrd="0" presId="urn:microsoft.com/office/officeart/2008/layout/VerticalCurvedList"/>
     <dgm:cxn modelId="{AF01289F-8109-4AEF-92EE-69657D899BF8}" type="presOf" srcId="{4866B835-4C19-4434-813D-6850FC243821}" destId="{3B9EB3E4-56C5-4874-A7EC-88B6FADF0F45}" srcOrd="0" destOrd="0" presId="urn:microsoft.com/office/officeart/2008/layout/VerticalCurvedList"/>
+    <dgm:cxn modelId="{1D95ECAD-8278-4E6A-B70C-0BCB5E74D0A1}" type="presOf" srcId="{15BF09B7-55C2-4672-AC1B-DF482C6EC22E}" destId="{7BC5280C-C4AF-4CF6-BFFD-2718D1CD4DCF}" srcOrd="0" destOrd="0" presId="urn:microsoft.com/office/officeart/2008/layout/VerticalCurvedList"/>
     <dgm:cxn modelId="{C92875C7-EF48-47A8-9284-98F99EF51006}" type="presOf" srcId="{D92D3D20-BE80-448D-87AB-F33B01D8B002}" destId="{6D570A75-6AAC-4A39-93C5-CF6D9A957DD9}" srcOrd="0" destOrd="0" presId="urn:microsoft.com/office/officeart/2008/layout/VerticalCurvedList"/>
     <dgm:cxn modelId="{44F7A2CA-5938-41F8-90E2-DA3493D78672}" srcId="{15BF09B7-55C2-4672-AC1B-DF482C6EC22E}" destId="{E8BE87D7-2F75-423D-9D33-41E5810B1E79}" srcOrd="8" destOrd="0" parTransId="{E5794096-4D27-4BE9-8AD9-98250F0E69EF}" sibTransId="{D7E7077C-6BDF-44E4-9E59-14530A0AD150}"/>
-    <dgm:cxn modelId="{1D95ECAD-8278-4E6A-B70C-0BCB5E74D0A1}" type="presOf" srcId="{15BF09B7-55C2-4672-AC1B-DF482C6EC22E}" destId="{7BC5280C-C4AF-4CF6-BFFD-2718D1CD4DCF}" srcOrd="0" destOrd="0" presId="urn:microsoft.com/office/officeart/2008/layout/VerticalCurvedList"/>
-    <dgm:cxn modelId="{843F4940-1BDD-4BFE-A050-D26002115E68}" type="presOf" srcId="{5CA7C109-7773-45E7-B2F2-50E888E0C466}" destId="{7EC9194C-EB0C-4ABD-878D-3E27367F6F85}" srcOrd="0" destOrd="0" presId="urn:microsoft.com/office/officeart/2008/layout/VerticalCurvedList"/>
-    <dgm:cxn modelId="{A4B40657-8592-43BC-89F4-C0FCD0D2ABBF}" srcId="{15BF09B7-55C2-4672-AC1B-DF482C6EC22E}" destId="{B6F7E374-8722-487A-A8AA-4B44D6C4EB02}" srcOrd="6" destOrd="0" parTransId="{6D4A1226-A966-4DEF-87D8-A7984F95F681}" sibTransId="{F2EF88D6-1B0C-4AA7-82E6-48AEB8ED9B51}"/>
-    <dgm:cxn modelId="{3A007E0D-9965-4DDB-8378-ABD45F5105CA}" srcId="{15BF09B7-55C2-4672-AC1B-DF482C6EC22E}" destId="{3FF66F12-5E99-400E-B153-4CB1727B4C4C}" srcOrd="7" destOrd="0" parTransId="{27D30E19-4221-4053-A682-65E8DB45D03D}" sibTransId="{11A6E4A4-6EA1-4B2D-BA36-495F523B473F}"/>
     <dgm:cxn modelId="{7F55FFE8-7D31-49D7-8D55-C13E2018BF1E}" type="presOf" srcId="{6075F8AB-25A9-4C3D-AA9C-5DCAFBF7D383}" destId="{20E21537-9A2E-4129-AA97-5A52BDBDA54D}" srcOrd="0" destOrd="0" presId="urn:microsoft.com/office/officeart/2008/layout/VerticalCurvedList"/>
-    <dgm:cxn modelId="{F84C0E30-424B-4CD2-98F6-D0FBEF069C5C}" type="presOf" srcId="{92573E1A-B37D-4DF1-8B64-35F82961BF24}" destId="{87FF2AFE-5C1A-477D-8CFB-14AF20DFC0AA}" srcOrd="0" destOrd="0" presId="urn:microsoft.com/office/officeart/2008/layout/VerticalCurvedList"/>
-    <dgm:cxn modelId="{7AD8115A-563B-4012-934C-FC4F9069E3F2}" type="presOf" srcId="{AD03B4B8-C84B-4A2E-938E-D59E4ACAA351}" destId="{0F850F57-E4B9-4ACE-9D0E-A5A45A2DF788}" srcOrd="0" destOrd="0" presId="urn:microsoft.com/office/officeart/2008/layout/VerticalCurvedList"/>
-    <dgm:cxn modelId="{47E25507-921D-43A0-B4AC-E27C86915567}" srcId="{15BF09B7-55C2-4672-AC1B-DF482C6EC22E}" destId="{CC9BDF89-286C-4419-B457-0B26BED971AF}" srcOrd="9" destOrd="0" parTransId="{23BF04F6-2BB9-4352-A63A-B8C99ADB3228}" sibTransId="{47DB7F6F-F8F6-48EF-9595-4C51084480A1}"/>
-    <dgm:cxn modelId="{73F96529-3CE3-4E05-ABA0-54FC58210193}" type="presOf" srcId="{B6F7E374-8722-487A-A8AA-4B44D6C4EB02}" destId="{F79B54A0-B5C3-46B4-A947-D14F2A3CA5A4}" srcOrd="0" destOrd="0" presId="urn:microsoft.com/office/officeart/2008/layout/VerticalCurvedList"/>
-    <dgm:cxn modelId="{38663604-0E97-4A9B-BE42-553ECDAF6561}" type="presOf" srcId="{8E9C6022-2AE0-4D14-AEC8-DBB2CD7B9C43}" destId="{5287DD70-736C-41B5-B551-FC29D71EE704}" srcOrd="0" destOrd="0" presId="urn:microsoft.com/office/officeart/2008/layout/VerticalCurvedList"/>
     <dgm:cxn modelId="{A5A8B3F0-138D-4E2F-9FEB-E18AE934993C}" type="presParOf" srcId="{7BC5280C-C4AF-4CF6-BFFD-2718D1CD4DCF}" destId="{BA43D142-5FCE-44F3-923E-82FDD219E971}" srcOrd="0" destOrd="0" presId="urn:microsoft.com/office/officeart/2008/layout/VerticalCurvedList"/>
     <dgm:cxn modelId="{2633E650-166F-4C18-8550-BBD9DE5BD84B}" type="presParOf" srcId="{BA43D142-5FCE-44F3-923E-82FDD219E971}" destId="{1AFD4FD2-ADCA-41F7-AE0F-B08BAA69BD57}" srcOrd="0" destOrd="0" presId="urn:microsoft.com/office/officeart/2008/layout/VerticalCurvedList"/>
     <dgm:cxn modelId="{0E972075-56E6-4EEC-BA8A-EE3FFF087D27}" type="presParOf" srcId="{1AFD4FD2-ADCA-41F7-AE0F-B08BAA69BD57}" destId="{8E4B4959-EF3B-46AF-BF38-CD0A70E9744A}" srcOrd="0" destOrd="0" presId="urn:microsoft.com/office/officeart/2008/layout/VerticalCurvedList"/>
@@ -3541,6 +3441,11 @@
   </dgm:cxnLst>
   <dgm:bg/>
   <dgm:whole/>
+  <dgm:extLst>
+    <a:ext uri="http://schemas.microsoft.com/office/drawing/2008/diagram">
+      <dsp:dataModelExt xmlns:dsp="http://schemas.microsoft.com/office/drawing/2008/diagram" relId="rId6" minVer="http://schemas.openxmlformats.org/drawingml/2006/diagram"/>
+    </a:ext>
+  </dgm:extLst>
 </dgm:dataModel>
 </file>
 
@@ -3573,7 +3478,7 @@
         <a:p>
           <a:pPr rtl="0"/>
           <a:r>
-            <a:rPr lang="zh-CN" altLang="en-US" dirty="0" smtClean="0"/>
+            <a:rPr lang="zh-CN" altLang="en-US" dirty="0"/>
             <a:t>嵌入式发布模式</a:t>
           </a:r>
           <a:endParaRPr lang="zh-CN" dirty="0"/>
@@ -3617,11 +3522,11 @@
         <a:p>
           <a:pPr rtl="0"/>
           <a:r>
-            <a:rPr lang="en-US" altLang="zh-CN" dirty="0" smtClean="0"/>
+            <a:rPr lang="en-US" altLang="zh-CN" dirty="0"/>
             <a:t>REST</a:t>
           </a:r>
           <a:r>
-            <a:rPr lang="zh-CN" altLang="en-US" dirty="0" smtClean="0"/>
+            <a:rPr lang="zh-CN" altLang="en-US" dirty="0"/>
             <a:t>发布模式</a:t>
           </a:r>
           <a:endParaRPr lang="zh-CN" dirty="0"/>
@@ -3665,7 +3570,7 @@
         <a:p>
           <a:pPr rtl="0"/>
           <a:r>
-            <a:rPr lang="zh-CN" altLang="en-US" dirty="0" smtClean="0"/>
+            <a:rPr lang="zh-CN" altLang="en-US" dirty="0"/>
             <a:t>中心服务器发布模式</a:t>
           </a:r>
           <a:endParaRPr lang="zh-CN" dirty="0"/>
@@ -3703,24 +3608,10 @@
         </dgm:presLayoutVars>
       </dgm:prSet>
       <dgm:spPr/>
-      <dgm:t>
-        <a:bodyPr/>
-        <a:lstStyle/>
-        <a:p>
-          <a:endParaRPr lang="zh-CN" altLang="en-US"/>
-        </a:p>
-      </dgm:t>
     </dgm:pt>
     <dgm:pt modelId="{B4A3A709-5A85-49AA-BD96-53A70D2B089F}" type="pres">
       <dgm:prSet presAssocID="{5216B82F-5852-437F-84D3-BEE815D0AA20}" presName="circ1" presStyleLbl="vennNode1" presStyleIdx="0" presStyleCnt="3"/>
       <dgm:spPr/>
-      <dgm:t>
-        <a:bodyPr/>
-        <a:lstStyle/>
-        <a:p>
-          <a:endParaRPr lang="zh-CN" altLang="en-US"/>
-        </a:p>
-      </dgm:t>
     </dgm:pt>
     <dgm:pt modelId="{BFB64063-68F9-41EC-98B7-99B037EC9BFF}" type="pres">
       <dgm:prSet presAssocID="{5216B82F-5852-437F-84D3-BEE815D0AA20}" presName="circ1Tx" presStyleLbl="revTx" presStyleIdx="0" presStyleCnt="0">
@@ -3731,24 +3622,10 @@
         </dgm:presLayoutVars>
       </dgm:prSet>
       <dgm:spPr/>
-      <dgm:t>
-        <a:bodyPr/>
-        <a:lstStyle/>
-        <a:p>
-          <a:endParaRPr lang="zh-CN" altLang="en-US"/>
-        </a:p>
-      </dgm:t>
     </dgm:pt>
     <dgm:pt modelId="{F6CB2580-2C2C-4A22-A643-F29475433480}" type="pres">
       <dgm:prSet presAssocID="{608B8DE5-8269-44CB-8480-DFCF911C0E7A}" presName="circ2" presStyleLbl="vennNode1" presStyleIdx="1" presStyleCnt="3"/>
       <dgm:spPr/>
-      <dgm:t>
-        <a:bodyPr/>
-        <a:lstStyle/>
-        <a:p>
-          <a:endParaRPr lang="zh-CN" altLang="en-US"/>
-        </a:p>
-      </dgm:t>
     </dgm:pt>
     <dgm:pt modelId="{3AA65F22-58F2-4EC0-92CC-EBDBD8CB444B}" type="pres">
       <dgm:prSet presAssocID="{608B8DE5-8269-44CB-8480-DFCF911C0E7A}" presName="circ2Tx" presStyleLbl="revTx" presStyleIdx="0" presStyleCnt="0">
@@ -3759,24 +3636,10 @@
         </dgm:presLayoutVars>
       </dgm:prSet>
       <dgm:spPr/>
-      <dgm:t>
-        <a:bodyPr/>
-        <a:lstStyle/>
-        <a:p>
-          <a:endParaRPr lang="zh-CN" altLang="en-US"/>
-        </a:p>
-      </dgm:t>
     </dgm:pt>
     <dgm:pt modelId="{B9B5392A-045D-47F0-9CA5-9C678EAFC07A}" type="pres">
       <dgm:prSet presAssocID="{1FF1BC39-332D-4C19-A429-F8325BBAEF5E}" presName="circ3" presStyleLbl="vennNode1" presStyleIdx="2" presStyleCnt="3"/>
       <dgm:spPr/>
-      <dgm:t>
-        <a:bodyPr/>
-        <a:lstStyle/>
-        <a:p>
-          <a:endParaRPr lang="zh-CN" altLang="en-US"/>
-        </a:p>
-      </dgm:t>
     </dgm:pt>
     <dgm:pt modelId="{DF64F36A-7292-4AF6-B2C4-10AC9FA4FFF7}" type="pres">
       <dgm:prSet presAssocID="{1FF1BC39-332D-4C19-A429-F8325BBAEF5E}" presName="circ3Tx" presStyleLbl="revTx" presStyleIdx="0" presStyleCnt="0">
@@ -3787,26 +3650,19 @@
         </dgm:presLayoutVars>
       </dgm:prSet>
       <dgm:spPr/>
-      <dgm:t>
-        <a:bodyPr/>
-        <a:lstStyle/>
-        <a:p>
-          <a:endParaRPr lang="zh-CN" altLang="en-US"/>
-        </a:p>
-      </dgm:t>
     </dgm:pt>
   </dgm:ptLst>
   <dgm:cxnLst>
-    <dgm:cxn modelId="{2F05D2AD-DE27-4C44-9773-023B83D8F927}" srcId="{CE846DB0-B88D-4435-BF15-F6E3E0D08475}" destId="{1FF1BC39-332D-4C19-A429-F8325BBAEF5E}" srcOrd="2" destOrd="0" parTransId="{83736032-E8A7-4177-94EA-743C6665DE7A}" sibTransId="{E9940B74-3741-4ED0-BD47-717B94053510}"/>
+    <dgm:cxn modelId="{22F3FE25-186C-4F82-B345-77EC863FA9EB}" srcId="{CE846DB0-B88D-4435-BF15-F6E3E0D08475}" destId="{608B8DE5-8269-44CB-8480-DFCF911C0E7A}" srcOrd="1" destOrd="0" parTransId="{FADB758F-3A8A-4DBC-A974-1D6CE4A1E973}" sibTransId="{1AE12487-1C58-4BC1-AA65-5D2F779D5591}"/>
     <dgm:cxn modelId="{26B3B52B-1D61-4FB2-A086-3AB3B1D50988}" type="presOf" srcId="{608B8DE5-8269-44CB-8480-DFCF911C0E7A}" destId="{3AA65F22-58F2-4EC0-92CC-EBDBD8CB444B}" srcOrd="1" destOrd="0" presId="urn:microsoft.com/office/officeart/2005/8/layout/venn1"/>
+    <dgm:cxn modelId="{AA87B95F-D142-43F3-B202-21A21B984E21}" type="presOf" srcId="{608B8DE5-8269-44CB-8480-DFCF911C0E7A}" destId="{F6CB2580-2C2C-4A22-A643-F29475433480}" srcOrd="0" destOrd="0" presId="urn:microsoft.com/office/officeart/2005/8/layout/venn1"/>
     <dgm:cxn modelId="{01CCAF6A-4B9A-4CBA-A658-AE0F3D1804E1}" srcId="{CE846DB0-B88D-4435-BF15-F6E3E0D08475}" destId="{5216B82F-5852-437F-84D3-BEE815D0AA20}" srcOrd="0" destOrd="0" parTransId="{A3030CDE-C6AE-4F46-BE86-86F582DC709E}" sibTransId="{FA674397-ACEB-47DD-A0C2-D48BF33B1A3A}"/>
     <dgm:cxn modelId="{661F5F92-73C1-4CEE-A579-D7618B62CBC7}" type="presOf" srcId="{CE846DB0-B88D-4435-BF15-F6E3E0D08475}" destId="{FE233F88-06A8-4603-9154-FCE434F6554F}" srcOrd="0" destOrd="0" presId="urn:microsoft.com/office/officeart/2005/8/layout/venn1"/>
+    <dgm:cxn modelId="{855B8E98-B1FB-4FAE-A34E-EB69E9402307}" type="presOf" srcId="{1FF1BC39-332D-4C19-A429-F8325BBAEF5E}" destId="{DF64F36A-7292-4AF6-B2C4-10AC9FA4FFF7}" srcOrd="1" destOrd="0" presId="urn:microsoft.com/office/officeart/2005/8/layout/venn1"/>
+    <dgm:cxn modelId="{5F4AA098-8032-4F52-AEF0-7B3662DE22BE}" type="presOf" srcId="{5216B82F-5852-437F-84D3-BEE815D0AA20}" destId="{BFB64063-68F9-41EC-98B7-99B037EC9BFF}" srcOrd="1" destOrd="0" presId="urn:microsoft.com/office/officeart/2005/8/layout/venn1"/>
+    <dgm:cxn modelId="{2F05D2AD-DE27-4C44-9773-023B83D8F927}" srcId="{CE846DB0-B88D-4435-BF15-F6E3E0D08475}" destId="{1FF1BC39-332D-4C19-A429-F8325BBAEF5E}" srcOrd="2" destOrd="0" parTransId="{83736032-E8A7-4177-94EA-743C6665DE7A}" sibTransId="{E9940B74-3741-4ED0-BD47-717B94053510}"/>
     <dgm:cxn modelId="{D3C7EEE7-886D-469B-B0E3-B775F8026BD5}" type="presOf" srcId="{5216B82F-5852-437F-84D3-BEE815D0AA20}" destId="{B4A3A709-5A85-49AA-BD96-53A70D2B089F}" srcOrd="0" destOrd="0" presId="urn:microsoft.com/office/officeart/2005/8/layout/venn1"/>
-    <dgm:cxn modelId="{AA87B95F-D142-43F3-B202-21A21B984E21}" type="presOf" srcId="{608B8DE5-8269-44CB-8480-DFCF911C0E7A}" destId="{F6CB2580-2C2C-4A22-A643-F29475433480}" srcOrd="0" destOrd="0" presId="urn:microsoft.com/office/officeart/2005/8/layout/venn1"/>
-    <dgm:cxn modelId="{22F3FE25-186C-4F82-B345-77EC863FA9EB}" srcId="{CE846DB0-B88D-4435-BF15-F6E3E0D08475}" destId="{608B8DE5-8269-44CB-8480-DFCF911C0E7A}" srcOrd="1" destOrd="0" parTransId="{FADB758F-3A8A-4DBC-A974-1D6CE4A1E973}" sibTransId="{1AE12487-1C58-4BC1-AA65-5D2F779D5591}"/>
-    <dgm:cxn modelId="{855B8E98-B1FB-4FAE-A34E-EB69E9402307}" type="presOf" srcId="{1FF1BC39-332D-4C19-A429-F8325BBAEF5E}" destId="{DF64F36A-7292-4AF6-B2C4-10AC9FA4FFF7}" srcOrd="1" destOrd="0" presId="urn:microsoft.com/office/officeart/2005/8/layout/venn1"/>
     <dgm:cxn modelId="{EBD322FE-2B67-4477-AD9A-9AD4591F3D84}" type="presOf" srcId="{1FF1BC39-332D-4C19-A429-F8325BBAEF5E}" destId="{B9B5392A-045D-47F0-9CA5-9C678EAFC07A}" srcOrd="0" destOrd="0" presId="urn:microsoft.com/office/officeart/2005/8/layout/venn1"/>
-    <dgm:cxn modelId="{5F4AA098-8032-4F52-AEF0-7B3662DE22BE}" type="presOf" srcId="{5216B82F-5852-437F-84D3-BEE815D0AA20}" destId="{BFB64063-68F9-41EC-98B7-99B037EC9BFF}" srcOrd="1" destOrd="0" presId="urn:microsoft.com/office/officeart/2005/8/layout/venn1"/>
     <dgm:cxn modelId="{D9EB5A05-A237-4FAC-AB83-4C653B2B4649}" type="presParOf" srcId="{FE233F88-06A8-4603-9154-FCE434F6554F}" destId="{B4A3A709-5A85-49AA-BD96-53A70D2B089F}" srcOrd="0" destOrd="0" presId="urn:microsoft.com/office/officeart/2005/8/layout/venn1"/>
     <dgm:cxn modelId="{5E3710C7-E06D-4FB7-8BFE-E8F1943CD75B}" type="presParOf" srcId="{FE233F88-06A8-4603-9154-FCE434F6554F}" destId="{BFB64063-68F9-41EC-98B7-99B037EC9BFF}" srcOrd="1" destOrd="0" presId="urn:microsoft.com/office/officeart/2005/8/layout/venn1"/>
     <dgm:cxn modelId="{D5E45479-F3A8-4EC3-9E35-6CC47EA3270C}" type="presParOf" srcId="{FE233F88-06A8-4603-9154-FCE434F6554F}" destId="{F6CB2580-2C2C-4A22-A643-F29475433480}" srcOrd="2" destOrd="0" presId="urn:microsoft.com/office/officeart/2005/8/layout/venn1"/>
@@ -3816,10 +3672,15 @@
   </dgm:cxnLst>
   <dgm:bg/>
   <dgm:whole/>
+  <dgm:extLst>
+    <a:ext uri="http://schemas.microsoft.com/office/drawing/2008/diagram">
+      <dsp:dataModelExt xmlns:dsp="http://schemas.microsoft.com/office/drawing/2008/diagram" relId="rId6" minVer="http://schemas.openxmlformats.org/drawingml/2006/diagram"/>
+    </a:ext>
+  </dgm:extLst>
 </dgm:dataModel>
 </file>
 
-<file path=ppt/diagrams/drawing3.xml><?xml version="1.0" encoding="utf-8"?>
+<file path=ppt/diagrams/drawing1.xml><?xml version="1.0" encoding="utf-8"?>
 <dsp:drawing xmlns:dgm="http://schemas.openxmlformats.org/drawingml/2006/diagram" xmlns:dsp="http://schemas.microsoft.com/office/drawing/2008/diagram" xmlns:a="http://schemas.openxmlformats.org/drawingml/2006/main">
   <dsp:spTree>
     <dsp:nvGrpSpPr>
@@ -3871,8 +3732,8 @@
       </dsp:nvSpPr>
       <dsp:spPr>
         <a:xfrm>
-          <a:off x="2273053" y="429966"/>
-          <a:ext cx="1765125" cy="1765125"/>
+          <a:off x="2221830" y="448597"/>
+          <a:ext cx="1867573" cy="1727863"/>
         </a:xfrm>
         <a:prstGeom prst="roundRect">
           <a:avLst/>
@@ -3908,12 +3769,12 @@
         </a:fontRef>
       </dsp:style>
       <dsp:txBody>
-        <a:bodyPr spcFirstLastPara="0" vert="horz" wrap="square" lIns="72390" tIns="72390" rIns="72390" bIns="72390" numCol="1" spcCol="1270" anchor="ctr" anchorCtr="0">
+        <a:bodyPr spcFirstLastPara="0" vert="horz" wrap="square" lIns="68580" tIns="68580" rIns="68580" bIns="68580" numCol="1" spcCol="1270" anchor="ctr" anchorCtr="0">
           <a:noAutofit/>
         </a:bodyPr>
         <a:lstStyle/>
         <a:p>
-          <a:pPr lvl="0" algn="ctr" defTabSz="844550" rtl="0">
+          <a:pPr marL="0" lvl="0" indent="0" algn="ctr" defTabSz="800100" rtl="0">
             <a:lnSpc>
               <a:spcPct val="90000"/>
             </a:lnSpc>
@@ -3923,25 +3784,21 @@
             <a:spcAft>
               <a:spcPct val="35000"/>
             </a:spcAft>
+            <a:buNone/>
           </a:pPr>
           <a:r>
-            <a:rPr lang="zh-CN" sz="1900" kern="1200" smtClean="0"/>
-            <a:t>凭提货码（</a:t>
+            <a:rPr lang="en-US" altLang="zh-CN" sz="1800" kern="1200" dirty="0"/>
+            <a:t>1. </a:t>
           </a:r>
           <a:r>
-            <a:rPr lang="en-US" sz="1900" kern="1200" smtClean="0"/>
-            <a:t>ticket</a:t>
+            <a:rPr lang="zh-CN" altLang="en-US" sz="1800" kern="1200" dirty="0"/>
+            <a:t>多种质量属性</a:t>
           </a:r>
-          <a:r>
-            <a:rPr lang="zh-CN" sz="1900" kern="1200" smtClean="0"/>
-            <a:t>）到店自提货</a:t>
-          </a:r>
-          <a:endParaRPr lang="zh-CN" sz="1900" kern="1200"/>
         </a:p>
       </dsp:txBody>
       <dsp:txXfrm>
-        <a:off x="2359219" y="516132"/>
-        <a:ext cx="1592793" cy="1592793"/>
+        <a:off x="2306177" y="532944"/>
+        <a:ext cx="1698879" cy="1559169"/>
       </dsp:txXfrm>
     </dsp:sp>
     <dsp:sp modelId="{D892557B-5855-4D09-A019-47442C57D95A}">
@@ -3988,12 +3845,12 @@
         </a:fontRef>
       </dsp:style>
       <dsp:txBody>
-        <a:bodyPr spcFirstLastPara="0" vert="horz" wrap="square" lIns="72390" tIns="72390" rIns="72390" bIns="72390" numCol="1" spcCol="1270" anchor="ctr" anchorCtr="0">
+        <a:bodyPr spcFirstLastPara="0" vert="horz" wrap="square" lIns="68580" tIns="68580" rIns="68580" bIns="68580" numCol="1" spcCol="1270" anchor="ctr" anchorCtr="0">
           <a:noAutofit/>
         </a:bodyPr>
         <a:lstStyle/>
         <a:p>
-          <a:pPr lvl="0" algn="ctr" defTabSz="844550" rtl="0">
+          <a:pPr marL="0" lvl="0" indent="0" algn="ctr" defTabSz="800100" rtl="0">
             <a:lnSpc>
               <a:spcPct val="90000"/>
             </a:lnSpc>
@@ -4003,12 +3860,16 @@
             <a:spcAft>
               <a:spcPct val="35000"/>
             </a:spcAft>
+            <a:buNone/>
           </a:pPr>
           <a:r>
-            <a:rPr lang="zh-CN" sz="1900" kern="1200" dirty="0" smtClean="0"/>
-            <a:t>依靠物流送货到家</a:t>
+            <a:rPr lang="en-US" altLang="zh-CN" sz="1800" kern="1200" dirty="0"/>
+            <a:t>2. </a:t>
           </a:r>
-          <a:endParaRPr lang="zh-CN" sz="1900" kern="1200" dirty="0"/>
+          <a:r>
+            <a:rPr lang="zh-CN" altLang="en-US" sz="1800" kern="1200" dirty="0"/>
+            <a:t>多种发布模式</a:t>
+          </a:r>
         </a:p>
       </dsp:txBody>
       <dsp:txXfrm>
@@ -4060,12 +3921,12 @@
         </a:fontRef>
       </dsp:style>
       <dsp:txBody>
-        <a:bodyPr spcFirstLastPara="0" vert="horz" wrap="square" lIns="72390" tIns="72390" rIns="72390" bIns="72390" numCol="1" spcCol="1270" anchor="ctr" anchorCtr="0">
+        <a:bodyPr spcFirstLastPara="0" vert="horz" wrap="square" lIns="68580" tIns="68580" rIns="68580" bIns="68580" numCol="1" spcCol="1270" anchor="ctr" anchorCtr="0">
           <a:noAutofit/>
         </a:bodyPr>
         <a:lstStyle/>
         <a:p>
-          <a:pPr lvl="0" algn="ctr" defTabSz="844550" rtl="0">
+          <a:pPr marL="0" lvl="0" indent="0" algn="ctr" defTabSz="800100" rtl="0">
             <a:lnSpc>
               <a:spcPct val="90000"/>
             </a:lnSpc>
@@ -4075,12 +3936,16 @@
             <a:spcAft>
               <a:spcPct val="35000"/>
             </a:spcAft>
+            <a:buNone/>
           </a:pPr>
           <a:r>
-            <a:rPr lang="zh-CN" sz="1900" kern="1200" dirty="0" smtClean="0"/>
-            <a:t>依靠外卖送餐到家</a:t>
+            <a:rPr lang="en-US" altLang="zh-CN" sz="1800" kern="1200" dirty="0"/>
+            <a:t>3. </a:t>
           </a:r>
-          <a:endParaRPr lang="zh-CN" sz="1900" kern="1200" dirty="0"/>
+          <a:r>
+            <a:rPr lang="zh-CN" altLang="en-US" sz="1800" kern="1200" dirty="0"/>
+            <a:t>多种性能场景</a:t>
+          </a:r>
         </a:p>
       </dsp:txBody>
       <dsp:txXfrm>
@@ -4132,12 +3997,12 @@
         </a:fontRef>
       </dsp:style>
       <dsp:txBody>
-        <a:bodyPr spcFirstLastPara="0" vert="horz" wrap="square" lIns="72390" tIns="72390" rIns="72390" bIns="72390" numCol="1" spcCol="1270" anchor="ctr" anchorCtr="0">
+        <a:bodyPr spcFirstLastPara="0" vert="horz" wrap="square" lIns="68580" tIns="68580" rIns="68580" bIns="68580" numCol="1" spcCol="1270" anchor="ctr" anchorCtr="0">
           <a:noAutofit/>
         </a:bodyPr>
         <a:lstStyle/>
         <a:p>
-          <a:pPr lvl="0" algn="ctr" defTabSz="844550" rtl="0">
+          <a:pPr marL="0" lvl="0" indent="0" algn="l" defTabSz="800100" rtl="0">
             <a:lnSpc>
               <a:spcPct val="90000"/>
             </a:lnSpc>
@@ -4147,17 +4012,1145 @@
             <a:spcAft>
               <a:spcPct val="35000"/>
             </a:spcAft>
+            <a:buNone/>
           </a:pPr>
           <a:r>
-            <a:rPr lang="zh-CN" sz="1900" kern="1200" dirty="0" smtClean="0"/>
-            <a:t>直接发送电子类商品给用户（比如充值卡号、游戏点卡号等）</a:t>
+            <a:rPr lang="en-US" altLang="zh-CN" sz="1800" kern="1200" dirty="0"/>
+            <a:t>4. </a:t>
           </a:r>
-          <a:endParaRPr lang="zh-CN" sz="1900" kern="1200" dirty="0"/>
+          <a:r>
+            <a:rPr lang="zh-CN" altLang="en-US" sz="1800" kern="1200" dirty="0"/>
+            <a:t>性能压测保驾护航</a:t>
+          </a:r>
+          <a:endParaRPr lang="en-US" altLang="zh-CN" sz="1800" kern="1200" dirty="0"/>
         </a:p>
       </dsp:txBody>
       <dsp:txXfrm>
         <a:off x="4260124" y="2417036"/>
         <a:ext cx="1592793" cy="1592793"/>
+      </dsp:txXfrm>
+    </dsp:sp>
+  </dsp:spTree>
+</dsp:drawing>
+</file>
+
+<file path=ppt/diagrams/drawing2.xml><?xml version="1.0" encoding="utf-8"?>
+<dsp:drawing xmlns:dgm="http://schemas.openxmlformats.org/drawingml/2006/diagram" xmlns:dsp="http://schemas.microsoft.com/office/drawing/2008/diagram" xmlns:a="http://schemas.openxmlformats.org/drawingml/2006/main">
+  <dsp:spTree>
+    <dsp:nvGrpSpPr>
+      <dsp:cNvPr id="0" name=""/>
+      <dsp:cNvGrpSpPr/>
+    </dsp:nvGrpSpPr>
+    <dsp:grpSpPr/>
+    <dsp:sp modelId="{3B9EB3E4-56C5-4874-A7EC-88B6FADF0F45}">
+      <dsp:nvSpPr>
+        <dsp:cNvPr id="0" name=""/>
+        <dsp:cNvSpPr/>
+      </dsp:nvSpPr>
+      <dsp:spPr>
+        <a:xfrm>
+          <a:off x="-5114931" y="-783865"/>
+          <a:ext cx="6093694" cy="6093694"/>
+        </a:xfrm>
+        <a:prstGeom prst="blockArc">
+          <a:avLst>
+            <a:gd name="adj1" fmla="val 18900000"/>
+            <a:gd name="adj2" fmla="val 2700000"/>
+            <a:gd name="adj3" fmla="val 354"/>
+          </a:avLst>
+        </a:prstGeom>
+        <a:noFill/>
+        <a:ln w="25400" cap="flat" cmpd="sng" algn="ctr">
+          <a:solidFill>
+            <a:schemeClr val="accent2">
+              <a:lumMod val="60000"/>
+              <a:lumOff val="40000"/>
+            </a:schemeClr>
+          </a:solidFill>
+          <a:prstDash val="solid"/>
+        </a:ln>
+        <a:effectLst/>
+      </dsp:spPr>
+      <dsp:style>
+        <a:lnRef idx="2">
+          <a:scrgbClr r="0" g="0" b="0"/>
+        </a:lnRef>
+        <a:fillRef idx="0">
+          <a:scrgbClr r="0" g="0" b="0"/>
+        </a:fillRef>
+        <a:effectRef idx="0">
+          <a:scrgbClr r="0" g="0" b="0"/>
+        </a:effectRef>
+        <a:fontRef idx="minor"/>
+      </dsp:style>
+    </dsp:sp>
+    <dsp:sp modelId="{5287DD70-736C-41B5-B551-FC29D71EE704}">
+      <dsp:nvSpPr>
+        <dsp:cNvPr id="0" name=""/>
+        <dsp:cNvSpPr/>
+      </dsp:nvSpPr>
+      <dsp:spPr>
+        <a:xfrm>
+          <a:off x="317496" y="205750"/>
+          <a:ext cx="7834220" cy="411319"/>
+        </a:xfrm>
+        <a:prstGeom prst="rect">
+          <a:avLst/>
+        </a:prstGeom>
+        <a:solidFill>
+          <a:srgbClr val="0070C0"/>
+        </a:solidFill>
+        <a:ln w="25400" cap="flat" cmpd="sng" algn="ctr">
+          <a:solidFill>
+            <a:schemeClr val="lt1">
+              <a:hueOff val="0"/>
+              <a:satOff val="0"/>
+              <a:lumOff val="0"/>
+              <a:alphaOff val="0"/>
+            </a:schemeClr>
+          </a:solidFill>
+          <a:prstDash val="solid"/>
+        </a:ln>
+        <a:effectLst/>
+      </dsp:spPr>
+      <dsp:style>
+        <a:lnRef idx="2">
+          <a:scrgbClr r="0" g="0" b="0"/>
+        </a:lnRef>
+        <a:fillRef idx="1">
+          <a:scrgbClr r="0" g="0" b="0"/>
+        </a:fillRef>
+        <a:effectRef idx="0">
+          <a:scrgbClr r="0" g="0" b="0"/>
+        </a:effectRef>
+        <a:fontRef idx="minor">
+          <a:schemeClr val="lt1"/>
+        </a:fontRef>
+      </dsp:style>
+      <dsp:txBody>
+        <a:bodyPr spcFirstLastPara="0" vert="horz" wrap="square" lIns="326485" tIns="50800" rIns="50800" bIns="50800" numCol="1" spcCol="1270" anchor="ctr" anchorCtr="0">
+          <a:noAutofit/>
+        </a:bodyPr>
+        <a:lstStyle/>
+        <a:p>
+          <a:pPr marL="0" lvl="0" indent="0" algn="l" defTabSz="889000" rtl="0">
+            <a:lnSpc>
+              <a:spcPct val="90000"/>
+            </a:lnSpc>
+            <a:spcBef>
+              <a:spcPct val="0"/>
+            </a:spcBef>
+            <a:spcAft>
+              <a:spcPct val="35000"/>
+            </a:spcAft>
+            <a:buNone/>
+          </a:pPr>
+          <a:r>
+            <a:rPr lang="zh-CN" altLang="en-US" sz="2000" kern="1200" dirty="0"/>
+            <a:t>全局唯一</a:t>
+          </a:r>
+          <a:endParaRPr lang="zh-CN" sz="2000" kern="1200" dirty="0"/>
+        </a:p>
+      </dsp:txBody>
+      <dsp:txXfrm>
+        <a:off x="317496" y="205750"/>
+        <a:ext cx="7834220" cy="411319"/>
+      </dsp:txXfrm>
+    </dsp:sp>
+    <dsp:sp modelId="{A512BADE-2205-4079-9556-BFFE696D8CAA}">
+      <dsp:nvSpPr>
+        <dsp:cNvPr id="0" name=""/>
+        <dsp:cNvSpPr/>
+      </dsp:nvSpPr>
+      <dsp:spPr>
+        <a:xfrm>
+          <a:off x="60421" y="154335"/>
+          <a:ext cx="514149" cy="514149"/>
+        </a:xfrm>
+        <a:prstGeom prst="ellipse">
+          <a:avLst/>
+        </a:prstGeom>
+        <a:solidFill>
+          <a:schemeClr val="lt1">
+            <a:hueOff val="0"/>
+            <a:satOff val="0"/>
+            <a:lumOff val="0"/>
+            <a:alphaOff val="0"/>
+          </a:schemeClr>
+        </a:solidFill>
+        <a:ln w="25400" cap="flat" cmpd="sng" algn="ctr">
+          <a:solidFill>
+            <a:schemeClr val="accent2">
+              <a:lumMod val="75000"/>
+            </a:schemeClr>
+          </a:solidFill>
+          <a:prstDash val="solid"/>
+        </a:ln>
+        <a:effectLst/>
+      </dsp:spPr>
+      <dsp:style>
+        <a:lnRef idx="2">
+          <a:scrgbClr r="0" g="0" b="0"/>
+        </a:lnRef>
+        <a:fillRef idx="1">
+          <a:scrgbClr r="0" g="0" b="0"/>
+        </a:fillRef>
+        <a:effectRef idx="0">
+          <a:scrgbClr r="0" g="0" b="0"/>
+        </a:effectRef>
+        <a:fontRef idx="minor"/>
+      </dsp:style>
+    </dsp:sp>
+    <dsp:sp modelId="{7EC9194C-EB0C-4ABD-878D-3E27367F6F85}">
+      <dsp:nvSpPr>
+        <dsp:cNvPr id="0" name=""/>
+        <dsp:cNvSpPr/>
+      </dsp:nvSpPr>
+      <dsp:spPr>
+        <a:xfrm>
+          <a:off x="689983" y="823091"/>
+          <a:ext cx="7461733" cy="411319"/>
+        </a:xfrm>
+        <a:prstGeom prst="rect">
+          <a:avLst/>
+        </a:prstGeom>
+        <a:solidFill>
+          <a:srgbClr val="0070C0"/>
+        </a:solidFill>
+        <a:ln w="25400" cap="flat" cmpd="sng" algn="ctr">
+          <a:solidFill>
+            <a:schemeClr val="lt1">
+              <a:hueOff val="0"/>
+              <a:satOff val="0"/>
+              <a:lumOff val="0"/>
+              <a:alphaOff val="0"/>
+            </a:schemeClr>
+          </a:solidFill>
+          <a:prstDash val="solid"/>
+        </a:ln>
+        <a:effectLst/>
+      </dsp:spPr>
+      <dsp:style>
+        <a:lnRef idx="2">
+          <a:scrgbClr r="0" g="0" b="0"/>
+        </a:lnRef>
+        <a:fillRef idx="1">
+          <a:scrgbClr r="0" g="0" b="0"/>
+        </a:fillRef>
+        <a:effectRef idx="0">
+          <a:scrgbClr r="0" g="0" b="0"/>
+        </a:effectRef>
+        <a:fontRef idx="minor">
+          <a:schemeClr val="lt1"/>
+        </a:fontRef>
+      </dsp:style>
+      <dsp:txBody>
+        <a:bodyPr spcFirstLastPara="0" vert="horz" wrap="square" lIns="326485" tIns="50800" rIns="50800" bIns="50800" numCol="1" spcCol="1270" anchor="ctr" anchorCtr="0">
+          <a:noAutofit/>
+        </a:bodyPr>
+        <a:lstStyle/>
+        <a:p>
+          <a:pPr marL="0" lvl="0" indent="0" algn="l" defTabSz="889000" rtl="0">
+            <a:lnSpc>
+              <a:spcPct val="90000"/>
+            </a:lnSpc>
+            <a:spcBef>
+              <a:spcPct val="0"/>
+            </a:spcBef>
+            <a:spcAft>
+              <a:spcPct val="35000"/>
+            </a:spcAft>
+            <a:buNone/>
+          </a:pPr>
+          <a:r>
+            <a:rPr lang="zh-CN" altLang="en-US" sz="2000" kern="1200" dirty="0"/>
+            <a:t>粗略有序</a:t>
+          </a:r>
+          <a:endParaRPr lang="zh-CN" sz="2000" kern="1200" dirty="0"/>
+        </a:p>
+      </dsp:txBody>
+      <dsp:txXfrm>
+        <a:off x="689983" y="823091"/>
+        <a:ext cx="7461733" cy="411319"/>
+      </dsp:txXfrm>
+    </dsp:sp>
+    <dsp:sp modelId="{4E480D27-8B35-4A87-B478-67828E65A1D2}">
+      <dsp:nvSpPr>
+        <dsp:cNvPr id="0" name=""/>
+        <dsp:cNvSpPr/>
+      </dsp:nvSpPr>
+      <dsp:spPr>
+        <a:xfrm>
+          <a:off x="432908" y="771676"/>
+          <a:ext cx="514149" cy="514149"/>
+        </a:xfrm>
+        <a:prstGeom prst="ellipse">
+          <a:avLst/>
+        </a:prstGeom>
+        <a:solidFill>
+          <a:schemeClr val="lt1">
+            <a:hueOff val="0"/>
+            <a:satOff val="0"/>
+            <a:lumOff val="0"/>
+            <a:alphaOff val="0"/>
+          </a:schemeClr>
+        </a:solidFill>
+        <a:ln w="25400" cap="flat" cmpd="sng" algn="ctr">
+          <a:solidFill>
+            <a:schemeClr val="accent2">
+              <a:lumMod val="75000"/>
+            </a:schemeClr>
+          </a:solidFill>
+          <a:prstDash val="solid"/>
+        </a:ln>
+        <a:effectLst/>
+      </dsp:spPr>
+      <dsp:style>
+        <a:lnRef idx="2">
+          <a:scrgbClr r="0" g="0" b="0"/>
+        </a:lnRef>
+        <a:fillRef idx="1">
+          <a:scrgbClr r="0" g="0" b="0"/>
+        </a:fillRef>
+        <a:effectRef idx="0">
+          <a:scrgbClr r="0" g="0" b="0"/>
+        </a:effectRef>
+        <a:fontRef idx="minor"/>
+      </dsp:style>
+    </dsp:sp>
+    <dsp:sp modelId="{0F850F57-E4B9-4ACE-9D0E-A5A45A2DF788}">
+      <dsp:nvSpPr>
+        <dsp:cNvPr id="0" name=""/>
+        <dsp:cNvSpPr/>
+      </dsp:nvSpPr>
+      <dsp:spPr>
+        <a:xfrm>
+          <a:off x="894103" y="1439980"/>
+          <a:ext cx="7257612" cy="411319"/>
+        </a:xfrm>
+        <a:prstGeom prst="rect">
+          <a:avLst/>
+        </a:prstGeom>
+        <a:solidFill>
+          <a:srgbClr val="0070C0"/>
+        </a:solidFill>
+        <a:ln w="25400" cap="flat" cmpd="sng" algn="ctr">
+          <a:solidFill>
+            <a:schemeClr val="lt1">
+              <a:hueOff val="0"/>
+              <a:satOff val="0"/>
+              <a:lumOff val="0"/>
+              <a:alphaOff val="0"/>
+            </a:schemeClr>
+          </a:solidFill>
+          <a:prstDash val="solid"/>
+        </a:ln>
+        <a:effectLst/>
+      </dsp:spPr>
+      <dsp:style>
+        <a:lnRef idx="2">
+          <a:scrgbClr r="0" g="0" b="0"/>
+        </a:lnRef>
+        <a:fillRef idx="1">
+          <a:scrgbClr r="0" g="0" b="0"/>
+        </a:fillRef>
+        <a:effectRef idx="0">
+          <a:scrgbClr r="0" g="0" b="0"/>
+        </a:effectRef>
+        <a:fontRef idx="minor">
+          <a:schemeClr val="lt1"/>
+        </a:fontRef>
+      </dsp:style>
+      <dsp:txBody>
+        <a:bodyPr spcFirstLastPara="0" vert="horz" wrap="square" lIns="326485" tIns="50800" rIns="50800" bIns="50800" numCol="1" spcCol="1270" anchor="ctr" anchorCtr="0">
+          <a:noAutofit/>
+        </a:bodyPr>
+        <a:lstStyle/>
+        <a:p>
+          <a:pPr marL="0" lvl="0" indent="0" algn="l" defTabSz="889000" rtl="0">
+            <a:lnSpc>
+              <a:spcPct val="90000"/>
+            </a:lnSpc>
+            <a:spcBef>
+              <a:spcPct val="0"/>
+            </a:spcBef>
+            <a:spcAft>
+              <a:spcPct val="35000"/>
+            </a:spcAft>
+            <a:buNone/>
+          </a:pPr>
+          <a:r>
+            <a:rPr lang="zh-CN" altLang="en-US" sz="2000" kern="1200" dirty="0"/>
+            <a:t>可反解</a:t>
+          </a:r>
+          <a:endParaRPr lang="en-US" altLang="zh-CN" sz="2000" kern="1200" dirty="0"/>
+        </a:p>
+      </dsp:txBody>
+      <dsp:txXfrm>
+        <a:off x="894103" y="1439980"/>
+        <a:ext cx="7257612" cy="411319"/>
+      </dsp:txXfrm>
+    </dsp:sp>
+    <dsp:sp modelId="{9588FC49-E12A-4F13-9E13-D96357CF9BC0}">
+      <dsp:nvSpPr>
+        <dsp:cNvPr id="0" name=""/>
+        <dsp:cNvSpPr/>
+      </dsp:nvSpPr>
+      <dsp:spPr>
+        <a:xfrm>
+          <a:off x="637029" y="1388565"/>
+          <a:ext cx="514149" cy="514149"/>
+        </a:xfrm>
+        <a:prstGeom prst="ellipse">
+          <a:avLst/>
+        </a:prstGeom>
+        <a:solidFill>
+          <a:schemeClr val="lt1">
+            <a:hueOff val="0"/>
+            <a:satOff val="0"/>
+            <a:lumOff val="0"/>
+            <a:alphaOff val="0"/>
+          </a:schemeClr>
+        </a:solidFill>
+        <a:ln w="25400" cap="flat" cmpd="sng" algn="ctr">
+          <a:solidFill>
+            <a:schemeClr val="accent2">
+              <a:lumMod val="75000"/>
+            </a:schemeClr>
+          </a:solidFill>
+          <a:prstDash val="solid"/>
+        </a:ln>
+        <a:effectLst/>
+      </dsp:spPr>
+      <dsp:style>
+        <a:lnRef idx="2">
+          <a:scrgbClr r="0" g="0" b="0"/>
+        </a:lnRef>
+        <a:fillRef idx="1">
+          <a:scrgbClr r="0" g="0" b="0"/>
+        </a:fillRef>
+        <a:effectRef idx="0">
+          <a:scrgbClr r="0" g="0" b="0"/>
+        </a:effectRef>
+        <a:fontRef idx="minor"/>
+      </dsp:style>
+    </dsp:sp>
+    <dsp:sp modelId="{87FF2AFE-5C1A-477D-8CFB-14AF20DFC0AA}">
+      <dsp:nvSpPr>
+        <dsp:cNvPr id="0" name=""/>
+        <dsp:cNvSpPr/>
+      </dsp:nvSpPr>
+      <dsp:spPr>
+        <a:xfrm>
+          <a:off x="959277" y="2057321"/>
+          <a:ext cx="7192438" cy="411319"/>
+        </a:xfrm>
+        <a:prstGeom prst="rect">
+          <a:avLst/>
+        </a:prstGeom>
+        <a:solidFill>
+          <a:srgbClr val="0070C0"/>
+        </a:solidFill>
+        <a:ln w="25400" cap="flat" cmpd="sng" algn="ctr">
+          <a:solidFill>
+            <a:schemeClr val="lt1">
+              <a:hueOff val="0"/>
+              <a:satOff val="0"/>
+              <a:lumOff val="0"/>
+              <a:alphaOff val="0"/>
+            </a:schemeClr>
+          </a:solidFill>
+          <a:prstDash val="solid"/>
+        </a:ln>
+        <a:effectLst/>
+      </dsp:spPr>
+      <dsp:style>
+        <a:lnRef idx="2">
+          <a:scrgbClr r="0" g="0" b="0"/>
+        </a:lnRef>
+        <a:fillRef idx="1">
+          <a:scrgbClr r="0" g="0" b="0"/>
+        </a:fillRef>
+        <a:effectRef idx="0">
+          <a:scrgbClr r="0" g="0" b="0"/>
+        </a:effectRef>
+        <a:fontRef idx="minor">
+          <a:schemeClr val="lt1"/>
+        </a:fontRef>
+      </dsp:style>
+      <dsp:txBody>
+        <a:bodyPr spcFirstLastPara="0" vert="horz" wrap="square" lIns="326485" tIns="50800" rIns="50800" bIns="50800" numCol="1" spcCol="1270" anchor="ctr" anchorCtr="0">
+          <a:noAutofit/>
+        </a:bodyPr>
+        <a:lstStyle/>
+        <a:p>
+          <a:pPr marL="0" lvl="0" indent="0" algn="l" defTabSz="889000" rtl="0">
+            <a:lnSpc>
+              <a:spcPct val="90000"/>
+            </a:lnSpc>
+            <a:spcBef>
+              <a:spcPct val="0"/>
+            </a:spcBef>
+            <a:spcAft>
+              <a:spcPct val="35000"/>
+            </a:spcAft>
+            <a:buNone/>
+          </a:pPr>
+          <a:r>
+            <a:rPr lang="zh-CN" altLang="en-US" sz="2000" kern="1200" dirty="0"/>
+            <a:t>可制造</a:t>
+          </a:r>
+          <a:endParaRPr lang="en-US" altLang="zh-CN" sz="2000" kern="1200" dirty="0"/>
+        </a:p>
+      </dsp:txBody>
+      <dsp:txXfrm>
+        <a:off x="959277" y="2057321"/>
+        <a:ext cx="7192438" cy="411319"/>
+      </dsp:txXfrm>
+    </dsp:sp>
+    <dsp:sp modelId="{34752047-E330-4003-90BA-AECED196C49A}">
+      <dsp:nvSpPr>
+        <dsp:cNvPr id="0" name=""/>
+        <dsp:cNvSpPr/>
+      </dsp:nvSpPr>
+      <dsp:spPr>
+        <a:xfrm>
+          <a:off x="702203" y="2005906"/>
+          <a:ext cx="514149" cy="514149"/>
+        </a:xfrm>
+        <a:prstGeom prst="ellipse">
+          <a:avLst/>
+        </a:prstGeom>
+        <a:solidFill>
+          <a:schemeClr val="lt1">
+            <a:hueOff val="0"/>
+            <a:satOff val="0"/>
+            <a:lumOff val="0"/>
+            <a:alphaOff val="0"/>
+          </a:schemeClr>
+        </a:solidFill>
+        <a:ln w="25400" cap="flat" cmpd="sng" algn="ctr">
+          <a:solidFill>
+            <a:schemeClr val="accent2">
+              <a:lumMod val="75000"/>
+            </a:schemeClr>
+          </a:solidFill>
+          <a:prstDash val="solid"/>
+        </a:ln>
+        <a:effectLst/>
+      </dsp:spPr>
+      <dsp:style>
+        <a:lnRef idx="2">
+          <a:scrgbClr r="0" g="0" b="0"/>
+        </a:lnRef>
+        <a:fillRef idx="1">
+          <a:scrgbClr r="0" g="0" b="0"/>
+        </a:fillRef>
+        <a:effectRef idx="0">
+          <a:scrgbClr r="0" g="0" b="0"/>
+        </a:effectRef>
+        <a:fontRef idx="minor"/>
+      </dsp:style>
+    </dsp:sp>
+    <dsp:sp modelId="{6D570A75-6AAC-4A39-93C5-CF6D9A957DD9}">
+      <dsp:nvSpPr>
+        <dsp:cNvPr id="0" name=""/>
+        <dsp:cNvSpPr/>
+      </dsp:nvSpPr>
+      <dsp:spPr>
+        <a:xfrm>
+          <a:off x="894103" y="2674663"/>
+          <a:ext cx="7257612" cy="411319"/>
+        </a:xfrm>
+        <a:prstGeom prst="rect">
+          <a:avLst/>
+        </a:prstGeom>
+        <a:solidFill>
+          <a:srgbClr val="0070C0"/>
+        </a:solidFill>
+        <a:ln w="25400" cap="flat" cmpd="sng" algn="ctr">
+          <a:solidFill>
+            <a:schemeClr val="lt1">
+              <a:hueOff val="0"/>
+              <a:satOff val="0"/>
+              <a:lumOff val="0"/>
+              <a:alphaOff val="0"/>
+            </a:schemeClr>
+          </a:solidFill>
+          <a:prstDash val="solid"/>
+        </a:ln>
+        <a:effectLst/>
+      </dsp:spPr>
+      <dsp:style>
+        <a:lnRef idx="2">
+          <a:scrgbClr r="0" g="0" b="0"/>
+        </a:lnRef>
+        <a:fillRef idx="1">
+          <a:scrgbClr r="0" g="0" b="0"/>
+        </a:fillRef>
+        <a:effectRef idx="0">
+          <a:scrgbClr r="0" g="0" b="0"/>
+        </a:effectRef>
+        <a:fontRef idx="minor">
+          <a:schemeClr val="lt1"/>
+        </a:fontRef>
+      </dsp:style>
+      <dsp:txBody>
+        <a:bodyPr spcFirstLastPara="0" vert="horz" wrap="square" lIns="326485" tIns="50800" rIns="50800" bIns="50800" numCol="1" spcCol="1270" anchor="ctr" anchorCtr="0">
+          <a:noAutofit/>
+        </a:bodyPr>
+        <a:lstStyle/>
+        <a:p>
+          <a:pPr marL="0" lvl="0" indent="0" algn="l" defTabSz="889000" rtl="0">
+            <a:lnSpc>
+              <a:spcPct val="90000"/>
+            </a:lnSpc>
+            <a:spcBef>
+              <a:spcPct val="0"/>
+            </a:spcBef>
+            <a:spcAft>
+              <a:spcPct val="35000"/>
+            </a:spcAft>
+            <a:buNone/>
+          </a:pPr>
+          <a:r>
+            <a:rPr lang="zh-CN" altLang="en-US" sz="2000" kern="1200" dirty="0"/>
+            <a:t>高性能</a:t>
+          </a:r>
+          <a:endParaRPr lang="zh-CN" sz="2000" kern="1200" dirty="0"/>
+        </a:p>
+      </dsp:txBody>
+      <dsp:txXfrm>
+        <a:off x="894103" y="2674663"/>
+        <a:ext cx="7257612" cy="411319"/>
+      </dsp:txXfrm>
+    </dsp:sp>
+    <dsp:sp modelId="{8554DFDF-CD47-45A7-A046-CE1C98E173FC}">
+      <dsp:nvSpPr>
+        <dsp:cNvPr id="0" name=""/>
+        <dsp:cNvSpPr/>
+      </dsp:nvSpPr>
+      <dsp:spPr>
+        <a:xfrm>
+          <a:off x="637029" y="2623248"/>
+          <a:ext cx="514149" cy="514149"/>
+        </a:xfrm>
+        <a:prstGeom prst="ellipse">
+          <a:avLst/>
+        </a:prstGeom>
+        <a:solidFill>
+          <a:schemeClr val="lt1">
+            <a:hueOff val="0"/>
+            <a:satOff val="0"/>
+            <a:lumOff val="0"/>
+            <a:alphaOff val="0"/>
+          </a:schemeClr>
+        </a:solidFill>
+        <a:ln w="25400" cap="flat" cmpd="sng" algn="ctr">
+          <a:solidFill>
+            <a:schemeClr val="accent1">
+              <a:hueOff val="0"/>
+              <a:satOff val="0"/>
+              <a:lumOff val="0"/>
+              <a:alphaOff val="0"/>
+            </a:schemeClr>
+          </a:solidFill>
+          <a:prstDash val="solid"/>
+        </a:ln>
+        <a:effectLst/>
+      </dsp:spPr>
+      <dsp:style>
+        <a:lnRef idx="2">
+          <a:scrgbClr r="0" g="0" b="0"/>
+        </a:lnRef>
+        <a:fillRef idx="1">
+          <a:scrgbClr r="0" g="0" b="0"/>
+        </a:fillRef>
+        <a:effectRef idx="0">
+          <a:scrgbClr r="0" g="0" b="0"/>
+        </a:effectRef>
+        <a:fontRef idx="minor"/>
+      </dsp:style>
+    </dsp:sp>
+    <dsp:sp modelId="{20E21537-9A2E-4129-AA97-5A52BDBDA54D}">
+      <dsp:nvSpPr>
+        <dsp:cNvPr id="0" name=""/>
+        <dsp:cNvSpPr/>
+      </dsp:nvSpPr>
+      <dsp:spPr>
+        <a:xfrm>
+          <a:off x="689983" y="3291551"/>
+          <a:ext cx="7461733" cy="411319"/>
+        </a:xfrm>
+        <a:prstGeom prst="rect">
+          <a:avLst/>
+        </a:prstGeom>
+        <a:solidFill>
+          <a:srgbClr val="0070C0"/>
+        </a:solidFill>
+        <a:ln w="25400" cap="flat" cmpd="sng" algn="ctr">
+          <a:solidFill>
+            <a:schemeClr val="lt1">
+              <a:hueOff val="0"/>
+              <a:satOff val="0"/>
+              <a:lumOff val="0"/>
+              <a:alphaOff val="0"/>
+            </a:schemeClr>
+          </a:solidFill>
+          <a:prstDash val="solid"/>
+        </a:ln>
+        <a:effectLst/>
+      </dsp:spPr>
+      <dsp:style>
+        <a:lnRef idx="2">
+          <a:scrgbClr r="0" g="0" b="0"/>
+        </a:lnRef>
+        <a:fillRef idx="1">
+          <a:scrgbClr r="0" g="0" b="0"/>
+        </a:fillRef>
+        <a:effectRef idx="0">
+          <a:scrgbClr r="0" g="0" b="0"/>
+        </a:effectRef>
+        <a:fontRef idx="minor">
+          <a:schemeClr val="lt1"/>
+        </a:fontRef>
+      </dsp:style>
+      <dsp:txBody>
+        <a:bodyPr spcFirstLastPara="0" vert="horz" wrap="square" lIns="326485" tIns="50800" rIns="50800" bIns="50800" numCol="1" spcCol="1270" anchor="ctr" anchorCtr="0">
+          <a:noAutofit/>
+        </a:bodyPr>
+        <a:lstStyle/>
+        <a:p>
+          <a:pPr marL="0" lvl="0" indent="0" algn="l" defTabSz="889000" rtl="0">
+            <a:lnSpc>
+              <a:spcPct val="90000"/>
+            </a:lnSpc>
+            <a:spcBef>
+              <a:spcPct val="0"/>
+            </a:spcBef>
+            <a:spcAft>
+              <a:spcPct val="35000"/>
+            </a:spcAft>
+            <a:buNone/>
+          </a:pPr>
+          <a:r>
+            <a:rPr lang="zh-CN" altLang="en-US" sz="2000" kern="1200" dirty="0"/>
+            <a:t>高可用</a:t>
+          </a:r>
+          <a:endParaRPr lang="zh-CN" sz="2000" kern="1200" dirty="0"/>
+        </a:p>
+      </dsp:txBody>
+      <dsp:txXfrm>
+        <a:off x="689983" y="3291551"/>
+        <a:ext cx="7461733" cy="411319"/>
+      </dsp:txXfrm>
+    </dsp:sp>
+    <dsp:sp modelId="{FD68171C-0083-4E71-9DC4-783E00C61E6D}">
+      <dsp:nvSpPr>
+        <dsp:cNvPr id="0" name=""/>
+        <dsp:cNvSpPr/>
+      </dsp:nvSpPr>
+      <dsp:spPr>
+        <a:xfrm>
+          <a:off x="432908" y="3240136"/>
+          <a:ext cx="514149" cy="514149"/>
+        </a:xfrm>
+        <a:prstGeom prst="ellipse">
+          <a:avLst/>
+        </a:prstGeom>
+        <a:solidFill>
+          <a:schemeClr val="lt1">
+            <a:hueOff val="0"/>
+            <a:satOff val="0"/>
+            <a:lumOff val="0"/>
+            <a:alphaOff val="0"/>
+          </a:schemeClr>
+        </a:solidFill>
+        <a:ln w="25400" cap="flat" cmpd="sng" algn="ctr">
+          <a:solidFill>
+            <a:schemeClr val="accent1">
+              <a:hueOff val="0"/>
+              <a:satOff val="0"/>
+              <a:lumOff val="0"/>
+              <a:alphaOff val="0"/>
+            </a:schemeClr>
+          </a:solidFill>
+          <a:prstDash val="solid"/>
+        </a:ln>
+        <a:effectLst/>
+      </dsp:spPr>
+      <dsp:style>
+        <a:lnRef idx="2">
+          <a:scrgbClr r="0" g="0" b="0"/>
+        </a:lnRef>
+        <a:fillRef idx="1">
+          <a:scrgbClr r="0" g="0" b="0"/>
+        </a:fillRef>
+        <a:effectRef idx="0">
+          <a:scrgbClr r="0" g="0" b="0"/>
+        </a:effectRef>
+        <a:fontRef idx="minor"/>
+      </dsp:style>
+    </dsp:sp>
+    <dsp:sp modelId="{F79B54A0-B5C3-46B4-A947-D14F2A3CA5A4}">
+      <dsp:nvSpPr>
+        <dsp:cNvPr id="0" name=""/>
+        <dsp:cNvSpPr/>
+      </dsp:nvSpPr>
+      <dsp:spPr>
+        <a:xfrm>
+          <a:off x="317496" y="3908893"/>
+          <a:ext cx="7834220" cy="411319"/>
+        </a:xfrm>
+        <a:prstGeom prst="rect">
+          <a:avLst/>
+        </a:prstGeom>
+        <a:solidFill>
+          <a:srgbClr val="0070C0"/>
+        </a:solidFill>
+        <a:ln w="25400" cap="flat" cmpd="sng" algn="ctr">
+          <a:solidFill>
+            <a:schemeClr val="lt1">
+              <a:hueOff val="0"/>
+              <a:satOff val="0"/>
+              <a:lumOff val="0"/>
+              <a:alphaOff val="0"/>
+            </a:schemeClr>
+          </a:solidFill>
+          <a:prstDash val="solid"/>
+        </a:ln>
+        <a:effectLst/>
+      </dsp:spPr>
+      <dsp:style>
+        <a:lnRef idx="2">
+          <a:scrgbClr r="0" g="0" b="0"/>
+        </a:lnRef>
+        <a:fillRef idx="1">
+          <a:scrgbClr r="0" g="0" b="0"/>
+        </a:fillRef>
+        <a:effectRef idx="0">
+          <a:scrgbClr r="0" g="0" b="0"/>
+        </a:effectRef>
+        <a:fontRef idx="minor">
+          <a:schemeClr val="lt1"/>
+        </a:fontRef>
+      </dsp:style>
+      <dsp:txBody>
+        <a:bodyPr spcFirstLastPara="0" vert="horz" wrap="square" lIns="326485" tIns="50800" rIns="50800" bIns="50800" numCol="1" spcCol="1270" anchor="ctr" anchorCtr="0">
+          <a:noAutofit/>
+        </a:bodyPr>
+        <a:lstStyle/>
+        <a:p>
+          <a:pPr marL="0" lvl="0" indent="0" algn="l" defTabSz="889000" rtl="0">
+            <a:lnSpc>
+              <a:spcPct val="90000"/>
+            </a:lnSpc>
+            <a:spcBef>
+              <a:spcPct val="0"/>
+            </a:spcBef>
+            <a:spcAft>
+              <a:spcPct val="35000"/>
+            </a:spcAft>
+            <a:buNone/>
+          </a:pPr>
+          <a:r>
+            <a:rPr lang="zh-CN" altLang="en-US" sz="2000" kern="1200" dirty="0"/>
+            <a:t>可伸缩</a:t>
+          </a:r>
+          <a:endParaRPr lang="zh-CN" sz="2000" kern="1200" dirty="0"/>
+        </a:p>
+      </dsp:txBody>
+      <dsp:txXfrm>
+        <a:off x="317496" y="3908893"/>
+        <a:ext cx="7834220" cy="411319"/>
+      </dsp:txXfrm>
+    </dsp:sp>
+    <dsp:sp modelId="{32594713-6840-4E59-9C32-9790EAF3BDE7}">
+      <dsp:nvSpPr>
+        <dsp:cNvPr id="0" name=""/>
+        <dsp:cNvSpPr/>
+      </dsp:nvSpPr>
+      <dsp:spPr>
+        <a:xfrm>
+          <a:off x="60421" y="3857478"/>
+          <a:ext cx="514149" cy="514149"/>
+        </a:xfrm>
+        <a:prstGeom prst="ellipse">
+          <a:avLst/>
+        </a:prstGeom>
+        <a:solidFill>
+          <a:schemeClr val="lt1">
+            <a:hueOff val="0"/>
+            <a:satOff val="0"/>
+            <a:lumOff val="0"/>
+            <a:alphaOff val="0"/>
+          </a:schemeClr>
+        </a:solidFill>
+        <a:ln w="25400" cap="flat" cmpd="sng" algn="ctr">
+          <a:solidFill>
+            <a:schemeClr val="accent1">
+              <a:hueOff val="0"/>
+              <a:satOff val="0"/>
+              <a:lumOff val="0"/>
+              <a:alphaOff val="0"/>
+            </a:schemeClr>
+          </a:solidFill>
+          <a:prstDash val="solid"/>
+        </a:ln>
+        <a:effectLst/>
+      </dsp:spPr>
+      <dsp:style>
+        <a:lnRef idx="2">
+          <a:scrgbClr r="0" g="0" b="0"/>
+        </a:lnRef>
+        <a:fillRef idx="1">
+          <a:scrgbClr r="0" g="0" b="0"/>
+        </a:fillRef>
+        <a:effectRef idx="0">
+          <a:scrgbClr r="0" g="0" b="0"/>
+        </a:effectRef>
+        <a:fontRef idx="minor"/>
+      </dsp:style>
+    </dsp:sp>
+  </dsp:spTree>
+</dsp:drawing>
+</file>
+
+<file path=ppt/diagrams/drawing3.xml><?xml version="1.0" encoding="utf-8"?>
+<dsp:drawing xmlns:dgm="http://schemas.openxmlformats.org/drawingml/2006/diagram" xmlns:dsp="http://schemas.microsoft.com/office/drawing/2008/diagram" xmlns:a="http://schemas.openxmlformats.org/drawingml/2006/main">
+  <dsp:spTree>
+    <dsp:nvGrpSpPr>
+      <dsp:cNvPr id="0" name=""/>
+      <dsp:cNvGrpSpPr/>
+    </dsp:nvGrpSpPr>
+    <dsp:grpSpPr/>
+    <dsp:sp modelId="{B4A3A709-5A85-49AA-BD96-53A70D2B089F}">
+      <dsp:nvSpPr>
+        <dsp:cNvPr id="0" name=""/>
+        <dsp:cNvSpPr/>
+      </dsp:nvSpPr>
+      <dsp:spPr>
+        <a:xfrm>
+          <a:off x="2748280" y="56574"/>
+          <a:ext cx="2715577" cy="2715577"/>
+        </a:xfrm>
+        <a:prstGeom prst="ellipse">
+          <a:avLst/>
+        </a:prstGeom>
+        <a:solidFill>
+          <a:srgbClr val="0070C0">
+            <a:alpha val="50000"/>
+          </a:srgbClr>
+        </a:solidFill>
+        <a:ln w="25400" cap="flat" cmpd="sng" algn="ctr">
+          <a:solidFill>
+            <a:schemeClr val="lt1">
+              <a:hueOff val="0"/>
+              <a:satOff val="0"/>
+              <a:lumOff val="0"/>
+              <a:alphaOff val="0"/>
+            </a:schemeClr>
+          </a:solidFill>
+          <a:prstDash val="solid"/>
+        </a:ln>
+        <a:effectLst/>
+      </dsp:spPr>
+      <dsp:style>
+        <a:lnRef idx="2">
+          <a:scrgbClr r="0" g="0" b="0"/>
+        </a:lnRef>
+        <a:fillRef idx="1">
+          <a:scrgbClr r="0" g="0" b="0"/>
+        </a:fillRef>
+        <a:effectRef idx="0">
+          <a:scrgbClr r="0" g="0" b="0"/>
+        </a:effectRef>
+        <a:fontRef idx="minor">
+          <a:schemeClr val="tx1"/>
+        </a:fontRef>
+      </dsp:style>
+      <dsp:txBody>
+        <a:bodyPr spcFirstLastPara="0" vert="horz" wrap="square" lIns="0" tIns="0" rIns="0" bIns="0" numCol="1" spcCol="1270" anchor="ctr" anchorCtr="0">
+          <a:noAutofit/>
+        </a:bodyPr>
+        <a:lstStyle/>
+        <a:p>
+          <a:pPr marL="0" lvl="0" indent="0" algn="ctr" defTabSz="1466850" rtl="0">
+            <a:lnSpc>
+              <a:spcPct val="90000"/>
+            </a:lnSpc>
+            <a:spcBef>
+              <a:spcPct val="0"/>
+            </a:spcBef>
+            <a:spcAft>
+              <a:spcPct val="35000"/>
+            </a:spcAft>
+            <a:buNone/>
+          </a:pPr>
+          <a:r>
+            <a:rPr lang="zh-CN" altLang="en-US" sz="3300" kern="1200" dirty="0"/>
+            <a:t>嵌入式发布模式</a:t>
+          </a:r>
+          <a:endParaRPr lang="zh-CN" sz="3300" kern="1200" dirty="0"/>
+        </a:p>
+      </dsp:txBody>
+      <dsp:txXfrm>
+        <a:off x="3110357" y="531800"/>
+        <a:ext cx="1991423" cy="1222010"/>
+      </dsp:txXfrm>
+    </dsp:sp>
+    <dsp:sp modelId="{F6CB2580-2C2C-4A22-A643-F29475433480}">
+      <dsp:nvSpPr>
+        <dsp:cNvPr id="0" name=""/>
+        <dsp:cNvSpPr/>
+      </dsp:nvSpPr>
+      <dsp:spPr>
+        <a:xfrm>
+          <a:off x="3728151" y="1753810"/>
+          <a:ext cx="2715577" cy="2715577"/>
+        </a:xfrm>
+        <a:prstGeom prst="ellipse">
+          <a:avLst/>
+        </a:prstGeom>
+        <a:solidFill>
+          <a:srgbClr val="0070C0">
+            <a:alpha val="50000"/>
+          </a:srgbClr>
+        </a:solidFill>
+        <a:ln w="25400" cap="flat" cmpd="sng" algn="ctr">
+          <a:solidFill>
+            <a:schemeClr val="lt1">
+              <a:hueOff val="0"/>
+              <a:satOff val="0"/>
+              <a:lumOff val="0"/>
+              <a:alphaOff val="0"/>
+            </a:schemeClr>
+          </a:solidFill>
+          <a:prstDash val="solid"/>
+        </a:ln>
+        <a:effectLst/>
+      </dsp:spPr>
+      <dsp:style>
+        <a:lnRef idx="2">
+          <a:scrgbClr r="0" g="0" b="0"/>
+        </a:lnRef>
+        <a:fillRef idx="1">
+          <a:scrgbClr r="0" g="0" b="0"/>
+        </a:fillRef>
+        <a:effectRef idx="0">
+          <a:scrgbClr r="0" g="0" b="0"/>
+        </a:effectRef>
+        <a:fontRef idx="minor">
+          <a:schemeClr val="tx1"/>
+        </a:fontRef>
+      </dsp:style>
+      <dsp:txBody>
+        <a:bodyPr spcFirstLastPara="0" vert="horz" wrap="square" lIns="0" tIns="0" rIns="0" bIns="0" numCol="1" spcCol="1270" anchor="ctr" anchorCtr="0">
+          <a:noAutofit/>
+        </a:bodyPr>
+        <a:lstStyle/>
+        <a:p>
+          <a:pPr marL="0" lvl="0" indent="0" algn="ctr" defTabSz="1466850" rtl="0">
+            <a:lnSpc>
+              <a:spcPct val="90000"/>
+            </a:lnSpc>
+            <a:spcBef>
+              <a:spcPct val="0"/>
+            </a:spcBef>
+            <a:spcAft>
+              <a:spcPct val="35000"/>
+            </a:spcAft>
+            <a:buNone/>
+          </a:pPr>
+          <a:r>
+            <a:rPr lang="en-US" altLang="zh-CN" sz="3300" kern="1200" dirty="0"/>
+            <a:t>REST</a:t>
+          </a:r>
+          <a:r>
+            <a:rPr lang="zh-CN" altLang="en-US" sz="3300" kern="1200" dirty="0"/>
+            <a:t>发布模式</a:t>
+          </a:r>
+          <a:endParaRPr lang="zh-CN" sz="3300" kern="1200" dirty="0"/>
+        </a:p>
+      </dsp:txBody>
+      <dsp:txXfrm>
+        <a:off x="4558665" y="2455334"/>
+        <a:ext cx="1629346" cy="1493567"/>
+      </dsp:txXfrm>
+    </dsp:sp>
+    <dsp:sp modelId="{B9B5392A-045D-47F0-9CA5-9C678EAFC07A}">
+      <dsp:nvSpPr>
+        <dsp:cNvPr id="0" name=""/>
+        <dsp:cNvSpPr/>
+      </dsp:nvSpPr>
+      <dsp:spPr>
+        <a:xfrm>
+          <a:off x="1768409" y="1753810"/>
+          <a:ext cx="2715577" cy="2715577"/>
+        </a:xfrm>
+        <a:prstGeom prst="ellipse">
+          <a:avLst/>
+        </a:prstGeom>
+        <a:solidFill>
+          <a:srgbClr val="0070C0">
+            <a:alpha val="50000"/>
+          </a:srgbClr>
+        </a:solidFill>
+        <a:ln w="25400" cap="flat" cmpd="sng" algn="ctr">
+          <a:solidFill>
+            <a:schemeClr val="lt1">
+              <a:hueOff val="0"/>
+              <a:satOff val="0"/>
+              <a:lumOff val="0"/>
+              <a:alphaOff val="0"/>
+            </a:schemeClr>
+          </a:solidFill>
+          <a:prstDash val="solid"/>
+        </a:ln>
+        <a:effectLst/>
+      </dsp:spPr>
+      <dsp:style>
+        <a:lnRef idx="2">
+          <a:scrgbClr r="0" g="0" b="0"/>
+        </a:lnRef>
+        <a:fillRef idx="1">
+          <a:scrgbClr r="0" g="0" b="0"/>
+        </a:fillRef>
+        <a:effectRef idx="0">
+          <a:scrgbClr r="0" g="0" b="0"/>
+        </a:effectRef>
+        <a:fontRef idx="minor">
+          <a:schemeClr val="tx1"/>
+        </a:fontRef>
+      </dsp:style>
+      <dsp:txBody>
+        <a:bodyPr spcFirstLastPara="0" vert="horz" wrap="square" lIns="0" tIns="0" rIns="0" bIns="0" numCol="1" spcCol="1270" anchor="ctr" anchorCtr="0">
+          <a:noAutofit/>
+        </a:bodyPr>
+        <a:lstStyle/>
+        <a:p>
+          <a:pPr marL="0" lvl="0" indent="0" algn="ctr" defTabSz="1466850" rtl="0">
+            <a:lnSpc>
+              <a:spcPct val="90000"/>
+            </a:lnSpc>
+            <a:spcBef>
+              <a:spcPct val="0"/>
+            </a:spcBef>
+            <a:spcAft>
+              <a:spcPct val="35000"/>
+            </a:spcAft>
+            <a:buNone/>
+          </a:pPr>
+          <a:r>
+            <a:rPr lang="zh-CN" altLang="en-US" sz="3300" kern="1200" dirty="0"/>
+            <a:t>中心服务器发布模式</a:t>
+          </a:r>
+          <a:endParaRPr lang="zh-CN" sz="3300" kern="1200" dirty="0"/>
+        </a:p>
+      </dsp:txBody>
+      <dsp:txXfrm>
+        <a:off x="2024126" y="2455334"/>
+        <a:ext cx="1629346" cy="1493567"/>
       </dsp:txXfrm>
     </dsp:sp>
   </dsp:spTree>
@@ -9760,7 +10753,7 @@
               <a:pPr>
                 <a:defRPr/>
               </a:pPr>
-              <a:t>6/17/2015</a:t>
+              <a:t>3/26/2019</a:t>
             </a:fld>
             <a:endParaRPr lang="en-US" dirty="0"/>
           </a:p>
@@ -9872,7 +10865,7 @@
     </p:spTree>
     <p:extLst>
       <p:ext uri="{BB962C8B-B14F-4D97-AF65-F5344CB8AC3E}">
-        <p14:creationId xmlns="" xmlns:p14="http://schemas.microsoft.com/office/powerpoint/2010/main" val="995558021"/>
+        <p14:creationId xmlns:p14="http://schemas.microsoft.com/office/powerpoint/2010/main" val="995558021"/>
       </p:ext>
     </p:extLst>
   </p:cSld>
@@ -9929,7 +10922,7 @@
           </a:ln>
           <a:extLst>
             <a:ext uri="{91240B29-F687-4F45-9708-019B960494DF}">
-              <a14:hiddenLine xmlns="" xmlns:a14="http://schemas.microsoft.com/office/drawing/2010/main" w="9525">
+              <a14:hiddenLine xmlns:a14="http://schemas.microsoft.com/office/drawing/2010/main" w="9525">
                 <a:solidFill>
                   <a:srgbClr val="000000"/>
                 </a:solidFill>
@@ -9975,14 +10968,14 @@
           </a:ln>
           <a:extLst>
             <a:ext uri="{909E8E84-426E-40DD-AFC4-6F175D3DCCD1}">
-              <a14:hiddenFill xmlns="" xmlns:a14="http://schemas.microsoft.com/office/drawing/2010/main">
+              <a14:hiddenFill xmlns:a14="http://schemas.microsoft.com/office/drawing/2010/main">
                 <a:solidFill>
                   <a:srgbClr val="FFFFFF"/>
                 </a:solidFill>
               </a14:hiddenFill>
             </a:ext>
             <a:ext uri="{91240B29-F687-4F45-9708-019B960494DF}">
-              <a14:hiddenLine xmlns="" xmlns:a14="http://schemas.microsoft.com/office/drawing/2010/main" w="9525">
+              <a14:hiddenLine xmlns:a14="http://schemas.microsoft.com/office/drawing/2010/main" w="9525">
                 <a:solidFill>
                   <a:srgbClr val="000000"/>
                 </a:solidFill>
@@ -10031,35 +11024,35 @@
           <a:p>
             <a:pPr lvl="0"/>
             <a:r>
-              <a:rPr lang="en-GB" altLang="zh-CN" noProof="0" dirty="0" smtClean="0"/>
+              <a:rPr lang="en-GB" altLang="zh-CN" noProof="0" dirty="0"/>
               <a:t>                                </a:t>
             </a:r>
           </a:p>
           <a:p>
             <a:pPr lvl="1"/>
             <a:r>
-              <a:rPr lang="en-GB" altLang="zh-CN" noProof="0" dirty="0" smtClean="0"/>
+              <a:rPr lang="en-GB" altLang="zh-CN" noProof="0" dirty="0"/>
               <a:t>            </a:t>
             </a:r>
           </a:p>
           <a:p>
             <a:pPr lvl="2"/>
             <a:r>
-              <a:rPr lang="en-GB" altLang="zh-CN" noProof="0" dirty="0" smtClean="0"/>
+              <a:rPr lang="en-GB" altLang="zh-CN" noProof="0" dirty="0"/>
               <a:t>           </a:t>
             </a:r>
           </a:p>
           <a:p>
             <a:pPr lvl="3"/>
             <a:r>
-              <a:rPr lang="en-GB" altLang="zh-CN" noProof="0" dirty="0" smtClean="0"/>
+              <a:rPr lang="en-GB" altLang="zh-CN" noProof="0" dirty="0"/>
               <a:t>            </a:t>
             </a:r>
           </a:p>
           <a:p>
             <a:pPr lvl="4"/>
             <a:r>
-              <a:rPr lang="en-GB" altLang="zh-CN" noProof="0" dirty="0" smtClean="0"/>
+              <a:rPr lang="en-GB" altLang="zh-CN" noProof="0" dirty="0"/>
               <a:t>           </a:t>
             </a:r>
           </a:p>
@@ -10124,7 +11117,7 @@
     </p:spTree>
     <p:extLst>
       <p:ext uri="{BB962C8B-B14F-4D97-AF65-F5344CB8AC3E}">
-        <p14:creationId xmlns="" xmlns:p14="http://schemas.microsoft.com/office/powerpoint/2010/main" val="1613292479"/>
+        <p14:creationId xmlns:p14="http://schemas.microsoft.com/office/powerpoint/2010/main" val="1613292479"/>
       </p:ext>
     </p:extLst>
   </p:cSld>
@@ -10336,14 +11329,14 @@
           <a:ln/>
           <a:extLst>
             <a:ext uri="{909E8E84-426E-40DD-AFC4-6F175D3DCCD1}">
-              <a14:hiddenFill xmlns="" xmlns:a14="http://schemas.microsoft.com/office/drawing/2010/main">
+              <a14:hiddenFill xmlns:a14="http://schemas.microsoft.com/office/drawing/2010/main">
                 <a:solidFill>
                   <a:srgbClr val="FFFFFF"/>
                 </a:solidFill>
               </a14:hiddenFill>
             </a:ext>
             <a:ext uri="{91240B29-F687-4F45-9708-019B960494DF}">
-              <a14:hiddenLine xmlns="" xmlns:a14="http://schemas.microsoft.com/office/drawing/2010/main" w="9525">
+              <a14:hiddenLine xmlns:a14="http://schemas.microsoft.com/office/drawing/2010/main" w="9525">
                 <a:solidFill>
                   <a:srgbClr val="000000"/>
                 </a:solidFill>
@@ -10358,14 +11351,14 @@
           <a:bodyPr anchor="t"/>
           <a:lstStyle/>
           <a:p>
-            <a:endParaRPr lang="en-US" altLang="zh-CN" dirty="0" smtClean="0"/>
+            <a:endParaRPr lang="en-US" altLang="zh-CN" dirty="0"/>
           </a:p>
         </p:txBody>
       </p:sp>
     </p:spTree>
     <p:extLst>
       <p:ext uri="{BB962C8B-B14F-4D97-AF65-F5344CB8AC3E}">
-        <p14:creationId xmlns="" xmlns:p14="http://schemas.microsoft.com/office/powerpoint/2010/main" val="1263658555"/>
+        <p14:creationId xmlns:p14="http://schemas.microsoft.com/office/powerpoint/2010/main" val="1263658555"/>
       </p:ext>
     </p:extLst>
   </p:cSld>
@@ -10448,14 +11441,14 @@
           <a:ln/>
           <a:extLst>
             <a:ext uri="{909E8E84-426E-40DD-AFC4-6F175D3DCCD1}">
-              <a14:hiddenFill xmlns="" xmlns:a14="http://schemas.microsoft.com/office/drawing/2010/main">
+              <a14:hiddenFill xmlns:a14="http://schemas.microsoft.com/office/drawing/2010/main">
                 <a:solidFill>
                   <a:srgbClr val="FFFFFF"/>
                 </a:solidFill>
               </a14:hiddenFill>
             </a:ext>
             <a:ext uri="{91240B29-F687-4F45-9708-019B960494DF}">
-              <a14:hiddenLine xmlns="" xmlns:a14="http://schemas.microsoft.com/office/drawing/2010/main" w="9525">
+              <a14:hiddenLine xmlns:a14="http://schemas.microsoft.com/office/drawing/2010/main" w="9525">
                 <a:solidFill>
                   <a:srgbClr val="000000"/>
                 </a:solidFill>
@@ -10470,14 +11463,14 @@
           <a:bodyPr/>
           <a:lstStyle/>
           <a:p>
-            <a:endParaRPr lang="zh-CN" altLang="en-US" smtClean="0"/>
+            <a:endParaRPr lang="zh-CN" altLang="en-US"/>
           </a:p>
         </p:txBody>
       </p:sp>
     </p:spTree>
     <p:extLst>
       <p:ext uri="{BB962C8B-B14F-4D97-AF65-F5344CB8AC3E}">
-        <p14:creationId xmlns="" xmlns:p14="http://schemas.microsoft.com/office/powerpoint/2010/main" val="2137640337"/>
+        <p14:creationId xmlns:p14="http://schemas.microsoft.com/office/powerpoint/2010/main" val="2137640337"/>
       </p:ext>
     </p:extLst>
   </p:cSld>
@@ -10560,14 +11553,14 @@
           <a:ln/>
           <a:extLst>
             <a:ext uri="{909E8E84-426E-40DD-AFC4-6F175D3DCCD1}">
-              <a14:hiddenFill xmlns="" xmlns:a14="http://schemas.microsoft.com/office/drawing/2010/main">
+              <a14:hiddenFill xmlns:a14="http://schemas.microsoft.com/office/drawing/2010/main">
                 <a:solidFill>
                   <a:srgbClr val="FFFFFF"/>
                 </a:solidFill>
               </a14:hiddenFill>
             </a:ext>
             <a:ext uri="{91240B29-F687-4F45-9708-019B960494DF}">
-              <a14:hiddenLine xmlns="" xmlns:a14="http://schemas.microsoft.com/office/drawing/2010/main" w="9525">
+              <a14:hiddenLine xmlns:a14="http://schemas.microsoft.com/office/drawing/2010/main" w="9525">
                 <a:solidFill>
                   <a:srgbClr val="000000"/>
                 </a:solidFill>
@@ -10582,14 +11575,14 @@
           <a:bodyPr/>
           <a:lstStyle/>
           <a:p>
-            <a:endParaRPr lang="zh-CN" altLang="en-US" smtClean="0"/>
+            <a:endParaRPr lang="zh-CN" altLang="en-US"/>
           </a:p>
         </p:txBody>
       </p:sp>
     </p:spTree>
     <p:extLst>
       <p:ext uri="{BB962C8B-B14F-4D97-AF65-F5344CB8AC3E}">
-        <p14:creationId xmlns="" xmlns:p14="http://schemas.microsoft.com/office/powerpoint/2010/main" val="2110677810"/>
+        <p14:creationId xmlns:p14="http://schemas.microsoft.com/office/powerpoint/2010/main" val="2110677810"/>
       </p:ext>
     </p:extLst>
   </p:cSld>
@@ -10640,7 +11633,7 @@
           </a:ln>
           <a:extLst>
             <a:ext uri="{91240B29-F687-4F45-9708-019B960494DF}">
-              <a14:hiddenLine xmlns="" xmlns:a14="http://schemas.microsoft.com/office/drawing/2010/main" w="9525">
+              <a14:hiddenLine xmlns:a14="http://schemas.microsoft.com/office/drawing/2010/main" w="9525">
                 <a:solidFill>
                   <a:srgbClr val="000000"/>
                 </a:solidFill>
@@ -10686,7 +11679,7 @@
           </a:ln>
           <a:extLst>
             <a:ext uri="{91240B29-F687-4F45-9708-019B960494DF}">
-              <a14:hiddenLine xmlns="" xmlns:a14="http://schemas.microsoft.com/office/drawing/2010/main" w="9525">
+              <a14:hiddenLine xmlns:a14="http://schemas.microsoft.com/office/drawing/2010/main" w="9525">
                 <a:solidFill>
                   <a:srgbClr val="000000"/>
                 </a:solidFill>
@@ -10720,7 +11713,7 @@
           <a:blip r:embed="rId2" cstate="print">
             <a:extLst>
               <a:ext uri="{28A0092B-C50C-407E-A947-70E740481C1C}">
-                <a14:useLocalDpi xmlns="" xmlns:a14="http://schemas.microsoft.com/office/drawing/2010/main" val="0"/>
+                <a14:useLocalDpi xmlns:a14="http://schemas.microsoft.com/office/drawing/2010/main" val="0"/>
               </a:ext>
             </a:extLst>
           </a:blip>
@@ -10743,14 +11736,14 @@
           </a:ln>
           <a:extLst>
             <a:ext uri="{909E8E84-426E-40DD-AFC4-6F175D3DCCD1}">
-              <a14:hiddenFill xmlns="" xmlns:a14="http://schemas.microsoft.com/office/drawing/2010/main">
+              <a14:hiddenFill xmlns:a14="http://schemas.microsoft.com/office/drawing/2010/main">
                 <a:solidFill>
                   <a:srgbClr val="FFFFFF"/>
                 </a:solidFill>
               </a14:hiddenFill>
             </a:ext>
             <a:ext uri="{91240B29-F687-4F45-9708-019B960494DF}">
-              <a14:hiddenLine xmlns="" xmlns:a14="http://schemas.microsoft.com/office/drawing/2010/main" w="9525">
+              <a14:hiddenLine xmlns:a14="http://schemas.microsoft.com/office/drawing/2010/main" w="9525">
                 <a:solidFill>
                   <a:srgbClr val="000000"/>
                 </a:solidFill>
@@ -10839,7 +11832,7 @@
     </p:spTree>
     <p:extLst>
       <p:ext uri="{BB962C8B-B14F-4D97-AF65-F5344CB8AC3E}">
-        <p14:creationId xmlns="" xmlns:p14="http://schemas.microsoft.com/office/powerpoint/2010/main" val="1772357106"/>
+        <p14:creationId xmlns:p14="http://schemas.microsoft.com/office/powerpoint/2010/main" val="1772357106"/>
       </p:ext>
     </p:extLst>
   </p:cSld>
@@ -10847,13 +11840,6 @@
     <a:masterClrMapping/>
   </p:clrMapOvr>
   <p:transition/>
-  <p:timing>
-    <p:tnLst>
-      <p:par>
-        <p:cTn id="1" dur="indefinite" restart="never" nodeType="tmRoot"/>
-      </p:par>
-    </p:tnLst>
-  </p:timing>
 </p:sldLayout>
 </file>
 
@@ -10894,10 +11880,9 @@
           </a:lstStyle>
           <a:p>
             <a:r>
-              <a:rPr lang="zh-CN" altLang="en-US" smtClean="0"/>
+              <a:rPr lang="zh-CN" altLang="en-US"/>
               <a:t>单击此处编辑母版标题样式</a:t>
             </a:r>
-            <a:endParaRPr lang="zh-CN" altLang="en-US"/>
           </a:p>
         </p:txBody>
       </p:sp>
@@ -10960,7 +11945,7 @@
           <a:p>
             <a:pPr lvl="0"/>
             <a:r>
-              <a:rPr lang="zh-CN" altLang="en-US" smtClean="0"/>
+              <a:rPr lang="zh-CN" altLang="en-US"/>
               <a:t>单击此处编辑母版文本样式</a:t>
             </a:r>
           </a:p>
@@ -11016,38 +12001,37 @@
           <a:p>
             <a:pPr lvl="0"/>
             <a:r>
-              <a:rPr lang="zh-CN" altLang="en-US" smtClean="0"/>
+              <a:rPr lang="zh-CN" altLang="en-US"/>
               <a:t>单击此处编辑母版文本样式</a:t>
             </a:r>
           </a:p>
           <a:p>
             <a:pPr lvl="1"/>
             <a:r>
-              <a:rPr lang="zh-CN" altLang="en-US" smtClean="0"/>
+              <a:rPr lang="zh-CN" altLang="en-US"/>
               <a:t>第二级</a:t>
             </a:r>
           </a:p>
           <a:p>
             <a:pPr lvl="2"/>
             <a:r>
-              <a:rPr lang="zh-CN" altLang="en-US" smtClean="0"/>
+              <a:rPr lang="zh-CN" altLang="en-US"/>
               <a:t>第三级</a:t>
             </a:r>
           </a:p>
           <a:p>
             <a:pPr lvl="3"/>
             <a:r>
-              <a:rPr lang="zh-CN" altLang="en-US" smtClean="0"/>
+              <a:rPr lang="zh-CN" altLang="en-US"/>
               <a:t>第四级</a:t>
             </a:r>
           </a:p>
           <a:p>
             <a:pPr lvl="4"/>
             <a:r>
-              <a:rPr lang="zh-CN" altLang="en-US" smtClean="0"/>
+              <a:rPr lang="zh-CN" altLang="en-US"/>
               <a:t>第五级</a:t>
             </a:r>
-            <a:endParaRPr lang="zh-CN" altLang="en-US"/>
           </a:p>
         </p:txBody>
       </p:sp>
@@ -11110,7 +12094,7 @@
           <a:p>
             <a:pPr lvl="0"/>
             <a:r>
-              <a:rPr lang="zh-CN" altLang="en-US" smtClean="0"/>
+              <a:rPr lang="zh-CN" altLang="en-US"/>
               <a:t>单击此处编辑母版文本样式</a:t>
             </a:r>
           </a:p>
@@ -11166,38 +12150,37 @@
           <a:p>
             <a:pPr lvl="0"/>
             <a:r>
-              <a:rPr lang="zh-CN" altLang="en-US" smtClean="0"/>
+              <a:rPr lang="zh-CN" altLang="en-US"/>
               <a:t>单击此处编辑母版文本样式</a:t>
             </a:r>
           </a:p>
           <a:p>
             <a:pPr lvl="1"/>
             <a:r>
-              <a:rPr lang="zh-CN" altLang="en-US" smtClean="0"/>
+              <a:rPr lang="zh-CN" altLang="en-US"/>
               <a:t>第二级</a:t>
             </a:r>
           </a:p>
           <a:p>
             <a:pPr lvl="2"/>
             <a:r>
-              <a:rPr lang="zh-CN" altLang="en-US" smtClean="0"/>
+              <a:rPr lang="zh-CN" altLang="en-US"/>
               <a:t>第三级</a:t>
             </a:r>
           </a:p>
           <a:p>
             <a:pPr lvl="3"/>
             <a:r>
-              <a:rPr lang="zh-CN" altLang="en-US" smtClean="0"/>
+              <a:rPr lang="zh-CN" altLang="en-US"/>
               <a:t>第四级</a:t>
             </a:r>
           </a:p>
           <a:p>
             <a:pPr lvl="4"/>
             <a:r>
-              <a:rPr lang="zh-CN" altLang="en-US" smtClean="0"/>
+              <a:rPr lang="zh-CN" altLang="en-US"/>
               <a:t>第五级</a:t>
             </a:r>
-            <a:endParaRPr lang="zh-CN" altLang="en-US"/>
           </a:p>
         </p:txBody>
       </p:sp>
@@ -11219,7 +12202,7 @@
             <a:fld id="{061A10BC-4834-46F9-9CB4-286DAC23C842}" type="datetimeFigureOut">
               <a:rPr lang="zh-CN" altLang="en-US" smtClean="0"/>
               <a:pPr/>
-              <a:t>2015/6/17</a:t>
+              <a:t>2019-03-26-Tuesday</a:t>
             </a:fld>
             <a:endParaRPr lang="zh-CN" altLang="en-US"/>
           </a:p>
@@ -11271,20 +12254,13 @@
     </p:spTree>
     <p:extLst>
       <p:ext uri="{BB962C8B-B14F-4D97-AF65-F5344CB8AC3E}">
-        <p14:creationId xmlns="" xmlns:p14="http://schemas.microsoft.com/office/powerpoint/2010/main" val="2757298457"/>
+        <p14:creationId xmlns:p14="http://schemas.microsoft.com/office/powerpoint/2010/main" val="2757298457"/>
       </p:ext>
     </p:extLst>
   </p:cSld>
   <p:clrMapOvr>
     <a:masterClrMapping/>
   </p:clrMapOvr>
-  <p:timing>
-    <p:tnLst>
-      <p:par>
-        <p:cTn id="1" dur="indefinite" restart="never" nodeType="tmRoot"/>
-      </p:par>
-    </p:tnLst>
-  </p:timing>
 </p:sldLayout>
 </file>
 
@@ -11321,10 +12297,9 @@
           <a:lstStyle/>
           <a:p>
             <a:r>
-              <a:rPr lang="zh-CN" altLang="en-US" smtClean="0"/>
+              <a:rPr lang="zh-CN" altLang="en-US"/>
               <a:t>单击此处编辑母版标题样式</a:t>
             </a:r>
-            <a:endParaRPr lang="zh-CN" altLang="en-US"/>
           </a:p>
         </p:txBody>
       </p:sp>
@@ -11346,7 +12321,7 @@
             <a:fld id="{061A10BC-4834-46F9-9CB4-286DAC23C842}" type="datetimeFigureOut">
               <a:rPr lang="zh-CN" altLang="en-US" smtClean="0"/>
               <a:pPr/>
-              <a:t>2015/6/17</a:t>
+              <a:t>2019-03-26-Tuesday</a:t>
             </a:fld>
             <a:endParaRPr lang="zh-CN" altLang="en-US"/>
           </a:p>
@@ -11398,7 +12373,7 @@
     </p:spTree>
     <p:extLst>
       <p:ext uri="{BB962C8B-B14F-4D97-AF65-F5344CB8AC3E}">
-        <p14:creationId xmlns="" xmlns:p14="http://schemas.microsoft.com/office/powerpoint/2010/main" val="97987329"/>
+        <p14:creationId xmlns:p14="http://schemas.microsoft.com/office/powerpoint/2010/main" val="97987329"/>
       </p:ext>
     </p:extLst>
   </p:cSld>
@@ -11443,7 +12418,7 @@
             <a:fld id="{061A10BC-4834-46F9-9CB4-286DAC23C842}" type="datetimeFigureOut">
               <a:rPr lang="zh-CN" altLang="en-US" smtClean="0"/>
               <a:pPr/>
-              <a:t>2015/6/17</a:t>
+              <a:t>2019-03-26-Tuesday</a:t>
             </a:fld>
             <a:endParaRPr lang="zh-CN" altLang="en-US"/>
           </a:p>
@@ -11495,7 +12470,7 @@
     </p:spTree>
     <p:extLst>
       <p:ext uri="{BB962C8B-B14F-4D97-AF65-F5344CB8AC3E}">
-        <p14:creationId xmlns="" xmlns:p14="http://schemas.microsoft.com/office/powerpoint/2010/main" val="1684302611"/>
+        <p14:creationId xmlns:p14="http://schemas.microsoft.com/office/powerpoint/2010/main" val="1684302611"/>
       </p:ext>
     </p:extLst>
   </p:cSld>
@@ -11547,10 +12522,9 @@
           </a:lstStyle>
           <a:p>
             <a:r>
-              <a:rPr lang="zh-CN" altLang="en-US" smtClean="0"/>
+              <a:rPr lang="zh-CN" altLang="en-US"/>
               <a:t>单击此处编辑母版标题样式</a:t>
             </a:r>
-            <a:endParaRPr lang="zh-CN" altLang="en-US"/>
           </a:p>
         </p:txBody>
       </p:sp>
@@ -11604,38 +12578,37 @@
           <a:p>
             <a:pPr lvl="0"/>
             <a:r>
-              <a:rPr lang="zh-CN" altLang="en-US" smtClean="0"/>
+              <a:rPr lang="zh-CN" altLang="en-US"/>
               <a:t>单击此处编辑母版文本样式</a:t>
             </a:r>
           </a:p>
           <a:p>
             <a:pPr lvl="1"/>
             <a:r>
-              <a:rPr lang="zh-CN" altLang="en-US" smtClean="0"/>
+              <a:rPr lang="zh-CN" altLang="en-US"/>
               <a:t>第二级</a:t>
             </a:r>
           </a:p>
           <a:p>
             <a:pPr lvl="2"/>
             <a:r>
-              <a:rPr lang="zh-CN" altLang="en-US" smtClean="0"/>
+              <a:rPr lang="zh-CN" altLang="en-US"/>
               <a:t>第三级</a:t>
             </a:r>
           </a:p>
           <a:p>
             <a:pPr lvl="3"/>
             <a:r>
-              <a:rPr lang="zh-CN" altLang="en-US" smtClean="0"/>
+              <a:rPr lang="zh-CN" altLang="en-US"/>
               <a:t>第四级</a:t>
             </a:r>
           </a:p>
           <a:p>
             <a:pPr lvl="4"/>
             <a:r>
-              <a:rPr lang="zh-CN" altLang="en-US" smtClean="0"/>
+              <a:rPr lang="zh-CN" altLang="en-US"/>
               <a:t>第五级</a:t>
             </a:r>
-            <a:endParaRPr lang="zh-CN" altLang="en-US"/>
           </a:p>
         </p:txBody>
       </p:sp>
@@ -11698,7 +12671,7 @@
           <a:p>
             <a:pPr lvl="0"/>
             <a:r>
-              <a:rPr lang="zh-CN" altLang="en-US" smtClean="0"/>
+              <a:rPr lang="zh-CN" altLang="en-US"/>
               <a:t>单击此处编辑母版文本样式</a:t>
             </a:r>
           </a:p>
@@ -11722,7 +12695,7 @@
             <a:fld id="{061A10BC-4834-46F9-9CB4-286DAC23C842}" type="datetimeFigureOut">
               <a:rPr lang="zh-CN" altLang="en-US" smtClean="0"/>
               <a:pPr/>
-              <a:t>2015/6/17</a:t>
+              <a:t>2019-03-26-Tuesday</a:t>
             </a:fld>
             <a:endParaRPr lang="zh-CN" altLang="en-US"/>
           </a:p>
@@ -11774,7 +12747,7 @@
     </p:spTree>
     <p:extLst>
       <p:ext uri="{BB962C8B-B14F-4D97-AF65-F5344CB8AC3E}">
-        <p14:creationId xmlns="" xmlns:p14="http://schemas.microsoft.com/office/powerpoint/2010/main" val="2804765111"/>
+        <p14:creationId xmlns:p14="http://schemas.microsoft.com/office/powerpoint/2010/main" val="2804765111"/>
       </p:ext>
     </p:extLst>
   </p:cSld>
@@ -11826,10 +12799,9 @@
           </a:lstStyle>
           <a:p>
             <a:r>
-              <a:rPr lang="zh-CN" altLang="en-US" smtClean="0"/>
+              <a:rPr lang="zh-CN" altLang="en-US"/>
               <a:t>单击此处编辑母版标题样式</a:t>
             </a:r>
-            <a:endParaRPr lang="zh-CN" altLang="en-US"/>
           </a:p>
         </p:txBody>
       </p:sp>
@@ -11953,7 +12925,7 @@
           <a:p>
             <a:pPr lvl="0"/>
             <a:r>
-              <a:rPr lang="zh-CN" altLang="en-US" smtClean="0"/>
+              <a:rPr lang="zh-CN" altLang="en-US"/>
               <a:t>单击此处编辑母版文本样式</a:t>
             </a:r>
           </a:p>
@@ -11977,7 +12949,7 @@
             <a:fld id="{061A10BC-4834-46F9-9CB4-286DAC23C842}" type="datetimeFigureOut">
               <a:rPr lang="zh-CN" altLang="en-US" smtClean="0"/>
               <a:pPr/>
-              <a:t>2015/6/17</a:t>
+              <a:t>2019-03-26-Tuesday</a:t>
             </a:fld>
             <a:endParaRPr lang="zh-CN" altLang="en-US"/>
           </a:p>
@@ -12029,7 +13001,7 @@
     </p:spTree>
     <p:extLst>
       <p:ext uri="{BB962C8B-B14F-4D97-AF65-F5344CB8AC3E}">
-        <p14:creationId xmlns="" xmlns:p14="http://schemas.microsoft.com/office/powerpoint/2010/main" val="2840477646"/>
+        <p14:creationId xmlns:p14="http://schemas.microsoft.com/office/powerpoint/2010/main" val="2840477646"/>
       </p:ext>
     </p:extLst>
   </p:cSld>
@@ -12072,10 +13044,9 @@
           <a:lstStyle/>
           <a:p>
             <a:r>
-              <a:rPr lang="zh-CN" altLang="en-US" smtClean="0"/>
+              <a:rPr lang="zh-CN" altLang="en-US"/>
               <a:t>单击此处编辑母版标题样式</a:t>
             </a:r>
-            <a:endParaRPr lang="zh-CN" altLang="en-US"/>
           </a:p>
         </p:txBody>
       </p:sp>
@@ -12096,38 +13067,37 @@
           <a:p>
             <a:pPr lvl="0"/>
             <a:r>
-              <a:rPr lang="zh-CN" altLang="en-US" smtClean="0"/>
+              <a:rPr lang="zh-CN" altLang="en-US"/>
               <a:t>单击此处编辑母版文本样式</a:t>
             </a:r>
           </a:p>
           <a:p>
             <a:pPr lvl="1"/>
             <a:r>
-              <a:rPr lang="zh-CN" altLang="en-US" smtClean="0"/>
+              <a:rPr lang="zh-CN" altLang="en-US"/>
               <a:t>第二级</a:t>
             </a:r>
           </a:p>
           <a:p>
             <a:pPr lvl="2"/>
             <a:r>
-              <a:rPr lang="zh-CN" altLang="en-US" smtClean="0"/>
+              <a:rPr lang="zh-CN" altLang="en-US"/>
               <a:t>第三级</a:t>
             </a:r>
           </a:p>
           <a:p>
             <a:pPr lvl="3"/>
             <a:r>
-              <a:rPr lang="zh-CN" altLang="en-US" smtClean="0"/>
+              <a:rPr lang="zh-CN" altLang="en-US"/>
               <a:t>第四级</a:t>
             </a:r>
           </a:p>
           <a:p>
             <a:pPr lvl="4"/>
             <a:r>
-              <a:rPr lang="zh-CN" altLang="en-US" smtClean="0"/>
+              <a:rPr lang="zh-CN" altLang="en-US"/>
               <a:t>第五级</a:t>
             </a:r>
-            <a:endParaRPr lang="zh-CN" altLang="en-US"/>
           </a:p>
         </p:txBody>
       </p:sp>
@@ -12149,7 +13119,7 @@
             <a:fld id="{061A10BC-4834-46F9-9CB4-286DAC23C842}" type="datetimeFigureOut">
               <a:rPr lang="zh-CN" altLang="en-US" smtClean="0"/>
               <a:pPr/>
-              <a:t>2015/6/17</a:t>
+              <a:t>2019-03-26-Tuesday</a:t>
             </a:fld>
             <a:endParaRPr lang="zh-CN" altLang="en-US"/>
           </a:p>
@@ -12201,7 +13171,7 @@
     </p:spTree>
     <p:extLst>
       <p:ext uri="{BB962C8B-B14F-4D97-AF65-F5344CB8AC3E}">
-        <p14:creationId xmlns="" xmlns:p14="http://schemas.microsoft.com/office/powerpoint/2010/main" val="921651697"/>
+        <p14:creationId xmlns:p14="http://schemas.microsoft.com/office/powerpoint/2010/main" val="921651697"/>
       </p:ext>
     </p:extLst>
   </p:cSld>
@@ -12249,10 +13219,9 @@
           <a:lstStyle/>
           <a:p>
             <a:r>
-              <a:rPr lang="zh-CN" altLang="en-US" smtClean="0"/>
+              <a:rPr lang="zh-CN" altLang="en-US"/>
               <a:t>单击此处编辑母版标题样式</a:t>
             </a:r>
-            <a:endParaRPr lang="zh-CN" altLang="en-US"/>
           </a:p>
         </p:txBody>
       </p:sp>
@@ -12278,38 +13247,37 @@
           <a:p>
             <a:pPr lvl="0"/>
             <a:r>
-              <a:rPr lang="zh-CN" altLang="en-US" smtClean="0"/>
+              <a:rPr lang="zh-CN" altLang="en-US"/>
               <a:t>单击此处编辑母版文本样式</a:t>
             </a:r>
           </a:p>
           <a:p>
             <a:pPr lvl="1"/>
             <a:r>
-              <a:rPr lang="zh-CN" altLang="en-US" smtClean="0"/>
+              <a:rPr lang="zh-CN" altLang="en-US"/>
               <a:t>第二级</a:t>
             </a:r>
           </a:p>
           <a:p>
             <a:pPr lvl="2"/>
             <a:r>
-              <a:rPr lang="zh-CN" altLang="en-US" smtClean="0"/>
+              <a:rPr lang="zh-CN" altLang="en-US"/>
               <a:t>第三级</a:t>
             </a:r>
           </a:p>
           <a:p>
             <a:pPr lvl="3"/>
             <a:r>
-              <a:rPr lang="zh-CN" altLang="en-US" smtClean="0"/>
+              <a:rPr lang="zh-CN" altLang="en-US"/>
               <a:t>第四级</a:t>
             </a:r>
           </a:p>
           <a:p>
             <a:pPr lvl="4"/>
             <a:r>
-              <a:rPr lang="zh-CN" altLang="en-US" smtClean="0"/>
+              <a:rPr lang="zh-CN" altLang="en-US"/>
               <a:t>第五级</a:t>
             </a:r>
-            <a:endParaRPr lang="zh-CN" altLang="en-US"/>
           </a:p>
         </p:txBody>
       </p:sp>
@@ -12331,7 +13299,7 @@
             <a:fld id="{061A10BC-4834-46F9-9CB4-286DAC23C842}" type="datetimeFigureOut">
               <a:rPr lang="zh-CN" altLang="en-US" smtClean="0"/>
               <a:pPr/>
-              <a:t>2015/6/17</a:t>
+              <a:t>2019-03-26-Tuesday</a:t>
             </a:fld>
             <a:endParaRPr lang="zh-CN" altLang="en-US"/>
           </a:p>
@@ -12383,7 +13351,7 @@
     </p:spTree>
     <p:extLst>
       <p:ext uri="{BB962C8B-B14F-4D97-AF65-F5344CB8AC3E}">
-        <p14:creationId xmlns="" xmlns:p14="http://schemas.microsoft.com/office/powerpoint/2010/main" val="661008128"/>
+        <p14:creationId xmlns:p14="http://schemas.microsoft.com/office/powerpoint/2010/main" val="661008128"/>
       </p:ext>
     </p:extLst>
   </p:cSld>
@@ -12431,10 +13399,9 @@
           <a:lstStyle/>
           <a:p>
             <a:r>
-              <a:rPr lang="zh-CN" altLang="en-US" smtClean="0"/>
+              <a:rPr lang="zh-CN" altLang="en-US"/>
               <a:t>单击此处编辑母版标题样式</a:t>
             </a:r>
-            <a:endParaRPr lang="zh-CN" altLang="en-US"/>
           </a:p>
         </p:txBody>
       </p:sp>
@@ -12550,10 +13517,9 @@
           </a:lstStyle>
           <a:p>
             <a:r>
-              <a:rPr lang="zh-CN" altLang="en-US" smtClean="0"/>
+              <a:rPr lang="zh-CN" altLang="en-US"/>
               <a:t>单击此处编辑母版副标题样式</a:t>
             </a:r>
-            <a:endParaRPr lang="zh-CN" altLang="en-US"/>
           </a:p>
         </p:txBody>
       </p:sp>
@@ -12575,7 +13541,7 @@
             <a:fld id="{E59BE0C6-C363-45C4-A271-68F1BEBC1C26}" type="datetimeFigureOut">
               <a:rPr lang="zh-CN" altLang="en-US" smtClean="0"/>
               <a:pPr/>
-              <a:t>2015/6/17</a:t>
+              <a:t>2019-03-26-Tuesday</a:t>
             </a:fld>
             <a:endParaRPr lang="zh-CN" altLang="en-US"/>
           </a:p>
@@ -12627,7 +13593,7 @@
     </p:spTree>
     <p:extLst>
       <p:ext uri="{BB962C8B-B14F-4D97-AF65-F5344CB8AC3E}">
-        <p14:creationId xmlns="" xmlns:p14="http://schemas.microsoft.com/office/powerpoint/2010/main" val="3019088692"/>
+        <p14:creationId xmlns:p14="http://schemas.microsoft.com/office/powerpoint/2010/main" val="3019088692"/>
       </p:ext>
     </p:extLst>
   </p:cSld>
@@ -12670,10 +13636,9 @@
           <a:lstStyle/>
           <a:p>
             <a:r>
-              <a:rPr lang="zh-CN" altLang="en-US" smtClean="0"/>
+              <a:rPr lang="zh-CN" altLang="en-US"/>
               <a:t>单击此处编辑母版标题样式</a:t>
             </a:r>
-            <a:endParaRPr lang="zh-CN" altLang="en-US"/>
           </a:p>
         </p:txBody>
       </p:sp>
@@ -12694,38 +13659,37 @@
           <a:p>
             <a:pPr lvl="0"/>
             <a:r>
-              <a:rPr lang="zh-CN" altLang="en-US" smtClean="0"/>
+              <a:rPr lang="zh-CN" altLang="en-US"/>
               <a:t>单击此处编辑母版文本样式</a:t>
             </a:r>
           </a:p>
           <a:p>
             <a:pPr lvl="1"/>
             <a:r>
-              <a:rPr lang="zh-CN" altLang="en-US" smtClean="0"/>
+              <a:rPr lang="zh-CN" altLang="en-US"/>
               <a:t>第二级</a:t>
             </a:r>
           </a:p>
           <a:p>
             <a:pPr lvl="2"/>
             <a:r>
-              <a:rPr lang="zh-CN" altLang="en-US" smtClean="0"/>
+              <a:rPr lang="zh-CN" altLang="en-US"/>
               <a:t>第三级</a:t>
             </a:r>
           </a:p>
           <a:p>
             <a:pPr lvl="3"/>
             <a:r>
-              <a:rPr lang="zh-CN" altLang="en-US" smtClean="0"/>
+              <a:rPr lang="zh-CN" altLang="en-US"/>
               <a:t>第四级</a:t>
             </a:r>
           </a:p>
           <a:p>
             <a:pPr lvl="4"/>
             <a:r>
-              <a:rPr lang="zh-CN" altLang="en-US" smtClean="0"/>
+              <a:rPr lang="zh-CN" altLang="en-US"/>
               <a:t>第五级</a:t>
             </a:r>
-            <a:endParaRPr lang="zh-CN" altLang="en-US"/>
           </a:p>
         </p:txBody>
       </p:sp>
@@ -12747,7 +13711,7 @@
             <a:fld id="{E59BE0C6-C363-45C4-A271-68F1BEBC1C26}" type="datetimeFigureOut">
               <a:rPr lang="zh-CN" altLang="en-US" smtClean="0"/>
               <a:pPr/>
-              <a:t>2015/6/17</a:t>
+              <a:t>2019-03-26-Tuesday</a:t>
             </a:fld>
             <a:endParaRPr lang="zh-CN" altLang="en-US"/>
           </a:p>
@@ -12799,7 +13763,7 @@
     </p:spTree>
     <p:extLst>
       <p:ext uri="{BB962C8B-B14F-4D97-AF65-F5344CB8AC3E}">
-        <p14:creationId xmlns="" xmlns:p14="http://schemas.microsoft.com/office/powerpoint/2010/main" val="916386421"/>
+        <p14:creationId xmlns:p14="http://schemas.microsoft.com/office/powerpoint/2010/main" val="916386421"/>
       </p:ext>
     </p:extLst>
   </p:cSld>
@@ -12851,10 +13815,9 @@
           </a:lstStyle>
           <a:p>
             <a:r>
-              <a:rPr lang="zh-CN" altLang="en-US" smtClean="0"/>
+              <a:rPr lang="zh-CN" altLang="en-US"/>
               <a:t>单击此处编辑母版标题样式</a:t>
             </a:r>
-            <a:endParaRPr lang="zh-CN" altLang="en-US"/>
           </a:p>
         </p:txBody>
       </p:sp>
@@ -12971,7 +13934,7 @@
           <a:p>
             <a:pPr lvl="0"/>
             <a:r>
-              <a:rPr lang="zh-CN" altLang="en-US" smtClean="0"/>
+              <a:rPr lang="zh-CN" altLang="en-US"/>
               <a:t>单击此处编辑母版文本样式</a:t>
             </a:r>
           </a:p>
@@ -12995,7 +13958,7 @@
             <a:fld id="{E59BE0C6-C363-45C4-A271-68F1BEBC1C26}" type="datetimeFigureOut">
               <a:rPr lang="zh-CN" altLang="en-US" smtClean="0"/>
               <a:pPr/>
-              <a:t>2015/6/17</a:t>
+              <a:t>2019-03-26-Tuesday</a:t>
             </a:fld>
             <a:endParaRPr lang="zh-CN" altLang="en-US"/>
           </a:p>
@@ -13047,7 +14010,7 @@
     </p:spTree>
     <p:extLst>
       <p:ext uri="{BB962C8B-B14F-4D97-AF65-F5344CB8AC3E}">
-        <p14:creationId xmlns="" xmlns:p14="http://schemas.microsoft.com/office/powerpoint/2010/main" val="488366269"/>
+        <p14:creationId xmlns:p14="http://schemas.microsoft.com/office/powerpoint/2010/main" val="488366269"/>
       </p:ext>
     </p:extLst>
   </p:cSld>
@@ -13097,7 +14060,7 @@
           </a:lstStyle>
           <a:p>
             <a:r>
-              <a:rPr lang="en-US" altLang="zh-CN" dirty="0" smtClean="0"/>
+              <a:rPr lang="en-US" altLang="zh-CN" dirty="0"/>
               <a:t>Click to edit Master title style</a:t>
             </a:r>
             <a:endParaRPr lang="zh-CN" altLang="en-US" dirty="0"/>
@@ -13134,21 +14097,21 @@
           <a:p>
             <a:pPr lvl="0"/>
             <a:r>
-              <a:rPr lang="en-US" altLang="zh-CN" dirty="0" smtClean="0"/>
+              <a:rPr lang="en-US" altLang="zh-CN" dirty="0"/>
               <a:t>Click to edit Master text styles</a:t>
             </a:r>
           </a:p>
           <a:p>
             <a:pPr lvl="1"/>
             <a:r>
-              <a:rPr lang="en-US" altLang="zh-CN" dirty="0" smtClean="0"/>
+              <a:rPr lang="en-US" altLang="zh-CN" dirty="0"/>
               <a:t>Second level</a:t>
             </a:r>
           </a:p>
           <a:p>
             <a:pPr lvl="3"/>
             <a:r>
-              <a:rPr lang="en-US" altLang="zh-CN" dirty="0" smtClean="0"/>
+              <a:rPr lang="en-US" altLang="zh-CN" dirty="0"/>
               <a:t>Third level</a:t>
             </a:r>
           </a:p>
@@ -13157,7 +14120,7 @@
     </p:spTree>
     <p:extLst>
       <p:ext uri="{BB962C8B-B14F-4D97-AF65-F5344CB8AC3E}">
-        <p14:creationId xmlns="" xmlns:p14="http://schemas.microsoft.com/office/powerpoint/2010/main" val="2173569360"/>
+        <p14:creationId xmlns:p14="http://schemas.microsoft.com/office/powerpoint/2010/main" val="2173569360"/>
       </p:ext>
     </p:extLst>
   </p:cSld>
@@ -13165,13 +14128,6 @@
     <a:masterClrMapping/>
   </p:clrMapOvr>
   <p:transition/>
-  <p:timing>
-    <p:tnLst>
-      <p:par>
-        <p:cTn id="1" dur="indefinite" restart="never" nodeType="tmRoot"/>
-      </p:par>
-    </p:tnLst>
-  </p:timing>
 </p:sldLayout>
 </file>
 
@@ -13208,10 +14164,9 @@
           <a:lstStyle/>
           <a:p>
             <a:r>
-              <a:rPr lang="zh-CN" altLang="en-US" smtClean="0"/>
+              <a:rPr lang="zh-CN" altLang="en-US"/>
               <a:t>单击此处编辑母版标题样式</a:t>
             </a:r>
-            <a:endParaRPr lang="zh-CN" altLang="en-US"/>
           </a:p>
         </p:txBody>
       </p:sp>
@@ -13265,38 +14220,37 @@
           <a:p>
             <a:pPr lvl="0"/>
             <a:r>
-              <a:rPr lang="zh-CN" altLang="en-US" smtClean="0"/>
+              <a:rPr lang="zh-CN" altLang="en-US"/>
               <a:t>单击此处编辑母版文本样式</a:t>
             </a:r>
           </a:p>
           <a:p>
             <a:pPr lvl="1"/>
             <a:r>
-              <a:rPr lang="zh-CN" altLang="en-US" smtClean="0"/>
+              <a:rPr lang="zh-CN" altLang="en-US"/>
               <a:t>第二级</a:t>
             </a:r>
           </a:p>
           <a:p>
             <a:pPr lvl="2"/>
             <a:r>
-              <a:rPr lang="zh-CN" altLang="en-US" smtClean="0"/>
+              <a:rPr lang="zh-CN" altLang="en-US"/>
               <a:t>第三级</a:t>
             </a:r>
           </a:p>
           <a:p>
             <a:pPr lvl="3"/>
             <a:r>
-              <a:rPr lang="zh-CN" altLang="en-US" smtClean="0"/>
+              <a:rPr lang="zh-CN" altLang="en-US"/>
               <a:t>第四级</a:t>
             </a:r>
           </a:p>
           <a:p>
             <a:pPr lvl="4"/>
             <a:r>
-              <a:rPr lang="zh-CN" altLang="en-US" smtClean="0"/>
+              <a:rPr lang="zh-CN" altLang="en-US"/>
               <a:t>第五级</a:t>
             </a:r>
-            <a:endParaRPr lang="zh-CN" altLang="en-US"/>
           </a:p>
         </p:txBody>
       </p:sp>
@@ -13350,38 +14304,37 @@
           <a:p>
             <a:pPr lvl="0"/>
             <a:r>
-              <a:rPr lang="zh-CN" altLang="en-US" smtClean="0"/>
+              <a:rPr lang="zh-CN" altLang="en-US"/>
               <a:t>单击此处编辑母版文本样式</a:t>
             </a:r>
           </a:p>
           <a:p>
             <a:pPr lvl="1"/>
             <a:r>
-              <a:rPr lang="zh-CN" altLang="en-US" smtClean="0"/>
+              <a:rPr lang="zh-CN" altLang="en-US"/>
               <a:t>第二级</a:t>
             </a:r>
           </a:p>
           <a:p>
             <a:pPr lvl="2"/>
             <a:r>
-              <a:rPr lang="zh-CN" altLang="en-US" smtClean="0"/>
+              <a:rPr lang="zh-CN" altLang="en-US"/>
               <a:t>第三级</a:t>
             </a:r>
           </a:p>
           <a:p>
             <a:pPr lvl="3"/>
             <a:r>
-              <a:rPr lang="zh-CN" altLang="en-US" smtClean="0"/>
+              <a:rPr lang="zh-CN" altLang="en-US"/>
               <a:t>第四级</a:t>
             </a:r>
           </a:p>
           <a:p>
             <a:pPr lvl="4"/>
             <a:r>
-              <a:rPr lang="zh-CN" altLang="en-US" smtClean="0"/>
+              <a:rPr lang="zh-CN" altLang="en-US"/>
               <a:t>第五级</a:t>
             </a:r>
-            <a:endParaRPr lang="zh-CN" altLang="en-US"/>
           </a:p>
         </p:txBody>
       </p:sp>
@@ -13403,7 +14356,7 @@
             <a:fld id="{E59BE0C6-C363-45C4-A271-68F1BEBC1C26}" type="datetimeFigureOut">
               <a:rPr lang="zh-CN" altLang="en-US" smtClean="0"/>
               <a:pPr/>
-              <a:t>2015/6/17</a:t>
+              <a:t>2019-03-26-Tuesday</a:t>
             </a:fld>
             <a:endParaRPr lang="zh-CN" altLang="en-US"/>
           </a:p>
@@ -13455,7 +14408,7 @@
     </p:spTree>
     <p:extLst>
       <p:ext uri="{BB962C8B-B14F-4D97-AF65-F5344CB8AC3E}">
-        <p14:creationId xmlns="" xmlns:p14="http://schemas.microsoft.com/office/powerpoint/2010/main" val="2222247628"/>
+        <p14:creationId xmlns:p14="http://schemas.microsoft.com/office/powerpoint/2010/main" val="2222247628"/>
       </p:ext>
     </p:extLst>
   </p:cSld>
@@ -13502,10 +14455,9 @@
           </a:lstStyle>
           <a:p>
             <a:r>
-              <a:rPr lang="zh-CN" altLang="en-US" smtClean="0"/>
+              <a:rPr lang="zh-CN" altLang="en-US"/>
               <a:t>单击此处编辑母版标题样式</a:t>
             </a:r>
-            <a:endParaRPr lang="zh-CN" altLang="en-US"/>
           </a:p>
         </p:txBody>
       </p:sp>
@@ -13568,7 +14520,7 @@
           <a:p>
             <a:pPr lvl="0"/>
             <a:r>
-              <a:rPr lang="zh-CN" altLang="en-US" smtClean="0"/>
+              <a:rPr lang="zh-CN" altLang="en-US"/>
               <a:t>单击此处编辑母版文本样式</a:t>
             </a:r>
           </a:p>
@@ -13624,38 +14576,37 @@
           <a:p>
             <a:pPr lvl="0"/>
             <a:r>
-              <a:rPr lang="zh-CN" altLang="en-US" smtClean="0"/>
+              <a:rPr lang="zh-CN" altLang="en-US"/>
               <a:t>单击此处编辑母版文本样式</a:t>
             </a:r>
           </a:p>
           <a:p>
             <a:pPr lvl="1"/>
             <a:r>
-              <a:rPr lang="zh-CN" altLang="en-US" smtClean="0"/>
+              <a:rPr lang="zh-CN" altLang="en-US"/>
               <a:t>第二级</a:t>
             </a:r>
           </a:p>
           <a:p>
             <a:pPr lvl="2"/>
             <a:r>
-              <a:rPr lang="zh-CN" altLang="en-US" smtClean="0"/>
+              <a:rPr lang="zh-CN" altLang="en-US"/>
               <a:t>第三级</a:t>
             </a:r>
           </a:p>
           <a:p>
             <a:pPr lvl="3"/>
             <a:r>
-              <a:rPr lang="zh-CN" altLang="en-US" smtClean="0"/>
+              <a:rPr lang="zh-CN" altLang="en-US"/>
               <a:t>第四级</a:t>
             </a:r>
           </a:p>
           <a:p>
             <a:pPr lvl="4"/>
             <a:r>
-              <a:rPr lang="zh-CN" altLang="en-US" smtClean="0"/>
+              <a:rPr lang="zh-CN" altLang="en-US"/>
               <a:t>第五级</a:t>
             </a:r>
-            <a:endParaRPr lang="zh-CN" altLang="en-US"/>
           </a:p>
         </p:txBody>
       </p:sp>
@@ -13718,7 +14669,7 @@
           <a:p>
             <a:pPr lvl="0"/>
             <a:r>
-              <a:rPr lang="zh-CN" altLang="en-US" smtClean="0"/>
+              <a:rPr lang="zh-CN" altLang="en-US"/>
               <a:t>单击此处编辑母版文本样式</a:t>
             </a:r>
           </a:p>
@@ -13774,38 +14725,37 @@
           <a:p>
             <a:pPr lvl="0"/>
             <a:r>
-              <a:rPr lang="zh-CN" altLang="en-US" smtClean="0"/>
+              <a:rPr lang="zh-CN" altLang="en-US"/>
               <a:t>单击此处编辑母版文本样式</a:t>
             </a:r>
           </a:p>
           <a:p>
             <a:pPr lvl="1"/>
             <a:r>
-              <a:rPr lang="zh-CN" altLang="en-US" smtClean="0"/>
+              <a:rPr lang="zh-CN" altLang="en-US"/>
               <a:t>第二级</a:t>
             </a:r>
           </a:p>
           <a:p>
             <a:pPr lvl="2"/>
             <a:r>
-              <a:rPr lang="zh-CN" altLang="en-US" smtClean="0"/>
+              <a:rPr lang="zh-CN" altLang="en-US"/>
               <a:t>第三级</a:t>
             </a:r>
           </a:p>
           <a:p>
             <a:pPr lvl="3"/>
             <a:r>
-              <a:rPr lang="zh-CN" altLang="en-US" smtClean="0"/>
+              <a:rPr lang="zh-CN" altLang="en-US"/>
               <a:t>第四级</a:t>
             </a:r>
           </a:p>
           <a:p>
             <a:pPr lvl="4"/>
             <a:r>
-              <a:rPr lang="zh-CN" altLang="en-US" smtClean="0"/>
+              <a:rPr lang="zh-CN" altLang="en-US"/>
               <a:t>第五级</a:t>
             </a:r>
-            <a:endParaRPr lang="zh-CN" altLang="en-US"/>
           </a:p>
         </p:txBody>
       </p:sp>
@@ -13827,7 +14777,7 @@
             <a:fld id="{E59BE0C6-C363-45C4-A271-68F1BEBC1C26}" type="datetimeFigureOut">
               <a:rPr lang="zh-CN" altLang="en-US" smtClean="0"/>
               <a:pPr/>
-              <a:t>2015/6/17</a:t>
+              <a:t>2019-03-26-Tuesday</a:t>
             </a:fld>
             <a:endParaRPr lang="zh-CN" altLang="en-US"/>
           </a:p>
@@ -13879,7 +14829,7 @@
     </p:spTree>
     <p:extLst>
       <p:ext uri="{BB962C8B-B14F-4D97-AF65-F5344CB8AC3E}">
-        <p14:creationId xmlns="" xmlns:p14="http://schemas.microsoft.com/office/powerpoint/2010/main" val="1505833693"/>
+        <p14:creationId xmlns:p14="http://schemas.microsoft.com/office/powerpoint/2010/main" val="1505833693"/>
       </p:ext>
     </p:extLst>
   </p:cSld>
@@ -13922,10 +14872,9 @@
           <a:lstStyle/>
           <a:p>
             <a:r>
-              <a:rPr lang="zh-CN" altLang="en-US" smtClean="0"/>
+              <a:rPr lang="zh-CN" altLang="en-US"/>
               <a:t>单击此处编辑母版标题样式</a:t>
             </a:r>
-            <a:endParaRPr lang="zh-CN" altLang="en-US"/>
           </a:p>
         </p:txBody>
       </p:sp>
@@ -13947,7 +14896,7 @@
             <a:fld id="{E59BE0C6-C363-45C4-A271-68F1BEBC1C26}" type="datetimeFigureOut">
               <a:rPr lang="zh-CN" altLang="en-US" smtClean="0"/>
               <a:pPr/>
-              <a:t>2015/6/17</a:t>
+              <a:t>2019-03-26-Tuesday</a:t>
             </a:fld>
             <a:endParaRPr lang="zh-CN" altLang="en-US"/>
           </a:p>
@@ -13999,7 +14948,7 @@
     </p:spTree>
     <p:extLst>
       <p:ext uri="{BB962C8B-B14F-4D97-AF65-F5344CB8AC3E}">
-        <p14:creationId xmlns="" xmlns:p14="http://schemas.microsoft.com/office/powerpoint/2010/main" val="1961454496"/>
+        <p14:creationId xmlns:p14="http://schemas.microsoft.com/office/powerpoint/2010/main" val="1961454496"/>
       </p:ext>
     </p:extLst>
   </p:cSld>
@@ -14044,7 +14993,7 @@
             <a:fld id="{E59BE0C6-C363-45C4-A271-68F1BEBC1C26}" type="datetimeFigureOut">
               <a:rPr lang="zh-CN" altLang="en-US" smtClean="0"/>
               <a:pPr/>
-              <a:t>2015/6/17</a:t>
+              <a:t>2019-03-26-Tuesday</a:t>
             </a:fld>
             <a:endParaRPr lang="zh-CN" altLang="en-US"/>
           </a:p>
@@ -14096,7 +15045,7 @@
     </p:spTree>
     <p:extLst>
       <p:ext uri="{BB962C8B-B14F-4D97-AF65-F5344CB8AC3E}">
-        <p14:creationId xmlns="" xmlns:p14="http://schemas.microsoft.com/office/powerpoint/2010/main" val="4143356330"/>
+        <p14:creationId xmlns:p14="http://schemas.microsoft.com/office/powerpoint/2010/main" val="4143356330"/>
       </p:ext>
     </p:extLst>
   </p:cSld>
@@ -14148,10 +15097,9 @@
           </a:lstStyle>
           <a:p>
             <a:r>
-              <a:rPr lang="zh-CN" altLang="en-US" smtClean="0"/>
+              <a:rPr lang="zh-CN" altLang="en-US"/>
               <a:t>单击此处编辑母版标题样式</a:t>
             </a:r>
-            <a:endParaRPr lang="zh-CN" altLang="en-US"/>
           </a:p>
         </p:txBody>
       </p:sp>
@@ -14205,38 +15153,37 @@
           <a:p>
             <a:pPr lvl="0"/>
             <a:r>
-              <a:rPr lang="zh-CN" altLang="en-US" smtClean="0"/>
+              <a:rPr lang="zh-CN" altLang="en-US"/>
               <a:t>单击此处编辑母版文本样式</a:t>
             </a:r>
           </a:p>
           <a:p>
             <a:pPr lvl="1"/>
             <a:r>
-              <a:rPr lang="zh-CN" altLang="en-US" smtClean="0"/>
+              <a:rPr lang="zh-CN" altLang="en-US"/>
               <a:t>第二级</a:t>
             </a:r>
           </a:p>
           <a:p>
             <a:pPr lvl="2"/>
             <a:r>
-              <a:rPr lang="zh-CN" altLang="en-US" smtClean="0"/>
+              <a:rPr lang="zh-CN" altLang="en-US"/>
               <a:t>第三级</a:t>
             </a:r>
           </a:p>
           <a:p>
             <a:pPr lvl="3"/>
             <a:r>
-              <a:rPr lang="zh-CN" altLang="en-US" smtClean="0"/>
+              <a:rPr lang="zh-CN" altLang="en-US"/>
               <a:t>第四级</a:t>
             </a:r>
           </a:p>
           <a:p>
             <a:pPr lvl="4"/>
             <a:r>
-              <a:rPr lang="zh-CN" altLang="en-US" smtClean="0"/>
+              <a:rPr lang="zh-CN" altLang="en-US"/>
               <a:t>第五级</a:t>
             </a:r>
-            <a:endParaRPr lang="zh-CN" altLang="en-US"/>
           </a:p>
         </p:txBody>
       </p:sp>
@@ -14299,7 +15246,7 @@
           <a:p>
             <a:pPr lvl="0"/>
             <a:r>
-              <a:rPr lang="zh-CN" altLang="en-US" smtClean="0"/>
+              <a:rPr lang="zh-CN" altLang="en-US"/>
               <a:t>单击此处编辑母版文本样式</a:t>
             </a:r>
           </a:p>
@@ -14323,7 +15270,7 @@
             <a:fld id="{E59BE0C6-C363-45C4-A271-68F1BEBC1C26}" type="datetimeFigureOut">
               <a:rPr lang="zh-CN" altLang="en-US" smtClean="0"/>
               <a:pPr/>
-              <a:t>2015/6/17</a:t>
+              <a:t>2019-03-26-Tuesday</a:t>
             </a:fld>
             <a:endParaRPr lang="zh-CN" altLang="en-US"/>
           </a:p>
@@ -14375,7 +15322,7 @@
     </p:spTree>
     <p:extLst>
       <p:ext uri="{BB962C8B-B14F-4D97-AF65-F5344CB8AC3E}">
-        <p14:creationId xmlns="" xmlns:p14="http://schemas.microsoft.com/office/powerpoint/2010/main" val="3871944550"/>
+        <p14:creationId xmlns:p14="http://schemas.microsoft.com/office/powerpoint/2010/main" val="3871944550"/>
       </p:ext>
     </p:extLst>
   </p:cSld>
@@ -14427,10 +15374,9 @@
           </a:lstStyle>
           <a:p>
             <a:r>
-              <a:rPr lang="zh-CN" altLang="en-US" smtClean="0"/>
+              <a:rPr lang="zh-CN" altLang="en-US"/>
               <a:t>单击此处编辑母版标题样式</a:t>
             </a:r>
-            <a:endParaRPr lang="zh-CN" altLang="en-US"/>
           </a:p>
         </p:txBody>
       </p:sp>
@@ -14554,7 +15500,7 @@
           <a:p>
             <a:pPr lvl="0"/>
             <a:r>
-              <a:rPr lang="zh-CN" altLang="en-US" smtClean="0"/>
+              <a:rPr lang="zh-CN" altLang="en-US"/>
               <a:t>单击此处编辑母版文本样式</a:t>
             </a:r>
           </a:p>
@@ -14578,7 +15524,7 @@
             <a:fld id="{E59BE0C6-C363-45C4-A271-68F1BEBC1C26}" type="datetimeFigureOut">
               <a:rPr lang="zh-CN" altLang="en-US" smtClean="0"/>
               <a:pPr/>
-              <a:t>2015/6/17</a:t>
+              <a:t>2019-03-26-Tuesday</a:t>
             </a:fld>
             <a:endParaRPr lang="zh-CN" altLang="en-US"/>
           </a:p>
@@ -14630,7 +15576,7 @@
     </p:spTree>
     <p:extLst>
       <p:ext uri="{BB962C8B-B14F-4D97-AF65-F5344CB8AC3E}">
-        <p14:creationId xmlns="" xmlns:p14="http://schemas.microsoft.com/office/powerpoint/2010/main" val="3254351627"/>
+        <p14:creationId xmlns:p14="http://schemas.microsoft.com/office/powerpoint/2010/main" val="3254351627"/>
       </p:ext>
     </p:extLst>
   </p:cSld>
@@ -14673,10 +15619,9 @@
           <a:lstStyle/>
           <a:p>
             <a:r>
-              <a:rPr lang="zh-CN" altLang="en-US" smtClean="0"/>
+              <a:rPr lang="zh-CN" altLang="en-US"/>
               <a:t>单击此处编辑母版标题样式</a:t>
             </a:r>
-            <a:endParaRPr lang="zh-CN" altLang="en-US"/>
           </a:p>
         </p:txBody>
       </p:sp>
@@ -14697,38 +15642,37 @@
           <a:p>
             <a:pPr lvl="0"/>
             <a:r>
-              <a:rPr lang="zh-CN" altLang="en-US" smtClean="0"/>
+              <a:rPr lang="zh-CN" altLang="en-US"/>
               <a:t>单击此处编辑母版文本样式</a:t>
             </a:r>
           </a:p>
           <a:p>
             <a:pPr lvl="1"/>
             <a:r>
-              <a:rPr lang="zh-CN" altLang="en-US" smtClean="0"/>
+              <a:rPr lang="zh-CN" altLang="en-US"/>
               <a:t>第二级</a:t>
             </a:r>
           </a:p>
           <a:p>
             <a:pPr lvl="2"/>
             <a:r>
-              <a:rPr lang="zh-CN" altLang="en-US" smtClean="0"/>
+              <a:rPr lang="zh-CN" altLang="en-US"/>
               <a:t>第三级</a:t>
             </a:r>
           </a:p>
           <a:p>
             <a:pPr lvl="3"/>
             <a:r>
-              <a:rPr lang="zh-CN" altLang="en-US" smtClean="0"/>
+              <a:rPr lang="zh-CN" altLang="en-US"/>
               <a:t>第四级</a:t>
             </a:r>
           </a:p>
           <a:p>
             <a:pPr lvl="4"/>
             <a:r>
-              <a:rPr lang="zh-CN" altLang="en-US" smtClean="0"/>
+              <a:rPr lang="zh-CN" altLang="en-US"/>
               <a:t>第五级</a:t>
             </a:r>
-            <a:endParaRPr lang="zh-CN" altLang="en-US"/>
           </a:p>
         </p:txBody>
       </p:sp>
@@ -14750,7 +15694,7 @@
             <a:fld id="{E59BE0C6-C363-45C4-A271-68F1BEBC1C26}" type="datetimeFigureOut">
               <a:rPr lang="zh-CN" altLang="en-US" smtClean="0"/>
               <a:pPr/>
-              <a:t>2015/6/17</a:t>
+              <a:t>2019-03-26-Tuesday</a:t>
             </a:fld>
             <a:endParaRPr lang="zh-CN" altLang="en-US"/>
           </a:p>
@@ -14802,7 +15746,7 @@
     </p:spTree>
     <p:extLst>
       <p:ext uri="{BB962C8B-B14F-4D97-AF65-F5344CB8AC3E}">
-        <p14:creationId xmlns="" xmlns:p14="http://schemas.microsoft.com/office/powerpoint/2010/main" val="3397027290"/>
+        <p14:creationId xmlns:p14="http://schemas.microsoft.com/office/powerpoint/2010/main" val="3397027290"/>
       </p:ext>
     </p:extLst>
   </p:cSld>
@@ -14850,10 +15794,9 @@
           <a:lstStyle/>
           <a:p>
             <a:r>
-              <a:rPr lang="zh-CN" altLang="en-US" smtClean="0"/>
+              <a:rPr lang="zh-CN" altLang="en-US"/>
               <a:t>单击此处编辑母版标题样式</a:t>
             </a:r>
-            <a:endParaRPr lang="zh-CN" altLang="en-US"/>
           </a:p>
         </p:txBody>
       </p:sp>
@@ -14879,38 +15822,37 @@
           <a:p>
             <a:pPr lvl="0"/>
             <a:r>
-              <a:rPr lang="zh-CN" altLang="en-US" smtClean="0"/>
+              <a:rPr lang="zh-CN" altLang="en-US"/>
               <a:t>单击此处编辑母版文本样式</a:t>
             </a:r>
           </a:p>
           <a:p>
             <a:pPr lvl="1"/>
             <a:r>
-              <a:rPr lang="zh-CN" altLang="en-US" smtClean="0"/>
+              <a:rPr lang="zh-CN" altLang="en-US"/>
               <a:t>第二级</a:t>
             </a:r>
           </a:p>
           <a:p>
             <a:pPr lvl="2"/>
             <a:r>
-              <a:rPr lang="zh-CN" altLang="en-US" smtClean="0"/>
+              <a:rPr lang="zh-CN" altLang="en-US"/>
               <a:t>第三级</a:t>
             </a:r>
           </a:p>
           <a:p>
             <a:pPr lvl="3"/>
             <a:r>
-              <a:rPr lang="zh-CN" altLang="en-US" smtClean="0"/>
+              <a:rPr lang="zh-CN" altLang="en-US"/>
               <a:t>第四级</a:t>
             </a:r>
           </a:p>
           <a:p>
             <a:pPr lvl="4"/>
             <a:r>
-              <a:rPr lang="zh-CN" altLang="en-US" smtClean="0"/>
+              <a:rPr lang="zh-CN" altLang="en-US"/>
               <a:t>第五级</a:t>
             </a:r>
-            <a:endParaRPr lang="zh-CN" altLang="en-US"/>
           </a:p>
         </p:txBody>
       </p:sp>
@@ -14932,7 +15874,7 @@
             <a:fld id="{E59BE0C6-C363-45C4-A271-68F1BEBC1C26}" type="datetimeFigureOut">
               <a:rPr lang="zh-CN" altLang="en-US" smtClean="0"/>
               <a:pPr/>
-              <a:t>2015/6/17</a:t>
+              <a:t>2019-03-26-Tuesday</a:t>
             </a:fld>
             <a:endParaRPr lang="zh-CN" altLang="en-US"/>
           </a:p>
@@ -14984,7 +15926,7 @@
     </p:spTree>
     <p:extLst>
       <p:ext uri="{BB962C8B-B14F-4D97-AF65-F5344CB8AC3E}">
-        <p14:creationId xmlns="" xmlns:p14="http://schemas.microsoft.com/office/powerpoint/2010/main" val="803789254"/>
+        <p14:creationId xmlns:p14="http://schemas.microsoft.com/office/powerpoint/2010/main" val="803789254"/>
       </p:ext>
     </p:extLst>
   </p:cSld>
@@ -15032,10 +15974,9 @@
           <a:lstStyle/>
           <a:p>
             <a:r>
-              <a:rPr lang="zh-CN" altLang="en-US" smtClean="0"/>
+              <a:rPr lang="zh-CN" altLang="en-US"/>
               <a:t>单击此处编辑母版标题样式</a:t>
             </a:r>
-            <a:endParaRPr lang="zh-CN" altLang="en-US"/>
           </a:p>
         </p:txBody>
       </p:sp>
@@ -15151,10 +16092,9 @@
           </a:lstStyle>
           <a:p>
             <a:r>
-              <a:rPr lang="zh-CN" altLang="en-US" smtClean="0"/>
+              <a:rPr lang="zh-CN" altLang="en-US"/>
               <a:t>单击此处编辑母版副标题样式</a:t>
             </a:r>
-            <a:endParaRPr lang="zh-CN" altLang="en-US"/>
           </a:p>
         </p:txBody>
       </p:sp>
@@ -15176,7 +16116,7 @@
             <a:fld id="{FF95FBAF-30C0-4E53-B7DB-9D84C9EDC8F0}" type="datetimeFigureOut">
               <a:rPr lang="zh-CN" altLang="en-US" smtClean="0"/>
               <a:pPr/>
-              <a:t>2015/6/17</a:t>
+              <a:t>2019-03-26-Tuesday</a:t>
             </a:fld>
             <a:endParaRPr lang="zh-CN" altLang="en-US"/>
           </a:p>
@@ -15228,7 +16168,7 @@
     </p:spTree>
     <p:extLst>
       <p:ext uri="{BB962C8B-B14F-4D97-AF65-F5344CB8AC3E}">
-        <p14:creationId xmlns="" xmlns:p14="http://schemas.microsoft.com/office/powerpoint/2010/main" val="1302894986"/>
+        <p14:creationId xmlns:p14="http://schemas.microsoft.com/office/powerpoint/2010/main" val="1302894986"/>
       </p:ext>
     </p:extLst>
   </p:cSld>
@@ -15271,10 +16211,9 @@
           <a:lstStyle/>
           <a:p>
             <a:r>
-              <a:rPr lang="zh-CN" altLang="en-US" smtClean="0"/>
+              <a:rPr lang="zh-CN" altLang="en-US"/>
               <a:t>单击此处编辑母版标题样式</a:t>
             </a:r>
-            <a:endParaRPr lang="zh-CN" altLang="en-US"/>
           </a:p>
         </p:txBody>
       </p:sp>
@@ -15295,38 +16234,37 @@
           <a:p>
             <a:pPr lvl="0"/>
             <a:r>
-              <a:rPr lang="zh-CN" altLang="en-US" smtClean="0"/>
+              <a:rPr lang="zh-CN" altLang="en-US"/>
               <a:t>单击此处编辑母版文本样式</a:t>
             </a:r>
           </a:p>
           <a:p>
             <a:pPr lvl="1"/>
             <a:r>
-              <a:rPr lang="zh-CN" altLang="en-US" smtClean="0"/>
+              <a:rPr lang="zh-CN" altLang="en-US"/>
               <a:t>第二级</a:t>
             </a:r>
           </a:p>
           <a:p>
             <a:pPr lvl="2"/>
             <a:r>
-              <a:rPr lang="zh-CN" altLang="en-US" smtClean="0"/>
+              <a:rPr lang="zh-CN" altLang="en-US"/>
               <a:t>第三级</a:t>
             </a:r>
           </a:p>
           <a:p>
             <a:pPr lvl="3"/>
             <a:r>
-              <a:rPr lang="zh-CN" altLang="en-US" smtClean="0"/>
+              <a:rPr lang="zh-CN" altLang="en-US"/>
               <a:t>第四级</a:t>
             </a:r>
           </a:p>
           <a:p>
             <a:pPr lvl="4"/>
             <a:r>
-              <a:rPr lang="zh-CN" altLang="en-US" smtClean="0"/>
+              <a:rPr lang="zh-CN" altLang="en-US"/>
               <a:t>第五级</a:t>
             </a:r>
-            <a:endParaRPr lang="zh-CN" altLang="en-US"/>
           </a:p>
         </p:txBody>
       </p:sp>
@@ -15348,7 +16286,7 @@
             <a:fld id="{FF95FBAF-30C0-4E53-B7DB-9D84C9EDC8F0}" type="datetimeFigureOut">
               <a:rPr lang="zh-CN" altLang="en-US" smtClean="0"/>
               <a:pPr/>
-              <a:t>2015/6/17</a:t>
+              <a:t>2019-03-26-Tuesday</a:t>
             </a:fld>
             <a:endParaRPr lang="zh-CN" altLang="en-US"/>
           </a:p>
@@ -15400,7 +16338,7 @@
     </p:spTree>
     <p:extLst>
       <p:ext uri="{BB962C8B-B14F-4D97-AF65-F5344CB8AC3E}">
-        <p14:creationId xmlns="" xmlns:p14="http://schemas.microsoft.com/office/powerpoint/2010/main" val="12720554"/>
+        <p14:creationId xmlns:p14="http://schemas.microsoft.com/office/powerpoint/2010/main" val="12720554"/>
       </p:ext>
     </p:extLst>
   </p:cSld>
@@ -15443,7 +16381,7 @@
           <a:lstStyle/>
           <a:p>
             <a:r>
-              <a:rPr lang="en-US" altLang="zh-CN" dirty="0" smtClean="0"/>
+              <a:rPr lang="en-US" altLang="zh-CN" dirty="0"/>
               <a:t>Click to edit Master title style</a:t>
             </a:r>
             <a:endParaRPr lang="zh-CN" altLang="en-US" dirty="0"/>
@@ -15503,21 +16441,21 @@
           <a:p>
             <a:pPr lvl="0"/>
             <a:r>
-              <a:rPr lang="en-US" altLang="zh-CN" dirty="0" smtClean="0"/>
+              <a:rPr lang="en-US" altLang="zh-CN" dirty="0"/>
               <a:t>Click to edit Master text styles</a:t>
             </a:r>
           </a:p>
           <a:p>
             <a:pPr lvl="1"/>
             <a:r>
-              <a:rPr lang="en-US" altLang="zh-CN" dirty="0" smtClean="0"/>
+              <a:rPr lang="en-US" altLang="zh-CN" dirty="0"/>
               <a:t>Second level</a:t>
             </a:r>
           </a:p>
           <a:p>
             <a:pPr lvl="3"/>
             <a:r>
-              <a:rPr lang="en-US" altLang="zh-CN" dirty="0" smtClean="0"/>
+              <a:rPr lang="en-US" altLang="zh-CN" dirty="0"/>
               <a:t>Fourth level</a:t>
             </a:r>
           </a:p>
@@ -15645,21 +16583,21 @@
           <a:p>
             <a:pPr lvl="0"/>
             <a:r>
-              <a:rPr lang="en-US" altLang="zh-CN" dirty="0" smtClean="0"/>
+              <a:rPr lang="en-US" altLang="zh-CN" dirty="0"/>
               <a:t>Click to edit Master text styles</a:t>
             </a:r>
           </a:p>
           <a:p>
             <a:pPr lvl="1"/>
             <a:r>
-              <a:rPr lang="en-US" altLang="zh-CN" dirty="0" smtClean="0"/>
+              <a:rPr lang="en-US" altLang="zh-CN" dirty="0"/>
               <a:t>Second level</a:t>
             </a:r>
           </a:p>
           <a:p>
             <a:pPr lvl="3"/>
             <a:r>
-              <a:rPr lang="en-US" altLang="zh-CN" dirty="0" smtClean="0"/>
+              <a:rPr lang="en-US" altLang="zh-CN" dirty="0"/>
               <a:t>Fourth level</a:t>
             </a:r>
             <a:endParaRPr lang="zh-CN" altLang="en-US" dirty="0"/>
@@ -15669,7 +16607,7 @@
     </p:spTree>
     <p:extLst>
       <p:ext uri="{BB962C8B-B14F-4D97-AF65-F5344CB8AC3E}">
-        <p14:creationId xmlns="" xmlns:p14="http://schemas.microsoft.com/office/powerpoint/2010/main" val="3880710784"/>
+        <p14:creationId xmlns:p14="http://schemas.microsoft.com/office/powerpoint/2010/main" val="3880710784"/>
       </p:ext>
     </p:extLst>
   </p:cSld>
@@ -15677,13 +16615,6 @@
     <a:masterClrMapping/>
   </p:clrMapOvr>
   <p:transition/>
-  <p:timing>
-    <p:tnLst>
-      <p:par>
-        <p:cTn id="1" dur="indefinite" restart="never" nodeType="tmRoot"/>
-      </p:par>
-    </p:tnLst>
-  </p:timing>
 </p:sldLayout>
 </file>
 
@@ -15729,10 +16660,9 @@
           </a:lstStyle>
           <a:p>
             <a:r>
-              <a:rPr lang="zh-CN" altLang="en-US" smtClean="0"/>
+              <a:rPr lang="zh-CN" altLang="en-US"/>
               <a:t>单击此处编辑母版标题样式</a:t>
             </a:r>
-            <a:endParaRPr lang="zh-CN" altLang="en-US"/>
           </a:p>
         </p:txBody>
       </p:sp>
@@ -15849,7 +16779,7 @@
           <a:p>
             <a:pPr lvl="0"/>
             <a:r>
-              <a:rPr lang="zh-CN" altLang="en-US" smtClean="0"/>
+              <a:rPr lang="zh-CN" altLang="en-US"/>
               <a:t>单击此处编辑母版文本样式</a:t>
             </a:r>
           </a:p>
@@ -15873,7 +16803,7 @@
             <a:fld id="{FF95FBAF-30C0-4E53-B7DB-9D84C9EDC8F0}" type="datetimeFigureOut">
               <a:rPr lang="zh-CN" altLang="en-US" smtClean="0"/>
               <a:pPr/>
-              <a:t>2015/6/17</a:t>
+              <a:t>2019-03-26-Tuesday</a:t>
             </a:fld>
             <a:endParaRPr lang="zh-CN" altLang="en-US"/>
           </a:p>
@@ -15925,7 +16855,7 @@
     </p:spTree>
     <p:extLst>
       <p:ext uri="{BB962C8B-B14F-4D97-AF65-F5344CB8AC3E}">
-        <p14:creationId xmlns="" xmlns:p14="http://schemas.microsoft.com/office/powerpoint/2010/main" val="1617834904"/>
+        <p14:creationId xmlns:p14="http://schemas.microsoft.com/office/powerpoint/2010/main" val="1617834904"/>
       </p:ext>
     </p:extLst>
   </p:cSld>
@@ -15968,10 +16898,9 @@
           <a:lstStyle/>
           <a:p>
             <a:r>
-              <a:rPr lang="zh-CN" altLang="en-US" smtClean="0"/>
+              <a:rPr lang="zh-CN" altLang="en-US"/>
               <a:t>单击此处编辑母版标题样式</a:t>
             </a:r>
-            <a:endParaRPr lang="zh-CN" altLang="en-US"/>
           </a:p>
         </p:txBody>
       </p:sp>
@@ -16025,38 +16954,37 @@
           <a:p>
             <a:pPr lvl="0"/>
             <a:r>
-              <a:rPr lang="zh-CN" altLang="en-US" smtClean="0"/>
+              <a:rPr lang="zh-CN" altLang="en-US"/>
               <a:t>单击此处编辑母版文本样式</a:t>
             </a:r>
           </a:p>
           <a:p>
             <a:pPr lvl="1"/>
             <a:r>
-              <a:rPr lang="zh-CN" altLang="en-US" smtClean="0"/>
+              <a:rPr lang="zh-CN" altLang="en-US"/>
               <a:t>第二级</a:t>
             </a:r>
           </a:p>
           <a:p>
             <a:pPr lvl="2"/>
             <a:r>
-              <a:rPr lang="zh-CN" altLang="en-US" smtClean="0"/>
+              <a:rPr lang="zh-CN" altLang="en-US"/>
               <a:t>第三级</a:t>
             </a:r>
           </a:p>
           <a:p>
             <a:pPr lvl="3"/>
             <a:r>
-              <a:rPr lang="zh-CN" altLang="en-US" smtClean="0"/>
+              <a:rPr lang="zh-CN" altLang="en-US"/>
               <a:t>第四级</a:t>
             </a:r>
           </a:p>
           <a:p>
             <a:pPr lvl="4"/>
             <a:r>
-              <a:rPr lang="zh-CN" altLang="en-US" smtClean="0"/>
+              <a:rPr lang="zh-CN" altLang="en-US"/>
               <a:t>第五级</a:t>
             </a:r>
-            <a:endParaRPr lang="zh-CN" altLang="en-US"/>
           </a:p>
         </p:txBody>
       </p:sp>
@@ -16110,38 +17038,37 @@
           <a:p>
             <a:pPr lvl="0"/>
             <a:r>
-              <a:rPr lang="zh-CN" altLang="en-US" smtClean="0"/>
+              <a:rPr lang="zh-CN" altLang="en-US"/>
               <a:t>单击此处编辑母版文本样式</a:t>
             </a:r>
           </a:p>
           <a:p>
             <a:pPr lvl="1"/>
             <a:r>
-              <a:rPr lang="zh-CN" altLang="en-US" smtClean="0"/>
+              <a:rPr lang="zh-CN" altLang="en-US"/>
               <a:t>第二级</a:t>
             </a:r>
           </a:p>
           <a:p>
             <a:pPr lvl="2"/>
             <a:r>
-              <a:rPr lang="zh-CN" altLang="en-US" smtClean="0"/>
+              <a:rPr lang="zh-CN" altLang="en-US"/>
               <a:t>第三级</a:t>
             </a:r>
           </a:p>
           <a:p>
             <a:pPr lvl="3"/>
             <a:r>
-              <a:rPr lang="zh-CN" altLang="en-US" smtClean="0"/>
+              <a:rPr lang="zh-CN" altLang="en-US"/>
               <a:t>第四级</a:t>
             </a:r>
           </a:p>
           <a:p>
             <a:pPr lvl="4"/>
             <a:r>
-              <a:rPr lang="zh-CN" altLang="en-US" smtClean="0"/>
+              <a:rPr lang="zh-CN" altLang="en-US"/>
               <a:t>第五级</a:t>
             </a:r>
-            <a:endParaRPr lang="zh-CN" altLang="en-US"/>
           </a:p>
         </p:txBody>
       </p:sp>
@@ -16163,7 +17090,7 @@
             <a:fld id="{FF95FBAF-30C0-4E53-B7DB-9D84C9EDC8F0}" type="datetimeFigureOut">
               <a:rPr lang="zh-CN" altLang="en-US" smtClean="0"/>
               <a:pPr/>
-              <a:t>2015/6/17</a:t>
+              <a:t>2019-03-26-Tuesday</a:t>
             </a:fld>
             <a:endParaRPr lang="zh-CN" altLang="en-US"/>
           </a:p>
@@ -16215,7 +17142,7 @@
     </p:spTree>
     <p:extLst>
       <p:ext uri="{BB962C8B-B14F-4D97-AF65-F5344CB8AC3E}">
-        <p14:creationId xmlns="" xmlns:p14="http://schemas.microsoft.com/office/powerpoint/2010/main" val="2392388588"/>
+        <p14:creationId xmlns:p14="http://schemas.microsoft.com/office/powerpoint/2010/main" val="2392388588"/>
       </p:ext>
     </p:extLst>
   </p:cSld>
@@ -16262,10 +17189,9 @@
           </a:lstStyle>
           <a:p>
             <a:r>
-              <a:rPr lang="zh-CN" altLang="en-US" smtClean="0"/>
+              <a:rPr lang="zh-CN" altLang="en-US"/>
               <a:t>单击此处编辑母版标题样式</a:t>
             </a:r>
-            <a:endParaRPr lang="zh-CN" altLang="en-US"/>
           </a:p>
         </p:txBody>
       </p:sp>
@@ -16328,7 +17254,7 @@
           <a:p>
             <a:pPr lvl="0"/>
             <a:r>
-              <a:rPr lang="zh-CN" altLang="en-US" smtClean="0"/>
+              <a:rPr lang="zh-CN" altLang="en-US"/>
               <a:t>单击此处编辑母版文本样式</a:t>
             </a:r>
           </a:p>
@@ -16384,38 +17310,37 @@
           <a:p>
             <a:pPr lvl="0"/>
             <a:r>
-              <a:rPr lang="zh-CN" altLang="en-US" smtClean="0"/>
+              <a:rPr lang="zh-CN" altLang="en-US"/>
               <a:t>单击此处编辑母版文本样式</a:t>
             </a:r>
           </a:p>
           <a:p>
             <a:pPr lvl="1"/>
             <a:r>
-              <a:rPr lang="zh-CN" altLang="en-US" smtClean="0"/>
+              <a:rPr lang="zh-CN" altLang="en-US"/>
               <a:t>第二级</a:t>
             </a:r>
           </a:p>
           <a:p>
             <a:pPr lvl="2"/>
             <a:r>
-              <a:rPr lang="zh-CN" altLang="en-US" smtClean="0"/>
+              <a:rPr lang="zh-CN" altLang="en-US"/>
               <a:t>第三级</a:t>
             </a:r>
           </a:p>
           <a:p>
             <a:pPr lvl="3"/>
             <a:r>
-              <a:rPr lang="zh-CN" altLang="en-US" smtClean="0"/>
+              <a:rPr lang="zh-CN" altLang="en-US"/>
               <a:t>第四级</a:t>
             </a:r>
           </a:p>
           <a:p>
             <a:pPr lvl="4"/>
             <a:r>
-              <a:rPr lang="zh-CN" altLang="en-US" smtClean="0"/>
+              <a:rPr lang="zh-CN" altLang="en-US"/>
               <a:t>第五级</a:t>
             </a:r>
-            <a:endParaRPr lang="zh-CN" altLang="en-US"/>
           </a:p>
         </p:txBody>
       </p:sp>
@@ -16478,7 +17403,7 @@
           <a:p>
             <a:pPr lvl="0"/>
             <a:r>
-              <a:rPr lang="zh-CN" altLang="en-US" smtClean="0"/>
+              <a:rPr lang="zh-CN" altLang="en-US"/>
               <a:t>单击此处编辑母版文本样式</a:t>
             </a:r>
           </a:p>
@@ -16534,38 +17459,37 @@
           <a:p>
             <a:pPr lvl="0"/>
             <a:r>
-              <a:rPr lang="zh-CN" altLang="en-US" smtClean="0"/>
+              <a:rPr lang="zh-CN" altLang="en-US"/>
               <a:t>单击此处编辑母版文本样式</a:t>
             </a:r>
           </a:p>
           <a:p>
             <a:pPr lvl="1"/>
             <a:r>
-              <a:rPr lang="zh-CN" altLang="en-US" smtClean="0"/>
+              <a:rPr lang="zh-CN" altLang="en-US"/>
               <a:t>第二级</a:t>
             </a:r>
           </a:p>
           <a:p>
             <a:pPr lvl="2"/>
             <a:r>
-              <a:rPr lang="zh-CN" altLang="en-US" smtClean="0"/>
+              <a:rPr lang="zh-CN" altLang="en-US"/>
               <a:t>第三级</a:t>
             </a:r>
           </a:p>
           <a:p>
             <a:pPr lvl="3"/>
             <a:r>
-              <a:rPr lang="zh-CN" altLang="en-US" smtClean="0"/>
+              <a:rPr lang="zh-CN" altLang="en-US"/>
               <a:t>第四级</a:t>
             </a:r>
           </a:p>
           <a:p>
             <a:pPr lvl="4"/>
             <a:r>
-              <a:rPr lang="zh-CN" altLang="en-US" smtClean="0"/>
+              <a:rPr lang="zh-CN" altLang="en-US"/>
               <a:t>第五级</a:t>
             </a:r>
-            <a:endParaRPr lang="zh-CN" altLang="en-US"/>
           </a:p>
         </p:txBody>
       </p:sp>
@@ -16587,7 +17511,7 @@
             <a:fld id="{FF95FBAF-30C0-4E53-B7DB-9D84C9EDC8F0}" type="datetimeFigureOut">
               <a:rPr lang="zh-CN" altLang="en-US" smtClean="0"/>
               <a:pPr/>
-              <a:t>2015/6/17</a:t>
+              <a:t>2019-03-26-Tuesday</a:t>
             </a:fld>
             <a:endParaRPr lang="zh-CN" altLang="en-US"/>
           </a:p>
@@ -16639,7 +17563,7 @@
     </p:spTree>
     <p:extLst>
       <p:ext uri="{BB962C8B-B14F-4D97-AF65-F5344CB8AC3E}">
-        <p14:creationId xmlns="" xmlns:p14="http://schemas.microsoft.com/office/powerpoint/2010/main" val="2643661640"/>
+        <p14:creationId xmlns:p14="http://schemas.microsoft.com/office/powerpoint/2010/main" val="2643661640"/>
       </p:ext>
     </p:extLst>
   </p:cSld>
@@ -16682,10 +17606,9 @@
           <a:lstStyle/>
           <a:p>
             <a:r>
-              <a:rPr lang="zh-CN" altLang="en-US" smtClean="0"/>
+              <a:rPr lang="zh-CN" altLang="en-US"/>
               <a:t>单击此处编辑母版标题样式</a:t>
             </a:r>
-            <a:endParaRPr lang="zh-CN" altLang="en-US"/>
           </a:p>
         </p:txBody>
       </p:sp>
@@ -16707,7 +17630,7 @@
             <a:fld id="{FF95FBAF-30C0-4E53-B7DB-9D84C9EDC8F0}" type="datetimeFigureOut">
               <a:rPr lang="zh-CN" altLang="en-US" smtClean="0"/>
               <a:pPr/>
-              <a:t>2015/6/17</a:t>
+              <a:t>2019-03-26-Tuesday</a:t>
             </a:fld>
             <a:endParaRPr lang="zh-CN" altLang="en-US"/>
           </a:p>
@@ -16759,7 +17682,7 @@
     </p:spTree>
     <p:extLst>
       <p:ext uri="{BB962C8B-B14F-4D97-AF65-F5344CB8AC3E}">
-        <p14:creationId xmlns="" xmlns:p14="http://schemas.microsoft.com/office/powerpoint/2010/main" val="3158268263"/>
+        <p14:creationId xmlns:p14="http://schemas.microsoft.com/office/powerpoint/2010/main" val="3158268263"/>
       </p:ext>
     </p:extLst>
   </p:cSld>
@@ -16804,7 +17727,7 @@
             <a:fld id="{FF95FBAF-30C0-4E53-B7DB-9D84C9EDC8F0}" type="datetimeFigureOut">
               <a:rPr lang="zh-CN" altLang="en-US" smtClean="0"/>
               <a:pPr/>
-              <a:t>2015/6/17</a:t>
+              <a:t>2019-03-26-Tuesday</a:t>
             </a:fld>
             <a:endParaRPr lang="zh-CN" altLang="en-US"/>
           </a:p>
@@ -16856,7 +17779,7 @@
     </p:spTree>
     <p:extLst>
       <p:ext uri="{BB962C8B-B14F-4D97-AF65-F5344CB8AC3E}">
-        <p14:creationId xmlns="" xmlns:p14="http://schemas.microsoft.com/office/powerpoint/2010/main" val="2796680622"/>
+        <p14:creationId xmlns:p14="http://schemas.microsoft.com/office/powerpoint/2010/main" val="2796680622"/>
       </p:ext>
     </p:extLst>
   </p:cSld>
@@ -16908,10 +17831,9 @@
           </a:lstStyle>
           <a:p>
             <a:r>
-              <a:rPr lang="zh-CN" altLang="en-US" smtClean="0"/>
+              <a:rPr lang="zh-CN" altLang="en-US"/>
               <a:t>单击此处编辑母版标题样式</a:t>
             </a:r>
-            <a:endParaRPr lang="zh-CN" altLang="en-US"/>
           </a:p>
         </p:txBody>
       </p:sp>
@@ -16965,38 +17887,37 @@
           <a:p>
             <a:pPr lvl="0"/>
             <a:r>
-              <a:rPr lang="zh-CN" altLang="en-US" smtClean="0"/>
+              <a:rPr lang="zh-CN" altLang="en-US"/>
               <a:t>单击此处编辑母版文本样式</a:t>
             </a:r>
           </a:p>
           <a:p>
             <a:pPr lvl="1"/>
             <a:r>
-              <a:rPr lang="zh-CN" altLang="en-US" smtClean="0"/>
+              <a:rPr lang="zh-CN" altLang="en-US"/>
               <a:t>第二级</a:t>
             </a:r>
           </a:p>
           <a:p>
             <a:pPr lvl="2"/>
             <a:r>
-              <a:rPr lang="zh-CN" altLang="en-US" smtClean="0"/>
+              <a:rPr lang="zh-CN" altLang="en-US"/>
               <a:t>第三级</a:t>
             </a:r>
           </a:p>
           <a:p>
             <a:pPr lvl="3"/>
             <a:r>
-              <a:rPr lang="zh-CN" altLang="en-US" smtClean="0"/>
+              <a:rPr lang="zh-CN" altLang="en-US"/>
               <a:t>第四级</a:t>
             </a:r>
           </a:p>
           <a:p>
             <a:pPr lvl="4"/>
             <a:r>
-              <a:rPr lang="zh-CN" altLang="en-US" smtClean="0"/>
+              <a:rPr lang="zh-CN" altLang="en-US"/>
               <a:t>第五级</a:t>
             </a:r>
-            <a:endParaRPr lang="zh-CN" altLang="en-US"/>
           </a:p>
         </p:txBody>
       </p:sp>
@@ -17059,7 +17980,7 @@
           <a:p>
             <a:pPr lvl="0"/>
             <a:r>
-              <a:rPr lang="zh-CN" altLang="en-US" smtClean="0"/>
+              <a:rPr lang="zh-CN" altLang="en-US"/>
               <a:t>单击此处编辑母版文本样式</a:t>
             </a:r>
           </a:p>
@@ -17083,7 +18004,7 @@
             <a:fld id="{FF95FBAF-30C0-4E53-B7DB-9D84C9EDC8F0}" type="datetimeFigureOut">
               <a:rPr lang="zh-CN" altLang="en-US" smtClean="0"/>
               <a:pPr/>
-              <a:t>2015/6/17</a:t>
+              <a:t>2019-03-26-Tuesday</a:t>
             </a:fld>
             <a:endParaRPr lang="zh-CN" altLang="en-US"/>
           </a:p>
@@ -17135,7 +18056,7 @@
     </p:spTree>
     <p:extLst>
       <p:ext uri="{BB962C8B-B14F-4D97-AF65-F5344CB8AC3E}">
-        <p14:creationId xmlns="" xmlns:p14="http://schemas.microsoft.com/office/powerpoint/2010/main" val="2740335515"/>
+        <p14:creationId xmlns:p14="http://schemas.microsoft.com/office/powerpoint/2010/main" val="2740335515"/>
       </p:ext>
     </p:extLst>
   </p:cSld>
@@ -17187,10 +18108,9 @@
           </a:lstStyle>
           <a:p>
             <a:r>
-              <a:rPr lang="zh-CN" altLang="en-US" smtClean="0"/>
+              <a:rPr lang="zh-CN" altLang="en-US"/>
               <a:t>单击此处编辑母版标题样式</a:t>
             </a:r>
-            <a:endParaRPr lang="zh-CN" altLang="en-US"/>
           </a:p>
         </p:txBody>
       </p:sp>
@@ -17314,7 +18234,7 @@
           <a:p>
             <a:pPr lvl="0"/>
             <a:r>
-              <a:rPr lang="zh-CN" altLang="en-US" smtClean="0"/>
+              <a:rPr lang="zh-CN" altLang="en-US"/>
               <a:t>单击此处编辑母版文本样式</a:t>
             </a:r>
           </a:p>
@@ -17338,7 +18258,7 @@
             <a:fld id="{FF95FBAF-30C0-4E53-B7DB-9D84C9EDC8F0}" type="datetimeFigureOut">
               <a:rPr lang="zh-CN" altLang="en-US" smtClean="0"/>
               <a:pPr/>
-              <a:t>2015/6/17</a:t>
+              <a:t>2019-03-26-Tuesday</a:t>
             </a:fld>
             <a:endParaRPr lang="zh-CN" altLang="en-US"/>
           </a:p>
@@ -17390,7 +18310,7 @@
     </p:spTree>
     <p:extLst>
       <p:ext uri="{BB962C8B-B14F-4D97-AF65-F5344CB8AC3E}">
-        <p14:creationId xmlns="" xmlns:p14="http://schemas.microsoft.com/office/powerpoint/2010/main" val="2066451180"/>
+        <p14:creationId xmlns:p14="http://schemas.microsoft.com/office/powerpoint/2010/main" val="2066451180"/>
       </p:ext>
     </p:extLst>
   </p:cSld>
@@ -17433,10 +18353,9 @@
           <a:lstStyle/>
           <a:p>
             <a:r>
-              <a:rPr lang="zh-CN" altLang="en-US" smtClean="0"/>
+              <a:rPr lang="zh-CN" altLang="en-US"/>
               <a:t>单击此处编辑母版标题样式</a:t>
             </a:r>
-            <a:endParaRPr lang="zh-CN" altLang="en-US"/>
           </a:p>
         </p:txBody>
       </p:sp>
@@ -17457,38 +18376,37 @@
           <a:p>
             <a:pPr lvl="0"/>
             <a:r>
-              <a:rPr lang="zh-CN" altLang="en-US" smtClean="0"/>
+              <a:rPr lang="zh-CN" altLang="en-US"/>
               <a:t>单击此处编辑母版文本样式</a:t>
             </a:r>
           </a:p>
           <a:p>
             <a:pPr lvl="1"/>
             <a:r>
-              <a:rPr lang="zh-CN" altLang="en-US" smtClean="0"/>
+              <a:rPr lang="zh-CN" altLang="en-US"/>
               <a:t>第二级</a:t>
             </a:r>
           </a:p>
           <a:p>
             <a:pPr lvl="2"/>
             <a:r>
-              <a:rPr lang="zh-CN" altLang="en-US" smtClean="0"/>
+              <a:rPr lang="zh-CN" altLang="en-US"/>
               <a:t>第三级</a:t>
             </a:r>
           </a:p>
           <a:p>
             <a:pPr lvl="3"/>
             <a:r>
-              <a:rPr lang="zh-CN" altLang="en-US" smtClean="0"/>
+              <a:rPr lang="zh-CN" altLang="en-US"/>
               <a:t>第四级</a:t>
             </a:r>
           </a:p>
           <a:p>
             <a:pPr lvl="4"/>
             <a:r>
-              <a:rPr lang="zh-CN" altLang="en-US" smtClean="0"/>
+              <a:rPr lang="zh-CN" altLang="en-US"/>
               <a:t>第五级</a:t>
             </a:r>
-            <a:endParaRPr lang="zh-CN" altLang="en-US"/>
           </a:p>
         </p:txBody>
       </p:sp>
@@ -17510,7 +18428,7 @@
             <a:fld id="{FF95FBAF-30C0-4E53-B7DB-9D84C9EDC8F0}" type="datetimeFigureOut">
               <a:rPr lang="zh-CN" altLang="en-US" smtClean="0"/>
               <a:pPr/>
-              <a:t>2015/6/17</a:t>
+              <a:t>2019-03-26-Tuesday</a:t>
             </a:fld>
             <a:endParaRPr lang="zh-CN" altLang="en-US"/>
           </a:p>
@@ -17562,20 +18480,13 @@
     </p:spTree>
     <p:extLst>
       <p:ext uri="{BB962C8B-B14F-4D97-AF65-F5344CB8AC3E}">
-        <p14:creationId xmlns="" xmlns:p14="http://schemas.microsoft.com/office/powerpoint/2010/main" val="3492152915"/>
+        <p14:creationId xmlns:p14="http://schemas.microsoft.com/office/powerpoint/2010/main" val="3492152915"/>
       </p:ext>
     </p:extLst>
   </p:cSld>
   <p:clrMapOvr>
     <a:masterClrMapping/>
   </p:clrMapOvr>
-  <p:timing>
-    <p:tnLst>
-      <p:par>
-        <p:cTn id="1" dur="indefinite" restart="never" nodeType="tmRoot"/>
-      </p:par>
-    </p:tnLst>
-  </p:timing>
 </p:sldLayout>
 </file>
 
@@ -17617,10 +18528,9 @@
           <a:lstStyle/>
           <a:p>
             <a:r>
-              <a:rPr lang="zh-CN" altLang="en-US" smtClean="0"/>
+              <a:rPr lang="zh-CN" altLang="en-US"/>
               <a:t>单击此处编辑母版标题样式</a:t>
             </a:r>
-            <a:endParaRPr lang="zh-CN" altLang="en-US"/>
           </a:p>
         </p:txBody>
       </p:sp>
@@ -17646,38 +18556,37 @@
           <a:p>
             <a:pPr lvl="0"/>
             <a:r>
-              <a:rPr lang="zh-CN" altLang="en-US" smtClean="0"/>
+              <a:rPr lang="zh-CN" altLang="en-US"/>
               <a:t>单击此处编辑母版文本样式</a:t>
             </a:r>
           </a:p>
           <a:p>
             <a:pPr lvl="1"/>
             <a:r>
-              <a:rPr lang="zh-CN" altLang="en-US" smtClean="0"/>
+              <a:rPr lang="zh-CN" altLang="en-US"/>
               <a:t>第二级</a:t>
             </a:r>
           </a:p>
           <a:p>
             <a:pPr lvl="2"/>
             <a:r>
-              <a:rPr lang="zh-CN" altLang="en-US" smtClean="0"/>
+              <a:rPr lang="zh-CN" altLang="en-US"/>
               <a:t>第三级</a:t>
             </a:r>
           </a:p>
           <a:p>
             <a:pPr lvl="3"/>
             <a:r>
-              <a:rPr lang="zh-CN" altLang="en-US" smtClean="0"/>
+              <a:rPr lang="zh-CN" altLang="en-US"/>
               <a:t>第四级</a:t>
             </a:r>
           </a:p>
           <a:p>
             <a:pPr lvl="4"/>
             <a:r>
-              <a:rPr lang="zh-CN" altLang="en-US" smtClean="0"/>
+              <a:rPr lang="zh-CN" altLang="en-US"/>
               <a:t>第五级</a:t>
             </a:r>
-            <a:endParaRPr lang="zh-CN" altLang="en-US"/>
           </a:p>
         </p:txBody>
       </p:sp>
@@ -17699,7 +18608,7 @@
             <a:fld id="{FF95FBAF-30C0-4E53-B7DB-9D84C9EDC8F0}" type="datetimeFigureOut">
               <a:rPr lang="zh-CN" altLang="en-US" smtClean="0"/>
               <a:pPr/>
-              <a:t>2015/6/17</a:t>
+              <a:t>2019-03-26-Tuesday</a:t>
             </a:fld>
             <a:endParaRPr lang="zh-CN" altLang="en-US"/>
           </a:p>
@@ -17751,20 +18660,13 @@
     </p:spTree>
     <p:extLst>
       <p:ext uri="{BB962C8B-B14F-4D97-AF65-F5344CB8AC3E}">
-        <p14:creationId xmlns="" xmlns:p14="http://schemas.microsoft.com/office/powerpoint/2010/main" val="3051299787"/>
+        <p14:creationId xmlns:p14="http://schemas.microsoft.com/office/powerpoint/2010/main" val="3051299787"/>
       </p:ext>
     </p:extLst>
   </p:cSld>
   <p:clrMapOvr>
     <a:masterClrMapping/>
   </p:clrMapOvr>
-  <p:timing>
-    <p:tnLst>
-      <p:par>
-        <p:cTn id="1" dur="indefinite" restart="never" nodeType="tmRoot"/>
-      </p:par>
-    </p:tnLst>
-  </p:timing>
 </p:sldLayout>
 </file>
 
@@ -17788,7 +18690,7 @@
     </p:spTree>
     <p:extLst>
       <p:ext uri="{BB962C8B-B14F-4D97-AF65-F5344CB8AC3E}">
-        <p14:creationId xmlns="" xmlns:p14="http://schemas.microsoft.com/office/powerpoint/2010/main" val="3670831827"/>
+        <p14:creationId xmlns:p14="http://schemas.microsoft.com/office/powerpoint/2010/main" val="3670831827"/>
       </p:ext>
     </p:extLst>
   </p:cSld>
@@ -17796,13 +18698,6 @@
     <a:masterClrMapping/>
   </p:clrMapOvr>
   <p:transition/>
-  <p:timing>
-    <p:tnLst>
-      <p:par>
-        <p:cTn id="1" dur="indefinite" restart="never" nodeType="tmRoot"/>
-      </p:par>
-    </p:tnLst>
-  </p:timing>
 </p:sldLayout>
 </file>
 
@@ -17826,7 +18721,7 @@
     </p:spTree>
     <p:extLst>
       <p:ext uri="{BB962C8B-B14F-4D97-AF65-F5344CB8AC3E}">
-        <p14:creationId xmlns="" xmlns:p14="http://schemas.microsoft.com/office/powerpoint/2010/main" val="1884544409"/>
+        <p14:creationId xmlns:p14="http://schemas.microsoft.com/office/powerpoint/2010/main" val="1884544409"/>
       </p:ext>
     </p:extLst>
   </p:cSld>
@@ -17834,13 +18729,6 @@
     <a:masterClrMapping/>
   </p:clrMapOvr>
   <p:transition/>
-  <p:timing>
-    <p:tnLst>
-      <p:par>
-        <p:cTn id="1" dur="indefinite" restart="never" nodeType="tmRoot"/>
-      </p:par>
-    </p:tnLst>
-  </p:timing>
 </p:sldLayout>
 </file>
 
@@ -17882,10 +18770,9 @@
           <a:lstStyle/>
           <a:p>
             <a:r>
-              <a:rPr lang="zh-CN" altLang="en-US" smtClean="0"/>
+              <a:rPr lang="zh-CN" altLang="en-US"/>
               <a:t>单击此处编辑母版标题样式</a:t>
             </a:r>
-            <a:endParaRPr lang="zh-CN" altLang="en-US"/>
           </a:p>
         </p:txBody>
       </p:sp>
@@ -18001,10 +18888,9 @@
           </a:lstStyle>
           <a:p>
             <a:r>
-              <a:rPr lang="zh-CN" altLang="en-US" smtClean="0"/>
+              <a:rPr lang="zh-CN" altLang="en-US"/>
               <a:t>单击此处编辑母版副标题样式</a:t>
             </a:r>
-            <a:endParaRPr lang="zh-CN" altLang="en-US"/>
           </a:p>
         </p:txBody>
       </p:sp>
@@ -18026,7 +18912,7 @@
             <a:fld id="{061A10BC-4834-46F9-9CB4-286DAC23C842}" type="datetimeFigureOut">
               <a:rPr lang="zh-CN" altLang="en-US" smtClean="0"/>
               <a:pPr/>
-              <a:t>2015/6/17</a:t>
+              <a:t>2019-03-26-Tuesday</a:t>
             </a:fld>
             <a:endParaRPr lang="zh-CN" altLang="en-US"/>
           </a:p>
@@ -18078,20 +18964,13 @@
     </p:spTree>
     <p:extLst>
       <p:ext uri="{BB962C8B-B14F-4D97-AF65-F5344CB8AC3E}">
-        <p14:creationId xmlns="" xmlns:p14="http://schemas.microsoft.com/office/powerpoint/2010/main" val="1831959791"/>
+        <p14:creationId xmlns:p14="http://schemas.microsoft.com/office/powerpoint/2010/main" val="1831959791"/>
       </p:ext>
     </p:extLst>
   </p:cSld>
   <p:clrMapOvr>
     <a:masterClrMapping/>
   </p:clrMapOvr>
-  <p:timing>
-    <p:tnLst>
-      <p:par>
-        <p:cTn id="1" dur="indefinite" restart="never" nodeType="tmRoot"/>
-      </p:par>
-    </p:tnLst>
-  </p:timing>
 </p:sldLayout>
 </file>
 
@@ -18128,10 +19007,9 @@
           <a:lstStyle/>
           <a:p>
             <a:r>
-              <a:rPr lang="zh-CN" altLang="en-US" smtClean="0"/>
+              <a:rPr lang="zh-CN" altLang="en-US"/>
               <a:t>单击此处编辑母版标题样式</a:t>
             </a:r>
-            <a:endParaRPr lang="zh-CN" altLang="en-US"/>
           </a:p>
         </p:txBody>
       </p:sp>
@@ -18152,38 +19030,37 @@
           <a:p>
             <a:pPr lvl="0"/>
             <a:r>
-              <a:rPr lang="zh-CN" altLang="en-US" smtClean="0"/>
+              <a:rPr lang="zh-CN" altLang="en-US"/>
               <a:t>单击此处编辑母版文本样式</a:t>
             </a:r>
           </a:p>
           <a:p>
             <a:pPr lvl="1"/>
             <a:r>
-              <a:rPr lang="zh-CN" altLang="en-US" smtClean="0"/>
+              <a:rPr lang="zh-CN" altLang="en-US"/>
               <a:t>第二级</a:t>
             </a:r>
           </a:p>
           <a:p>
             <a:pPr lvl="2"/>
             <a:r>
-              <a:rPr lang="zh-CN" altLang="en-US" smtClean="0"/>
+              <a:rPr lang="zh-CN" altLang="en-US"/>
               <a:t>第三级</a:t>
             </a:r>
           </a:p>
           <a:p>
             <a:pPr lvl="3"/>
             <a:r>
-              <a:rPr lang="zh-CN" altLang="en-US" smtClean="0"/>
+              <a:rPr lang="zh-CN" altLang="en-US"/>
               <a:t>第四级</a:t>
             </a:r>
           </a:p>
           <a:p>
             <a:pPr lvl="4"/>
             <a:r>
-              <a:rPr lang="zh-CN" altLang="en-US" smtClean="0"/>
+              <a:rPr lang="zh-CN" altLang="en-US"/>
               <a:t>第五级</a:t>
             </a:r>
-            <a:endParaRPr lang="zh-CN" altLang="en-US"/>
           </a:p>
         </p:txBody>
       </p:sp>
@@ -18205,7 +19082,7 @@
             <a:fld id="{061A10BC-4834-46F9-9CB4-286DAC23C842}" type="datetimeFigureOut">
               <a:rPr lang="zh-CN" altLang="en-US" smtClean="0"/>
               <a:pPr/>
-              <a:t>2015/6/17</a:t>
+              <a:t>2019-03-26-Tuesday</a:t>
             </a:fld>
             <a:endParaRPr lang="zh-CN" altLang="en-US"/>
           </a:p>
@@ -18257,20 +19134,13 @@
     </p:spTree>
     <p:extLst>
       <p:ext uri="{BB962C8B-B14F-4D97-AF65-F5344CB8AC3E}">
-        <p14:creationId xmlns="" xmlns:p14="http://schemas.microsoft.com/office/powerpoint/2010/main" val="397597918"/>
+        <p14:creationId xmlns:p14="http://schemas.microsoft.com/office/powerpoint/2010/main" val="397597918"/>
       </p:ext>
     </p:extLst>
   </p:cSld>
   <p:clrMapOvr>
     <a:masterClrMapping/>
   </p:clrMapOvr>
-  <p:timing>
-    <p:tnLst>
-      <p:par>
-        <p:cTn id="1" dur="indefinite" restart="never" nodeType="tmRoot"/>
-      </p:par>
-    </p:tnLst>
-  </p:timing>
 </p:sldLayout>
 </file>
 
@@ -18316,10 +19186,9 @@
           </a:lstStyle>
           <a:p>
             <a:r>
-              <a:rPr lang="zh-CN" altLang="en-US" smtClean="0"/>
+              <a:rPr lang="zh-CN" altLang="en-US"/>
               <a:t>单击此处编辑母版标题样式</a:t>
             </a:r>
-            <a:endParaRPr lang="zh-CN" altLang="en-US"/>
           </a:p>
         </p:txBody>
       </p:sp>
@@ -18436,7 +19305,7 @@
           <a:p>
             <a:pPr lvl="0"/>
             <a:r>
-              <a:rPr lang="zh-CN" altLang="en-US" smtClean="0"/>
+              <a:rPr lang="zh-CN" altLang="en-US"/>
               <a:t>单击此处编辑母版文本样式</a:t>
             </a:r>
           </a:p>
@@ -18460,7 +19329,7 @@
             <a:fld id="{061A10BC-4834-46F9-9CB4-286DAC23C842}" type="datetimeFigureOut">
               <a:rPr lang="zh-CN" altLang="en-US" smtClean="0"/>
               <a:pPr/>
-              <a:t>2015/6/17</a:t>
+              <a:t>2019-03-26-Tuesday</a:t>
             </a:fld>
             <a:endParaRPr lang="zh-CN" altLang="en-US"/>
           </a:p>
@@ -18512,20 +19381,13 @@
     </p:spTree>
     <p:extLst>
       <p:ext uri="{BB962C8B-B14F-4D97-AF65-F5344CB8AC3E}">
-        <p14:creationId xmlns="" xmlns:p14="http://schemas.microsoft.com/office/powerpoint/2010/main" val="24091352"/>
+        <p14:creationId xmlns:p14="http://schemas.microsoft.com/office/powerpoint/2010/main" val="24091352"/>
       </p:ext>
     </p:extLst>
   </p:cSld>
   <p:clrMapOvr>
     <a:masterClrMapping/>
   </p:clrMapOvr>
-  <p:timing>
-    <p:tnLst>
-      <p:par>
-        <p:cTn id="1" dur="indefinite" restart="never" nodeType="tmRoot"/>
-      </p:par>
-    </p:tnLst>
-  </p:timing>
 </p:sldLayout>
 </file>
 
@@ -18562,10 +19424,9 @@
           <a:lstStyle/>
           <a:p>
             <a:r>
-              <a:rPr lang="zh-CN" altLang="en-US" smtClean="0"/>
+              <a:rPr lang="zh-CN" altLang="en-US"/>
               <a:t>单击此处编辑母版标题样式</a:t>
             </a:r>
-            <a:endParaRPr lang="zh-CN" altLang="en-US"/>
           </a:p>
         </p:txBody>
       </p:sp>
@@ -18619,38 +19480,37 @@
           <a:p>
             <a:pPr lvl="0"/>
             <a:r>
-              <a:rPr lang="zh-CN" altLang="en-US" smtClean="0"/>
+              <a:rPr lang="zh-CN" altLang="en-US"/>
               <a:t>单击此处编辑母版文本样式</a:t>
             </a:r>
           </a:p>
           <a:p>
             <a:pPr lvl="1"/>
             <a:r>
-              <a:rPr lang="zh-CN" altLang="en-US" smtClean="0"/>
+              <a:rPr lang="zh-CN" altLang="en-US"/>
               <a:t>第二级</a:t>
             </a:r>
           </a:p>
           <a:p>
             <a:pPr lvl="2"/>
             <a:r>
-              <a:rPr lang="zh-CN" altLang="en-US" smtClean="0"/>
+              <a:rPr lang="zh-CN" altLang="en-US"/>
               <a:t>第三级</a:t>
             </a:r>
           </a:p>
           <a:p>
             <a:pPr lvl="3"/>
             <a:r>
-              <a:rPr lang="zh-CN" altLang="en-US" smtClean="0"/>
+              <a:rPr lang="zh-CN" altLang="en-US"/>
               <a:t>第四级</a:t>
             </a:r>
           </a:p>
           <a:p>
             <a:pPr lvl="4"/>
             <a:r>
-              <a:rPr lang="zh-CN" altLang="en-US" smtClean="0"/>
+              <a:rPr lang="zh-CN" altLang="en-US"/>
               <a:t>第五级</a:t>
             </a:r>
-            <a:endParaRPr lang="zh-CN" altLang="en-US"/>
           </a:p>
         </p:txBody>
       </p:sp>
@@ -18704,38 +19564,37 @@
           <a:p>
             <a:pPr lvl="0"/>
             <a:r>
-              <a:rPr lang="zh-CN" altLang="en-US" smtClean="0"/>
+              <a:rPr lang="zh-CN" altLang="en-US"/>
               <a:t>单击此处编辑母版文本样式</a:t>
             </a:r>
           </a:p>
           <a:p>
             <a:pPr lvl="1"/>
             <a:r>
-              <a:rPr lang="zh-CN" altLang="en-US" smtClean="0"/>
+              <a:rPr lang="zh-CN" altLang="en-US"/>
               <a:t>第二级</a:t>
             </a:r>
           </a:p>
           <a:p>
             <a:pPr lvl="2"/>
             <a:r>
-              <a:rPr lang="zh-CN" altLang="en-US" smtClean="0"/>
+              <a:rPr lang="zh-CN" altLang="en-US"/>
               <a:t>第三级</a:t>
             </a:r>
           </a:p>
           <a:p>
             <a:pPr lvl="3"/>
             <a:r>
-              <a:rPr lang="zh-CN" altLang="en-US" smtClean="0"/>
+              <a:rPr lang="zh-CN" altLang="en-US"/>
               <a:t>第四级</a:t>
             </a:r>
           </a:p>
           <a:p>
             <a:pPr lvl="4"/>
             <a:r>
-              <a:rPr lang="zh-CN" altLang="en-US" smtClean="0"/>
+              <a:rPr lang="zh-CN" altLang="en-US"/>
               <a:t>第五级</a:t>
             </a:r>
-            <a:endParaRPr lang="zh-CN" altLang="en-US"/>
           </a:p>
         </p:txBody>
       </p:sp>
@@ -18757,7 +19616,7 @@
             <a:fld id="{061A10BC-4834-46F9-9CB4-286DAC23C842}" type="datetimeFigureOut">
               <a:rPr lang="zh-CN" altLang="en-US" smtClean="0"/>
               <a:pPr/>
-              <a:t>2015/6/17</a:t>
+              <a:t>2019-03-26-Tuesday</a:t>
             </a:fld>
             <a:endParaRPr lang="zh-CN" altLang="en-US"/>
           </a:p>
@@ -18809,7 +19668,7 @@
     </p:spTree>
     <p:extLst>
       <p:ext uri="{BB962C8B-B14F-4D97-AF65-F5344CB8AC3E}">
-        <p14:creationId xmlns="" xmlns:p14="http://schemas.microsoft.com/office/powerpoint/2010/main" val="2181159573"/>
+        <p14:creationId xmlns:p14="http://schemas.microsoft.com/office/powerpoint/2010/main" val="2181159573"/>
       </p:ext>
     </p:extLst>
   </p:cSld>
@@ -18868,7 +19727,7 @@
           </a:ln>
           <a:extLst>
             <a:ext uri="{91240B29-F687-4F45-9708-019B960494DF}">
-              <a14:hiddenLine xmlns="" xmlns:a14="http://schemas.microsoft.com/office/drawing/2010/main" w="9525">
+              <a14:hiddenLine xmlns:a14="http://schemas.microsoft.com/office/drawing/2010/main" w="9525">
                 <a:solidFill>
                   <a:srgbClr val="000000"/>
                 </a:solidFill>
@@ -18914,14 +19773,14 @@
           </a:ln>
           <a:extLst>
             <a:ext uri="{909E8E84-426E-40DD-AFC4-6F175D3DCCD1}">
-              <a14:hiddenFill xmlns="" xmlns:a14="http://schemas.microsoft.com/office/drawing/2010/main">
+              <a14:hiddenFill xmlns:a14="http://schemas.microsoft.com/office/drawing/2010/main">
                 <a:solidFill>
                   <a:srgbClr val="FFFFFF"/>
                 </a:solidFill>
               </a14:hiddenFill>
             </a:ext>
             <a:ext uri="{91240B29-F687-4F45-9708-019B960494DF}">
-              <a14:hiddenLine xmlns="" xmlns:a14="http://schemas.microsoft.com/office/drawing/2010/main" w="9525">
+              <a14:hiddenLine xmlns:a14="http://schemas.microsoft.com/office/drawing/2010/main" w="9525">
                 <a:solidFill>
                   <a:srgbClr val="000000"/>
                 </a:solidFill>
@@ -18942,7 +19801,7 @@
           <a:p>
             <a:pPr lvl="0"/>
             <a:r>
-              <a:rPr lang="zh-CN" altLang="en-GB" smtClean="0"/>
+              <a:rPr lang="zh-CN" altLang="en-GB"/>
               <a:t>点击编辑母版标题版式</a:t>
             </a:r>
           </a:p>
@@ -18980,7 +19839,7 @@
           </a:ln>
           <a:extLst>
             <a:ext uri="{91240B29-F687-4F45-9708-019B960494DF}">
-              <a14:hiddenLine xmlns="" xmlns:a14="http://schemas.microsoft.com/office/drawing/2010/main" w="9525">
+              <a14:hiddenLine xmlns:a14="http://schemas.microsoft.com/office/drawing/2010/main" w="9525">
                 <a:solidFill>
                   <a:srgbClr val="000000"/>
                 </a:solidFill>
@@ -19027,7 +19886,7 @@
           </a:ln>
           <a:extLst>
             <a:ext uri="{909E8E84-426E-40DD-AFC4-6F175D3DCCD1}">
-              <a14:hiddenFill xmlns="" xmlns:a14="http://schemas.microsoft.com/office/drawing/2010/main">
+              <a14:hiddenFill xmlns:a14="http://schemas.microsoft.com/office/drawing/2010/main">
                 <a:solidFill>
                   <a:srgbClr val="FFFFFF"/>
                 </a:solidFill>
@@ -19068,14 +19927,14 @@
           </a:ln>
           <a:extLst>
             <a:ext uri="{909E8E84-426E-40DD-AFC4-6F175D3DCCD1}">
-              <a14:hiddenFill xmlns="" xmlns:a14="http://schemas.microsoft.com/office/drawing/2010/main">
+              <a14:hiddenFill xmlns:a14="http://schemas.microsoft.com/office/drawing/2010/main">
                 <a:solidFill>
                   <a:srgbClr val="FFFFFF"/>
                 </a:solidFill>
               </a14:hiddenFill>
             </a:ext>
             <a:ext uri="{91240B29-F687-4F45-9708-019B960494DF}">
-              <a14:hiddenLine xmlns="" xmlns:a14="http://schemas.microsoft.com/office/drawing/2010/main" w="9525">
+              <a14:hiddenLine xmlns:a14="http://schemas.microsoft.com/office/drawing/2010/main" w="9525">
                 <a:solidFill>
                   <a:srgbClr val="000000"/>
                 </a:solidFill>
@@ -19096,29 +19955,29 @@
           <a:p>
             <a:pPr lvl="0"/>
             <a:r>
-              <a:rPr lang="zh-CN" altLang="en-GB" smtClean="0"/>
+              <a:rPr lang="zh-CN" altLang="en-GB"/>
               <a:t>点击编辑母版内容版式</a:t>
             </a:r>
           </a:p>
           <a:p>
             <a:pPr lvl="1"/>
             <a:r>
-              <a:rPr lang="zh-CN" altLang="en-GB" smtClean="0"/>
+              <a:rPr lang="zh-CN" altLang="en-GB"/>
               <a:t>第二行</a:t>
             </a:r>
           </a:p>
           <a:p>
             <a:pPr lvl="3"/>
             <a:r>
-              <a:rPr lang="zh-CN" altLang="en-GB" smtClean="0"/>
+              <a:rPr lang="zh-CN" altLang="en-GB"/>
               <a:t>第</a:t>
             </a:r>
             <a:r>
-              <a:rPr lang="zh-CN" altLang="en-US" smtClean="0"/>
+              <a:rPr lang="zh-CN" altLang="en-US"/>
               <a:t>三</a:t>
             </a:r>
             <a:r>
-              <a:rPr lang="zh-CN" altLang="en-GB" smtClean="0"/>
+              <a:rPr lang="zh-CN" altLang="en-GB"/>
               <a:t>行</a:t>
             </a:r>
           </a:p>
@@ -19156,7 +20015,7 @@
           </a:ln>
           <a:extLst>
             <a:ext uri="{91240B29-F687-4F45-9708-019B960494DF}">
-              <a14:hiddenLine xmlns="" xmlns:a14="http://schemas.microsoft.com/office/drawing/2010/main" w="9525">
+              <a14:hiddenLine xmlns:a14="http://schemas.microsoft.com/office/drawing/2010/main" w="9525">
                 <a:solidFill>
                   <a:srgbClr val="000000"/>
                 </a:solidFill>
@@ -19210,7 +20069,7 @@
           </a:ln>
           <a:extLst>
             <a:ext uri="{91240B29-F687-4F45-9708-019B960494DF}">
-              <a14:hiddenLine xmlns="" xmlns:a14="http://schemas.microsoft.com/office/drawing/2010/main" w="9525">
+              <a14:hiddenLine xmlns:a14="http://schemas.microsoft.com/office/drawing/2010/main" w="9525">
                 <a:solidFill>
                   <a:srgbClr val="000000"/>
                 </a:solidFill>
@@ -19267,7 +20126,7 @@
               <a:defRPr/>
             </a:pPr>
             <a:r>
-              <a:rPr lang="en-US" altLang="zh-CN" sz="1200" b="1" i="0" baseline="0" dirty="0" smtClean="0">
+              <a:rPr lang="en-US" altLang="zh-CN" sz="1200" b="1" i="0" baseline="0" dirty="0">
                 <a:solidFill>
                   <a:schemeClr val="accent2">
                     <a:lumMod val="50000"/>
@@ -19332,13 +20191,6 @@
     <p:sldLayoutId id="2147484771" r:id="rId5"/>
   </p:sldLayoutIdLst>
   <p:transition/>
-  <p:timing>
-    <p:tnLst>
-      <p:par>
-        <p:cTn id="1" dur="indefinite" restart="never" nodeType="tmRoot"/>
-      </p:par>
-    </p:tnLst>
-  </p:timing>
   <p:hf hdr="0" ftr="0" dt="0"/>
   <p:txStyles>
     <p:titleStyle>
@@ -19891,10 +20743,9 @@
           <a:lstStyle/>
           <a:p>
             <a:r>
-              <a:rPr lang="zh-CN" altLang="en-US" smtClean="0"/>
+              <a:rPr lang="zh-CN" altLang="en-US"/>
               <a:t>单击此处编辑母版标题样式</a:t>
             </a:r>
-            <a:endParaRPr lang="zh-CN" altLang="en-US"/>
           </a:p>
         </p:txBody>
       </p:sp>
@@ -19925,38 +20776,37 @@
           <a:p>
             <a:pPr lvl="0"/>
             <a:r>
-              <a:rPr lang="zh-CN" altLang="en-US" smtClean="0"/>
+              <a:rPr lang="zh-CN" altLang="en-US"/>
               <a:t>单击此处编辑母版文本样式</a:t>
             </a:r>
           </a:p>
           <a:p>
             <a:pPr lvl="1"/>
             <a:r>
-              <a:rPr lang="zh-CN" altLang="en-US" smtClean="0"/>
+              <a:rPr lang="zh-CN" altLang="en-US"/>
               <a:t>第二级</a:t>
             </a:r>
           </a:p>
           <a:p>
             <a:pPr lvl="2"/>
             <a:r>
-              <a:rPr lang="zh-CN" altLang="en-US" smtClean="0"/>
+              <a:rPr lang="zh-CN" altLang="en-US"/>
               <a:t>第三级</a:t>
             </a:r>
           </a:p>
           <a:p>
             <a:pPr lvl="3"/>
             <a:r>
-              <a:rPr lang="zh-CN" altLang="en-US" smtClean="0"/>
+              <a:rPr lang="zh-CN" altLang="en-US"/>
               <a:t>第四级</a:t>
             </a:r>
           </a:p>
           <a:p>
             <a:pPr lvl="4"/>
             <a:r>
-              <a:rPr lang="zh-CN" altLang="en-US" smtClean="0"/>
+              <a:rPr lang="zh-CN" altLang="en-US"/>
               <a:t>第五级</a:t>
             </a:r>
-            <a:endParaRPr lang="zh-CN" altLang="en-US"/>
           </a:p>
         </p:txBody>
       </p:sp>
@@ -19996,7 +20846,7 @@
             <a:fld id="{061A10BC-4834-46F9-9CB4-286DAC23C842}" type="datetimeFigureOut">
               <a:rPr lang="zh-CN" altLang="en-US" smtClean="0"/>
               <a:pPr/>
-              <a:t>2015/6/17</a:t>
+              <a:t>2019-03-26-Tuesday</a:t>
             </a:fld>
             <a:endParaRPr lang="zh-CN" altLang="en-US"/>
           </a:p>
@@ -20084,7 +20934,7 @@
     </p:spTree>
     <p:extLst>
       <p:ext uri="{BB962C8B-B14F-4D97-AF65-F5344CB8AC3E}">
-        <p14:creationId xmlns="" xmlns:p14="http://schemas.microsoft.com/office/powerpoint/2010/main" val="851124919"/>
+        <p14:creationId xmlns:p14="http://schemas.microsoft.com/office/powerpoint/2010/main" val="851124919"/>
       </p:ext>
     </p:extLst>
   </p:cSld>
@@ -20102,13 +20952,6 @@
     <p:sldLayoutId id="2147484797" r:id="rId10"/>
     <p:sldLayoutId id="2147484798" r:id="rId11"/>
   </p:sldLayoutIdLst>
-  <p:timing>
-    <p:tnLst>
-      <p:par>
-        <p:cTn id="1" dur="indefinite" restart="never" nodeType="tmRoot"/>
-      </p:par>
-    </p:tnLst>
-  </p:timing>
   <p:txStyles>
     <p:titleStyle>
       <a:lvl1pPr algn="ctr" defTabSz="914400" rtl="0" eaLnBrk="1" latinLnBrk="0" hangingPunct="1">
@@ -20410,10 +21253,9 @@
           <a:lstStyle/>
           <a:p>
             <a:r>
-              <a:rPr lang="zh-CN" altLang="en-US" smtClean="0"/>
+              <a:rPr lang="zh-CN" altLang="en-US"/>
               <a:t>单击此处编辑母版标题样式</a:t>
             </a:r>
-            <a:endParaRPr lang="zh-CN" altLang="en-US"/>
           </a:p>
         </p:txBody>
       </p:sp>
@@ -20444,38 +21286,37 @@
           <a:p>
             <a:pPr lvl="0"/>
             <a:r>
-              <a:rPr lang="zh-CN" altLang="en-US" smtClean="0"/>
+              <a:rPr lang="zh-CN" altLang="en-US"/>
               <a:t>单击此处编辑母版文本样式</a:t>
             </a:r>
           </a:p>
           <a:p>
             <a:pPr lvl="1"/>
             <a:r>
-              <a:rPr lang="zh-CN" altLang="en-US" smtClean="0"/>
+              <a:rPr lang="zh-CN" altLang="en-US"/>
               <a:t>第二级</a:t>
             </a:r>
           </a:p>
           <a:p>
             <a:pPr lvl="2"/>
             <a:r>
-              <a:rPr lang="zh-CN" altLang="en-US" smtClean="0"/>
+              <a:rPr lang="zh-CN" altLang="en-US"/>
               <a:t>第三级</a:t>
             </a:r>
           </a:p>
           <a:p>
             <a:pPr lvl="3"/>
             <a:r>
-              <a:rPr lang="zh-CN" altLang="en-US" smtClean="0"/>
+              <a:rPr lang="zh-CN" altLang="en-US"/>
               <a:t>第四级</a:t>
             </a:r>
           </a:p>
           <a:p>
             <a:pPr lvl="4"/>
             <a:r>
-              <a:rPr lang="zh-CN" altLang="en-US" smtClean="0"/>
+              <a:rPr lang="zh-CN" altLang="en-US"/>
               <a:t>第五级</a:t>
             </a:r>
-            <a:endParaRPr lang="zh-CN" altLang="en-US"/>
           </a:p>
         </p:txBody>
       </p:sp>
@@ -20515,7 +21356,7 @@
             <a:fld id="{E59BE0C6-C363-45C4-A271-68F1BEBC1C26}" type="datetimeFigureOut">
               <a:rPr lang="zh-CN" altLang="en-US" smtClean="0"/>
               <a:pPr/>
-              <a:t>2015/6/17</a:t>
+              <a:t>2019-03-26-Tuesday</a:t>
             </a:fld>
             <a:endParaRPr lang="zh-CN" altLang="en-US"/>
           </a:p>
@@ -20603,7 +21444,7 @@
     </p:spTree>
     <p:extLst>
       <p:ext uri="{BB962C8B-B14F-4D97-AF65-F5344CB8AC3E}">
-        <p14:creationId xmlns="" xmlns:p14="http://schemas.microsoft.com/office/powerpoint/2010/main" val="3949562772"/>
+        <p14:creationId xmlns:p14="http://schemas.microsoft.com/office/powerpoint/2010/main" val="3949562772"/>
       </p:ext>
     </p:extLst>
   </p:cSld>
@@ -20621,13 +21462,6 @@
     <p:sldLayoutId id="2147484809" r:id="rId10"/>
     <p:sldLayoutId id="2147484810" r:id="rId11"/>
   </p:sldLayoutIdLst>
-  <p:timing>
-    <p:tnLst>
-      <p:par>
-        <p:cTn id="1" dur="indefinite" restart="never" nodeType="tmRoot"/>
-      </p:par>
-    </p:tnLst>
-  </p:timing>
   <p:txStyles>
     <p:titleStyle>
       <a:lvl1pPr algn="ctr" defTabSz="914400" rtl="0" eaLnBrk="1" latinLnBrk="0" hangingPunct="1">
@@ -20929,10 +21763,9 @@
           <a:lstStyle/>
           <a:p>
             <a:r>
-              <a:rPr lang="zh-CN" altLang="en-US" smtClean="0"/>
+              <a:rPr lang="zh-CN" altLang="en-US"/>
               <a:t>单击此处编辑母版标题样式</a:t>
             </a:r>
-            <a:endParaRPr lang="zh-CN" altLang="en-US"/>
           </a:p>
         </p:txBody>
       </p:sp>
@@ -20963,38 +21796,37 @@
           <a:p>
             <a:pPr lvl="0"/>
             <a:r>
-              <a:rPr lang="zh-CN" altLang="en-US" smtClean="0"/>
+              <a:rPr lang="zh-CN" altLang="en-US"/>
               <a:t>单击此处编辑母版文本样式</a:t>
             </a:r>
           </a:p>
           <a:p>
             <a:pPr lvl="1"/>
             <a:r>
-              <a:rPr lang="zh-CN" altLang="en-US" smtClean="0"/>
+              <a:rPr lang="zh-CN" altLang="en-US"/>
               <a:t>第二级</a:t>
             </a:r>
           </a:p>
           <a:p>
             <a:pPr lvl="2"/>
             <a:r>
-              <a:rPr lang="zh-CN" altLang="en-US" smtClean="0"/>
+              <a:rPr lang="zh-CN" altLang="en-US"/>
               <a:t>第三级</a:t>
             </a:r>
           </a:p>
           <a:p>
             <a:pPr lvl="3"/>
             <a:r>
-              <a:rPr lang="zh-CN" altLang="en-US" smtClean="0"/>
+              <a:rPr lang="zh-CN" altLang="en-US"/>
               <a:t>第四级</a:t>
             </a:r>
           </a:p>
           <a:p>
             <a:pPr lvl="4"/>
             <a:r>
-              <a:rPr lang="zh-CN" altLang="en-US" smtClean="0"/>
+              <a:rPr lang="zh-CN" altLang="en-US"/>
               <a:t>第五级</a:t>
             </a:r>
-            <a:endParaRPr lang="zh-CN" altLang="en-US"/>
           </a:p>
         </p:txBody>
       </p:sp>
@@ -21034,7 +21866,7 @@
             <a:fld id="{FF95FBAF-30C0-4E53-B7DB-9D84C9EDC8F0}" type="datetimeFigureOut">
               <a:rPr lang="zh-CN" altLang="en-US" smtClean="0"/>
               <a:pPr/>
-              <a:t>2015/6/17</a:t>
+              <a:t>2019-03-26-Tuesday</a:t>
             </a:fld>
             <a:endParaRPr lang="zh-CN" altLang="en-US"/>
           </a:p>
@@ -21122,7 +21954,7 @@
     </p:spTree>
     <p:extLst>
       <p:ext uri="{BB962C8B-B14F-4D97-AF65-F5344CB8AC3E}">
-        <p14:creationId xmlns="" xmlns:p14="http://schemas.microsoft.com/office/powerpoint/2010/main" val="363674511"/>
+        <p14:creationId xmlns:p14="http://schemas.microsoft.com/office/powerpoint/2010/main" val="363674511"/>
       </p:ext>
     </p:extLst>
   </p:cSld>
@@ -21140,13 +21972,6 @@
     <p:sldLayoutId id="2147484785" r:id="rId10"/>
     <p:sldLayoutId id="2147484786" r:id="rId11"/>
   </p:sldLayoutIdLst>
-  <p:timing>
-    <p:tnLst>
-      <p:par>
-        <p:cTn id="1" dur="indefinite" restart="never" nodeType="tmRoot"/>
-      </p:par>
-    </p:tnLst>
-  </p:timing>
   <p:txStyles>
     <p:titleStyle>
       <a:lvl1pPr algn="ctr" defTabSz="914400" rtl="0" eaLnBrk="1" latinLnBrk="0" hangingPunct="1">
@@ -21446,22 +22271,22 @@
               </a:spcAft>
             </a:pPr>
             <a:r>
-              <a:rPr lang="zh-CN" altLang="en-US" sz="4400" dirty="0" smtClean="0"/>
+              <a:rPr lang="zh-CN" altLang="en-US" sz="4400" dirty="0"/>
               <a:t>云时代网统一发号器</a:t>
             </a:r>
             <a:r>
-              <a:rPr lang="en-US" altLang="zh-CN" sz="4400" dirty="0" smtClean="0"/>
+              <a:rPr lang="en-US" altLang="zh-CN" sz="4400" dirty="0"/>
               <a:t> (</a:t>
             </a:r>
             <a:r>
-              <a:rPr lang="en-US" altLang="zh-CN" sz="4400" dirty="0" err="1" smtClean="0"/>
+              <a:rPr lang="en-US" altLang="zh-CN" sz="4400" dirty="0" err="1"/>
               <a:t>Vesta</a:t>
             </a:r>
             <a:r>
-              <a:rPr lang="en-US" altLang="zh-CN" sz="4400" dirty="0" smtClean="0"/>
+              <a:rPr lang="en-US" altLang="zh-CN" sz="4400" dirty="0"/>
               <a:t>)</a:t>
             </a:r>
-            <a:endParaRPr lang="en-GB" altLang="zh-CN" sz="4400" dirty="0" smtClean="0"/>
+            <a:endParaRPr lang="en-GB" altLang="zh-CN" sz="4400" dirty="0"/>
           </a:p>
         </p:txBody>
       </p:sp>
@@ -21497,7 +22322,7 @@
               </a:spcAft>
             </a:pPr>
             <a:r>
-              <a:rPr lang="zh-CN" altLang="en-US" sz="1600" dirty="0" smtClean="0">
+              <a:rPr lang="zh-CN" altLang="en-US" sz="1600" dirty="0">
                 <a:solidFill>
                   <a:schemeClr val="bg1">
                     <a:lumMod val="50000"/>
@@ -21507,49 +22332,16 @@
               <a:t>罗伯特  </a:t>
             </a:r>
             <a:r>
-              <a:rPr lang="en-US" altLang="zh-CN" sz="1600" dirty="0" smtClean="0">
+              <a:rPr lang="en-US" altLang="zh-CN" sz="1600">
                 <a:solidFill>
                   <a:schemeClr val="bg1">
                     <a:lumMod val="50000"/>
                   </a:schemeClr>
                 </a:solidFill>
               </a:rPr>
-              <a:t>2015-6-3  </a:t>
-            </a:r>
-          </a:p>
-          <a:p>
-            <a:pPr>
-              <a:lnSpc>
-                <a:spcPct val="100000"/>
-              </a:lnSpc>
-              <a:spcBef>
-                <a:spcPts val="600"/>
-              </a:spcBef>
-              <a:spcAft>
-                <a:spcPts val="0"/>
-              </a:spcAft>
-            </a:pPr>
-            <a:r>
-              <a:rPr lang="zh-CN" altLang="en-US" sz="1600" dirty="0" smtClean="0">
-                <a:solidFill>
-                  <a:schemeClr val="bg1">
-                    <a:lumMod val="50000"/>
-                  </a:schemeClr>
-                </a:solidFill>
-              </a:rPr>
-              <a:t>微信：</a:t>
-            </a:r>
-            <a:r>
-              <a:rPr lang="en-US" altLang="zh-CN" sz="1600" dirty="0" smtClean="0">
-                <a:solidFill>
-                  <a:schemeClr val="bg1">
-                    <a:lumMod val="50000"/>
-                  </a:schemeClr>
-                </a:solidFill>
-              </a:rPr>
-              <a:t>13436881186</a:t>
-            </a:r>
-            <a:endParaRPr lang="en-US" altLang="zh-CN" sz="1600" dirty="0" smtClean="0">
+              <a:t>2015-6-3</a:t>
+            </a:r>
+            <a:endParaRPr lang="en-US" altLang="zh-CN" sz="1600" dirty="0">
               <a:solidFill>
                 <a:schemeClr val="bg1">
                   <a:lumMod val="50000"/>
@@ -21614,14 +22406,14 @@
           </a:ln>
           <a:extLst>
             <a:ext uri="{909E8E84-426E-40DD-AFC4-6F175D3DCCD1}">
-              <a14:hiddenFill xmlns="" xmlns:a14="http://schemas.microsoft.com/office/drawing/2010/main">
+              <a14:hiddenFill xmlns:a14="http://schemas.microsoft.com/office/drawing/2010/main">
                 <a:solidFill>
                   <a:srgbClr val="FFFFFF"/>
                 </a:solidFill>
               </a14:hiddenFill>
             </a:ext>
             <a:ext uri="{91240B29-F687-4F45-9708-019B960494DF}">
-              <a14:hiddenLine xmlns="" xmlns:a14="http://schemas.microsoft.com/office/drawing/2010/main" w="9525">
+              <a14:hiddenLine xmlns:a14="http://schemas.microsoft.com/office/drawing/2010/main" w="9525">
                 <a:solidFill>
                   <a:srgbClr val="000000"/>
                 </a:solidFill>
@@ -21662,7 +22454,7 @@
               <a:defRPr/>
             </a:pPr>
             <a:r>
-              <a:rPr kumimoji="0" lang="en-US" altLang="zh-CN" sz="1600" b="1" i="0" u="none" strike="noStrike" kern="0" cap="none" spc="0" normalizeH="0" baseline="0" noProof="0" dirty="0" smtClean="0">
+              <a:rPr kumimoji="0" lang="en-US" altLang="zh-CN" sz="1600" b="1" i="0" u="none" strike="noStrike" kern="0" cap="none" spc="0" normalizeH="0" baseline="0" noProof="0" dirty="0">
                 <a:ln>
                   <a:noFill/>
                 </a:ln>
@@ -21689,13 +22481,6 @@
     <a:masterClrMapping/>
   </p:clrMapOvr>
   <p:transition/>
-  <p:timing>
-    <p:tnLst>
-      <p:par>
-        <p:cTn id="1" dur="indefinite" restart="never" nodeType="tmRoot"/>
-      </p:par>
-    </p:tnLst>
-  </p:timing>
 </p:sld>
 </file>
 
@@ -21732,27 +22517,19 @@
           <a:lstStyle/>
           <a:p>
             <a:r>
-              <a:rPr lang="zh-CN" altLang="en-US" dirty="0" smtClean="0"/>
-              <a:t>云时代网</a:t>
-            </a:r>
-            <a:r>
-              <a:rPr lang="zh-CN" altLang="en-US" dirty="0" smtClean="0"/>
-              <a:t>统一</a:t>
-            </a:r>
-            <a:r>
-              <a:rPr lang="zh-CN" altLang="en-US" dirty="0" smtClean="0"/>
-              <a:t>发号器</a:t>
-            </a:r>
-            <a:r>
-              <a:rPr lang="en-US" altLang="zh-CN" dirty="0" smtClean="0"/>
+              <a:rPr lang="zh-CN" altLang="en-US" dirty="0"/>
+              <a:t>云时代网统一发号器</a:t>
+            </a:r>
+            <a:r>
+              <a:rPr lang="en-US" altLang="zh-CN" dirty="0"/>
               <a:t> (</a:t>
             </a:r>
             <a:r>
-              <a:rPr lang="en-US" altLang="zh-CN" dirty="0" err="1" smtClean="0"/>
+              <a:rPr lang="en-US" altLang="zh-CN" dirty="0" err="1"/>
               <a:t>Vesta</a:t>
             </a:r>
             <a:r>
-              <a:rPr lang="en-US" altLang="zh-CN" dirty="0" smtClean="0"/>
+              <a:rPr lang="en-US" altLang="zh-CN" dirty="0"/>
               <a:t>)</a:t>
             </a:r>
             <a:endParaRPr lang="zh-CN" altLang="en-US" dirty="0"/>
@@ -21769,7 +22546,7 @@
             <p:ph idx="1"/>
             <p:extLst>
               <p:ext uri="{D42A27DB-BD31-4B8C-83A1-F6EECF244321}">
-                <p14:modId xmlns="" xmlns:p14="http://schemas.microsoft.com/office/powerpoint/2010/main" val="743422813"/>
+                <p14:modId xmlns:p14="http://schemas.microsoft.com/office/powerpoint/2010/main" val="743422813"/>
               </p:ext>
             </p:extLst>
           </p:nvPr>
@@ -21787,7 +22564,7 @@
     </p:spTree>
     <p:extLst>
       <p:ext uri="{BB962C8B-B14F-4D97-AF65-F5344CB8AC3E}">
-        <p14:creationId xmlns="" xmlns:p14="http://schemas.microsoft.com/office/powerpoint/2010/main" val="3314140217"/>
+        <p14:creationId xmlns:p14="http://schemas.microsoft.com/office/powerpoint/2010/main" val="3314140217"/>
       </p:ext>
     </p:extLst>
   </p:cSld>
@@ -21795,13 +22572,6 @@
     <a:masterClrMapping/>
   </p:clrMapOvr>
   <p:transition/>
-  <p:timing>
-    <p:tnLst>
-      <p:par>
-        <p:cTn id="1" dur="indefinite" restart="never" nodeType="tmRoot"/>
-      </p:par>
-    </p:tnLst>
-  </p:timing>
 </p:sld>
 </file>
 
@@ -21838,14 +22608,13 @@
           <a:lstStyle/>
           <a:p>
             <a:r>
-              <a:rPr lang="en-US" altLang="zh-CN" dirty="0" smtClean="0"/>
+              <a:rPr lang="en-US" altLang="zh-CN" dirty="0"/>
               <a:t>1 </a:t>
             </a:r>
             <a:r>
-              <a:rPr lang="zh-CN" altLang="en-US" dirty="0" smtClean="0"/>
+              <a:rPr lang="zh-CN" altLang="en-US" dirty="0"/>
               <a:t>多种质量属性</a:t>
             </a:r>
-            <a:endParaRPr lang="zh-CN" altLang="en-US" dirty="0"/>
           </a:p>
         </p:txBody>
       </p:sp>
@@ -21859,7 +22628,7 @@
             <p:ph idx="1"/>
             <p:extLst>
               <p:ext uri="{D42A27DB-BD31-4B8C-83A1-F6EECF244321}">
-                <p14:modId xmlns="" xmlns:p14="http://schemas.microsoft.com/office/powerpoint/2010/main" val="3559801392"/>
+                <p14:modId xmlns:p14="http://schemas.microsoft.com/office/powerpoint/2010/main" val="3559801392"/>
               </p:ext>
             </p:extLst>
           </p:nvPr>
@@ -21877,7 +22646,7 @@
     </p:spTree>
     <p:extLst>
       <p:ext uri="{BB962C8B-B14F-4D97-AF65-F5344CB8AC3E}">
-        <p14:creationId xmlns="" xmlns:p14="http://schemas.microsoft.com/office/powerpoint/2010/main" val="4280140994"/>
+        <p14:creationId xmlns:p14="http://schemas.microsoft.com/office/powerpoint/2010/main" val="4280140994"/>
       </p:ext>
     </p:extLst>
   </p:cSld>
@@ -21885,13 +22654,6 @@
     <a:masterClrMapping/>
   </p:clrMapOvr>
   <p:transition/>
-  <p:timing>
-    <p:tnLst>
-      <p:par>
-        <p:cTn id="1" dur="indefinite" restart="never" nodeType="tmRoot"/>
-      </p:par>
-    </p:tnLst>
-  </p:timing>
 </p:sld>
 </file>
 
@@ -21929,14 +22691,13 @@
           <a:p>
             <a:pPr lvl="0"/>
             <a:r>
-              <a:rPr lang="en-US" altLang="zh-CN" dirty="0" smtClean="0"/>
+              <a:rPr lang="en-US" altLang="zh-CN" dirty="0"/>
               <a:t>2 </a:t>
             </a:r>
             <a:r>
-              <a:rPr lang="zh-CN" altLang="en-US" dirty="0" smtClean="0"/>
+              <a:rPr lang="zh-CN" altLang="en-US" dirty="0"/>
               <a:t>多种发布模式</a:t>
             </a:r>
-            <a:endParaRPr lang="zh-CN" altLang="en-US" dirty="0"/>
           </a:p>
         </p:txBody>
       </p:sp>
@@ -21950,7 +22711,7 @@
             <p:ph idx="1"/>
             <p:extLst>
               <p:ext uri="{D42A27DB-BD31-4B8C-83A1-F6EECF244321}">
-                <p14:modId xmlns="" xmlns:p14="http://schemas.microsoft.com/office/powerpoint/2010/main" val="39481929"/>
+                <p14:modId xmlns:p14="http://schemas.microsoft.com/office/powerpoint/2010/main" val="39481929"/>
               </p:ext>
             </p:extLst>
           </p:nvPr>
@@ -21968,7 +22729,7 @@
     </p:spTree>
     <p:extLst>
       <p:ext uri="{BB962C8B-B14F-4D97-AF65-F5344CB8AC3E}">
-        <p14:creationId xmlns="" xmlns:p14="http://schemas.microsoft.com/office/powerpoint/2010/main" val="1170920924"/>
+        <p14:creationId xmlns:p14="http://schemas.microsoft.com/office/powerpoint/2010/main" val="1170920924"/>
       </p:ext>
     </p:extLst>
   </p:cSld>
@@ -21976,13 +22737,6 @@
     <a:masterClrMapping/>
   </p:clrMapOvr>
   <p:transition/>
-  <p:timing>
-    <p:tnLst>
-      <p:par>
-        <p:cTn id="1" dur="indefinite" restart="never" nodeType="tmRoot"/>
-      </p:par>
-    </p:tnLst>
-  </p:timing>
 </p:sld>
 </file>
 
@@ -22019,14 +22773,13 @@
           <a:lstStyle/>
           <a:p>
             <a:r>
-              <a:rPr lang="en-US" altLang="zh-CN" dirty="0" smtClean="0"/>
+              <a:rPr lang="en-US" altLang="zh-CN" dirty="0"/>
               <a:t>3. </a:t>
             </a:r>
             <a:r>
-              <a:rPr lang="zh-CN" altLang="en-US" dirty="0" smtClean="0"/>
+              <a:rPr lang="zh-CN" altLang="en-US" dirty="0"/>
               <a:t>多种性能场景</a:t>
             </a:r>
-            <a:endParaRPr lang="zh-CN" altLang="en-US" dirty="0"/>
           </a:p>
         </p:txBody>
       </p:sp>
@@ -22061,10 +22814,10 @@
               <a:buChar char="Ø"/>
             </a:pPr>
             <a:r>
-              <a:rPr lang="zh-CN" altLang="en-US" sz="2000" dirty="0" smtClean="0"/>
+              <a:rPr lang="zh-CN" altLang="en-US" sz="2000" dirty="0"/>
               <a:t>最大峰值型</a:t>
             </a:r>
-            <a:endParaRPr lang="en-US" altLang="zh-CN" sz="2000" dirty="0" smtClean="0"/>
+            <a:endParaRPr lang="en-US" altLang="zh-CN" sz="2000" dirty="0"/>
           </a:p>
           <a:p>
             <a:pPr>
@@ -22077,54 +22830,54 @@
               <a:buNone/>
             </a:pPr>
             <a:r>
-              <a:rPr lang="en-US" altLang="zh-CN" sz="2000" dirty="0" smtClean="0"/>
+              <a:rPr lang="en-US" altLang="zh-CN" sz="2000" dirty="0"/>
               <a:t>	30</a:t>
             </a:r>
             <a:r>
-              <a:rPr lang="zh-CN" altLang="en-US" sz="2000" dirty="0" smtClean="0"/>
+              <a:rPr lang="zh-CN" altLang="en-US" sz="2000" dirty="0"/>
               <a:t>位秒级时间，</a:t>
             </a:r>
             <a:r>
-              <a:rPr lang="en-US" altLang="zh-CN" sz="2000" dirty="0" smtClean="0"/>
+              <a:rPr lang="en-US" altLang="zh-CN" sz="2000" dirty="0"/>
               <a:t>20</a:t>
             </a:r>
             <a:r>
-              <a:rPr lang="zh-CN" altLang="en-US" sz="2000" dirty="0" smtClean="0"/>
+              <a:rPr lang="zh-CN" altLang="en-US" sz="2000" dirty="0"/>
               <a:t>位序列号，理论上每秒内平均可产生</a:t>
             </a:r>
             <a:r>
-              <a:rPr lang="en-US" altLang="zh-CN" sz="2000" dirty="0" smtClean="0"/>
+              <a:rPr lang="en-US" altLang="zh-CN" sz="2000" dirty="0"/>
               <a:t>2^20= 1048576</a:t>
             </a:r>
             <a:r>
-              <a:rPr lang="zh-CN" altLang="en-US" sz="2000" dirty="0" smtClean="0"/>
+              <a:rPr lang="zh-CN" altLang="en-US" sz="2000" dirty="0"/>
               <a:t>个</a:t>
             </a:r>
             <a:r>
-              <a:rPr lang="en-US" altLang="zh-CN" sz="2000" dirty="0" smtClean="0"/>
+              <a:rPr lang="en-US" altLang="zh-CN" sz="2000" dirty="0"/>
               <a:t>ID</a:t>
             </a:r>
             <a:r>
-              <a:rPr lang="zh-CN" altLang="en-US" sz="2000" dirty="0" smtClean="0"/>
+              <a:rPr lang="zh-CN" altLang="en-US" sz="2000" dirty="0"/>
               <a:t>，百万级别，如果系统的网络</a:t>
             </a:r>
             <a:r>
-              <a:rPr lang="en-US" altLang="zh-CN" sz="2000" dirty="0" smtClean="0"/>
+              <a:rPr lang="en-US" altLang="zh-CN" sz="2000" dirty="0"/>
               <a:t>IO</a:t>
             </a:r>
             <a:r>
-              <a:rPr lang="zh-CN" altLang="en-US" sz="2000" dirty="0" smtClean="0"/>
+              <a:rPr lang="zh-CN" altLang="en-US" sz="2000" dirty="0"/>
               <a:t>和</a:t>
             </a:r>
             <a:r>
-              <a:rPr lang="en-US" altLang="zh-CN" sz="2000" dirty="0" smtClean="0"/>
+              <a:rPr lang="en-US" altLang="zh-CN" sz="2000" dirty="0"/>
               <a:t>CPU</a:t>
             </a:r>
             <a:r>
-              <a:rPr lang="zh-CN" altLang="en-US" sz="2000" dirty="0" smtClean="0"/>
+              <a:rPr lang="zh-CN" altLang="en-US" sz="2000" dirty="0"/>
               <a:t>足够强大，可承受的峰值达到每毫秒百万级别。</a:t>
             </a:r>
-            <a:endParaRPr lang="en-US" altLang="zh-CN" sz="2000" dirty="0" smtClean="0"/>
+            <a:endParaRPr lang="en-US" altLang="zh-CN" sz="2000" dirty="0"/>
           </a:p>
           <a:p>
             <a:pPr>
@@ -22138,10 +22891,10 @@
               <a:buChar char="Ø"/>
             </a:pPr>
             <a:r>
-              <a:rPr lang="zh-CN" altLang="en-US" sz="2000" dirty="0" smtClean="0"/>
+              <a:rPr lang="zh-CN" altLang="en-US" sz="2000" dirty="0"/>
               <a:t>最小粒度型</a:t>
             </a:r>
-            <a:endParaRPr lang="en-US" altLang="zh-CN" sz="2000" dirty="0" smtClean="0"/>
+            <a:endParaRPr lang="en-US" altLang="zh-CN" sz="2000" dirty="0"/>
           </a:p>
           <a:p>
             <a:pPr>
@@ -22154,61 +22907,61 @@
               <a:buNone/>
             </a:pPr>
             <a:r>
-              <a:rPr lang="en-US" altLang="zh-CN" sz="2000" dirty="0" smtClean="0"/>
+              <a:rPr lang="en-US" altLang="zh-CN" sz="2000" dirty="0"/>
               <a:t>	40</a:t>
             </a:r>
             <a:r>
-              <a:rPr lang="zh-CN" altLang="en-US" sz="2000" dirty="0" smtClean="0"/>
+              <a:rPr lang="zh-CN" altLang="en-US" sz="2000" dirty="0"/>
               <a:t>位毫秒级时间，</a:t>
             </a:r>
             <a:r>
-              <a:rPr lang="en-US" altLang="zh-CN" sz="2000" dirty="0" smtClean="0"/>
+              <a:rPr lang="en-US" altLang="zh-CN" sz="2000" dirty="0"/>
               <a:t>10</a:t>
             </a:r>
             <a:r>
-              <a:rPr lang="zh-CN" altLang="en-US" sz="2000" dirty="0" smtClean="0"/>
+              <a:rPr lang="zh-CN" altLang="en-US" sz="2000" dirty="0"/>
               <a:t>位序列号，每毫秒内序列号总计</a:t>
             </a:r>
             <a:r>
-              <a:rPr lang="en-US" altLang="zh-CN" sz="2000" dirty="0" smtClean="0"/>
+              <a:rPr lang="en-US" altLang="zh-CN" sz="2000" dirty="0"/>
               <a:t>2^10=1024</a:t>
             </a:r>
             <a:r>
-              <a:rPr lang="zh-CN" altLang="en-US" sz="2000" dirty="0" smtClean="0"/>
+              <a:rPr lang="zh-CN" altLang="en-US" sz="2000" dirty="0"/>
               <a:t>个</a:t>
             </a:r>
             <a:r>
-              <a:rPr lang="en-US" altLang="zh-CN" sz="2000" dirty="0" smtClean="0"/>
+              <a:rPr lang="en-US" altLang="zh-CN" sz="2000" dirty="0"/>
               <a:t>, </a:t>
             </a:r>
             <a:r>
-              <a:rPr lang="zh-CN" altLang="en-US" sz="2000" dirty="0" smtClean="0"/>
+              <a:rPr lang="zh-CN" altLang="en-US" sz="2000" dirty="0"/>
               <a:t>也就是每个毫秒最多产生</a:t>
             </a:r>
             <a:r>
-              <a:rPr lang="en-US" altLang="zh-CN" sz="2000" dirty="0" smtClean="0"/>
+              <a:rPr lang="en-US" altLang="zh-CN" sz="2000" dirty="0"/>
               <a:t>1000+</a:t>
             </a:r>
             <a:r>
-              <a:rPr lang="zh-CN" altLang="en-US" sz="2000" dirty="0" smtClean="0"/>
+              <a:rPr lang="zh-CN" altLang="en-US" sz="2000" dirty="0"/>
               <a:t>个</a:t>
             </a:r>
             <a:r>
-              <a:rPr lang="en-US" altLang="zh-CN" sz="2000" dirty="0" smtClean="0"/>
+              <a:rPr lang="en-US" altLang="zh-CN" sz="2000" dirty="0"/>
               <a:t>ID</a:t>
             </a:r>
             <a:r>
-              <a:rPr lang="zh-CN" altLang="en-US" sz="2000" dirty="0" smtClean="0"/>
+              <a:rPr lang="zh-CN" altLang="en-US" sz="2000" dirty="0"/>
               <a:t>，理论上承受的峰值完全不如最大峰值方案。</a:t>
             </a:r>
-            <a:endParaRPr lang="en-US" altLang="zh-CN" sz="2000" dirty="0" smtClean="0"/>
+            <a:endParaRPr lang="en-US" altLang="zh-CN" sz="2000" dirty="0"/>
           </a:p>
         </p:txBody>
       </p:sp>
     </p:spTree>
     <p:extLst>
       <p:ext uri="{BB962C8B-B14F-4D97-AF65-F5344CB8AC3E}">
-        <p14:creationId xmlns="" xmlns:p14="http://schemas.microsoft.com/office/powerpoint/2010/main" val="675584620"/>
+        <p14:creationId xmlns:p14="http://schemas.microsoft.com/office/powerpoint/2010/main" val="675584620"/>
       </p:ext>
     </p:extLst>
   </p:cSld>
@@ -22216,13 +22969,6 @@
     <a:masterClrMapping/>
   </p:clrMapOvr>
   <p:transition/>
-  <p:timing>
-    <p:tnLst>
-      <p:par>
-        <p:cTn id="1" dur="indefinite" restart="never" nodeType="tmRoot"/>
-      </p:par>
-    </p:tnLst>
-  </p:timing>
 </p:sld>
 </file>
 
@@ -22259,14 +23005,13 @@
           <a:lstStyle/>
           <a:p>
             <a:r>
-              <a:rPr lang="en-US" altLang="zh-CN" dirty="0" smtClean="0"/>
+              <a:rPr lang="en-US" altLang="zh-CN" dirty="0"/>
               <a:t>4. </a:t>
             </a:r>
             <a:r>
-              <a:rPr lang="zh-CN" altLang="en-US" dirty="0" smtClean="0"/>
+              <a:rPr lang="zh-CN" altLang="en-US" dirty="0"/>
               <a:t>性能压测保驾护航</a:t>
             </a:r>
-            <a:endParaRPr lang="zh-CN" altLang="en-US" dirty="0"/>
           </a:p>
         </p:txBody>
       </p:sp>
@@ -22301,10 +23046,10 @@
               <a:buChar char="Ø"/>
             </a:pPr>
             <a:r>
-              <a:rPr lang="zh-CN" altLang="en-US" sz="2000" dirty="0" smtClean="0"/>
+              <a:rPr lang="zh-CN" altLang="en-US" sz="2000" dirty="0"/>
               <a:t>嵌入式发布模式</a:t>
             </a:r>
-            <a:endParaRPr lang="en-US" altLang="zh-CN" sz="2000" dirty="0" smtClean="0"/>
+            <a:endParaRPr lang="en-US" altLang="zh-CN" sz="2000" dirty="0"/>
           </a:p>
           <a:p>
             <a:pPr>
@@ -22317,7 +23062,7 @@
               <a:buNone/>
             </a:pPr>
             <a:r>
-              <a:rPr lang="en-US" altLang="zh-CN" sz="2000" dirty="0" smtClean="0"/>
+              <a:rPr lang="en-US" altLang="zh-CN" sz="2000" dirty="0"/>
               <a:t>	43w/s QPS</a:t>
             </a:r>
           </a:p>
@@ -22333,10 +23078,10 @@
               <a:buChar char="Ø"/>
             </a:pPr>
             <a:r>
-              <a:rPr lang="zh-CN" altLang="en-US" sz="2000" dirty="0" smtClean="0"/>
+              <a:rPr lang="zh-CN" altLang="en-US" sz="2000" dirty="0"/>
               <a:t>中心服务器发布模式</a:t>
             </a:r>
-            <a:endParaRPr lang="en-US" altLang="zh-CN" sz="2000" dirty="0" smtClean="0"/>
+            <a:endParaRPr lang="en-US" altLang="zh-CN" sz="2000" dirty="0"/>
           </a:p>
           <a:p>
             <a:pPr>
@@ -22349,7 +23094,7 @@
               <a:buNone/>
             </a:pPr>
             <a:r>
-              <a:rPr lang="en-US" altLang="zh-CN" sz="2000" dirty="0" smtClean="0"/>
+              <a:rPr lang="en-US" altLang="zh-CN" sz="2000" dirty="0"/>
               <a:t>	2000/s QPS</a:t>
             </a:r>
           </a:p>
@@ -22365,14 +23110,14 @@
               <a:buChar char="Ø"/>
             </a:pPr>
             <a:r>
-              <a:rPr lang="en-US" altLang="zh-CN" sz="2000" dirty="0" smtClean="0"/>
+              <a:rPr lang="en-US" altLang="zh-CN" sz="2000" dirty="0"/>
               <a:t>REST</a:t>
             </a:r>
             <a:r>
-              <a:rPr lang="zh-CN" altLang="en-US" sz="2000" dirty="0" smtClean="0"/>
+              <a:rPr lang="zh-CN" altLang="en-US" sz="2000" dirty="0"/>
               <a:t>发布模式</a:t>
             </a:r>
-            <a:endParaRPr lang="en-US" altLang="zh-CN" sz="2000" dirty="0" smtClean="0"/>
+            <a:endParaRPr lang="en-US" altLang="zh-CN" sz="2000" dirty="0"/>
           </a:p>
           <a:p>
             <a:pPr>
@@ -22385,7 +23130,7 @@
               <a:buNone/>
             </a:pPr>
             <a:r>
-              <a:rPr lang="en-US" altLang="zh-CN" sz="2000" dirty="0" smtClean="0"/>
+              <a:rPr lang="en-US" altLang="zh-CN" sz="2000" dirty="0"/>
               <a:t>	1.1w/s QPS </a:t>
             </a:r>
           </a:p>
@@ -22394,7 +23139,7 @@
     </p:spTree>
     <p:extLst>
       <p:ext uri="{BB962C8B-B14F-4D97-AF65-F5344CB8AC3E}">
-        <p14:creationId xmlns="" xmlns:p14="http://schemas.microsoft.com/office/powerpoint/2010/main" val="675584620"/>
+        <p14:creationId xmlns:p14="http://schemas.microsoft.com/office/powerpoint/2010/main" val="675584620"/>
       </p:ext>
     </p:extLst>
   </p:cSld>
@@ -22402,13 +23147,6 @@
     <a:masterClrMapping/>
   </p:clrMapOvr>
   <p:transition/>
-  <p:timing>
-    <p:tnLst>
-      <p:par>
-        <p:cTn id="1" dur="indefinite" restart="never" nodeType="tmRoot"/>
-      </p:par>
-    </p:tnLst>
-  </p:timing>
 </p:sld>
 </file>
 
@@ -22445,15 +23183,15 @@
           <a:lstStyle/>
           <a:p>
             <a:r>
-              <a:rPr lang="en-US" altLang="zh-CN" dirty="0" smtClean="0"/>
+              <a:rPr lang="en-US" altLang="zh-CN" dirty="0"/>
               <a:t>5. </a:t>
             </a:r>
             <a:r>
-              <a:rPr lang="zh-CN" altLang="en-US" dirty="0" smtClean="0"/>
+              <a:rPr lang="zh-CN" altLang="en-US" dirty="0"/>
               <a:t>丰富的</a:t>
             </a:r>
             <a:r>
-              <a:rPr lang="en-US" altLang="zh-CN" dirty="0" smtClean="0"/>
+              <a:rPr lang="en-US" altLang="zh-CN" dirty="0"/>
               <a:t>API</a:t>
             </a:r>
             <a:endParaRPr lang="zh-CN" altLang="en-US" dirty="0"/>
@@ -22491,11 +23229,11 @@
               <a:buChar char="Ø"/>
             </a:pPr>
             <a:r>
-              <a:rPr lang="zh-CN" altLang="en-US" sz="2000" dirty="0" smtClean="0"/>
+              <a:rPr lang="zh-CN" altLang="en-US" sz="2000" dirty="0"/>
               <a:t>产生</a:t>
             </a:r>
             <a:r>
-              <a:rPr lang="en-US" altLang="zh-CN" sz="2000" dirty="0" smtClean="0"/>
+              <a:rPr lang="en-US" altLang="zh-CN" sz="2000" dirty="0"/>
               <a:t>ID</a:t>
             </a:r>
           </a:p>
@@ -22511,11 +23249,11 @@
               <a:buChar char="Ø"/>
             </a:pPr>
             <a:r>
-              <a:rPr lang="zh-CN" altLang="en-US" sz="2000" dirty="0" smtClean="0"/>
+              <a:rPr lang="zh-CN" altLang="en-US" sz="2000" dirty="0"/>
               <a:t>反解</a:t>
             </a:r>
             <a:r>
-              <a:rPr lang="en-US" altLang="zh-CN" sz="2000" dirty="0" smtClean="0"/>
+              <a:rPr lang="en-US" altLang="zh-CN" sz="2000" dirty="0"/>
               <a:t>ID</a:t>
             </a:r>
           </a:p>
@@ -22531,10 +23269,10 @@
               <a:buChar char="Ø"/>
             </a:pPr>
             <a:r>
-              <a:rPr lang="zh-CN" altLang="en-US" sz="2000" dirty="0" smtClean="0"/>
+              <a:rPr lang="zh-CN" altLang="en-US" sz="2000" dirty="0"/>
               <a:t>翻译时间</a:t>
             </a:r>
-            <a:endParaRPr lang="en-US" altLang="zh-CN" sz="2000" dirty="0" smtClean="0"/>
+            <a:endParaRPr lang="en-US" altLang="zh-CN" sz="2000" dirty="0"/>
           </a:p>
           <a:p>
             <a:pPr>
@@ -22548,11 +23286,11 @@
               <a:buChar char="Ø"/>
             </a:pPr>
             <a:r>
-              <a:rPr lang="zh-CN" altLang="en-US" sz="2000" dirty="0" smtClean="0"/>
+              <a:rPr lang="zh-CN" altLang="en-US" sz="2000" dirty="0"/>
               <a:t>制造</a:t>
             </a:r>
             <a:r>
-              <a:rPr lang="en-US" altLang="zh-CN" sz="2000" dirty="0" smtClean="0"/>
+              <a:rPr lang="en-US" altLang="zh-CN" sz="2000" dirty="0"/>
               <a:t>ID</a:t>
             </a:r>
           </a:p>
@@ -22568,7 +23306,7 @@
     </p:spTree>
     <p:extLst>
       <p:ext uri="{BB962C8B-B14F-4D97-AF65-F5344CB8AC3E}">
-        <p14:creationId xmlns="" xmlns:p14="http://schemas.microsoft.com/office/powerpoint/2010/main" val="675584620"/>
+        <p14:creationId xmlns:p14="http://schemas.microsoft.com/office/powerpoint/2010/main" val="675584620"/>
       </p:ext>
     </p:extLst>
   </p:cSld>
@@ -22576,13 +23314,6 @@
     <a:masterClrMapping/>
   </p:clrMapOvr>
   <p:transition/>
-  <p:timing>
-    <p:tnLst>
-      <p:par>
-        <p:cTn id="1" dur="indefinite" restart="never" nodeType="tmRoot"/>
-      </p:par>
-    </p:tnLst>
-  </p:timing>
 </p:sld>
 </file>
 
@@ -22625,14 +23356,14 @@
           <a:ln/>
           <a:extLst>
             <a:ext uri="{909E8E84-426E-40DD-AFC4-6F175D3DCCD1}">
-              <a14:hiddenFill xmlns="" xmlns:a14="http://schemas.microsoft.com/office/drawing/2010/main">
+              <a14:hiddenFill xmlns:a14="http://schemas.microsoft.com/office/drawing/2010/main">
                 <a:solidFill>
                   <a:srgbClr val="FFFFFF"/>
                 </a:solidFill>
               </a14:hiddenFill>
             </a:ext>
             <a:ext uri="{91240B29-F687-4F45-9708-019B960494DF}">
-              <a14:hiddenLine xmlns="" xmlns:a14="http://schemas.microsoft.com/office/drawing/2010/main" w="9525">
+              <a14:hiddenLine xmlns:a14="http://schemas.microsoft.com/office/drawing/2010/main" w="9525">
                 <a:solidFill>
                   <a:srgbClr val="000000"/>
                 </a:solidFill>
@@ -22762,34 +23493,34 @@
               <a:t>7</a:t>
             </a:fld>
             <a:r>
-              <a:rPr lang="en-GB" altLang="zh-CN" sz="800" dirty="0" smtClean="0">
+              <a:rPr lang="en-GB" altLang="zh-CN" sz="800" dirty="0">
                 <a:latin typeface="微软雅黑" pitchFamily="34" charset="-122"/>
                 <a:ea typeface="微软雅黑" pitchFamily="34" charset="-122"/>
               </a:rPr>
               <a:t> | 2010</a:t>
             </a:r>
             <a:r>
-              <a:rPr lang="zh-CN" altLang="en-GB" sz="800" smtClean="0">
+              <a:rPr lang="zh-CN" altLang="en-GB" sz="800">
                 <a:latin typeface="微软雅黑" pitchFamily="34" charset="-122"/>
                 <a:ea typeface="微软雅黑" pitchFamily="34" charset="-122"/>
               </a:rPr>
               <a:t>年</a:t>
             </a:r>
             <a:r>
-              <a:rPr lang="en-GB" altLang="zh-CN" sz="800" dirty="0" smtClean="0">
+              <a:rPr lang="en-GB" altLang="zh-CN" sz="800" dirty="0">
                 <a:latin typeface="微软雅黑" pitchFamily="34" charset="-122"/>
                 <a:ea typeface="微软雅黑" pitchFamily="34" charset="-122"/>
               </a:rPr>
               <a:t>11</a:t>
             </a:r>
             <a:r>
-              <a:rPr lang="zh-CN" altLang="en-GB" sz="800" smtClean="0">
+              <a:rPr lang="zh-CN" altLang="en-GB" sz="800">
                 <a:latin typeface="微软雅黑" pitchFamily="34" charset="-122"/>
                 <a:ea typeface="微软雅黑" pitchFamily="34" charset="-122"/>
               </a:rPr>
               <a:t>月</a:t>
             </a:r>
-            <a:endParaRPr lang="zh-CN" sz="800" smtClean="0">
+            <a:endParaRPr lang="zh-CN" sz="800">
               <a:latin typeface="微软雅黑" pitchFamily="34" charset="-122"/>
               <a:ea typeface="微软雅黑" pitchFamily="34" charset="-122"/>
             </a:endParaRPr>
@@ -22818,14 +23549,14 @@
           </a:ln>
           <a:extLst>
             <a:ext uri="{909E8E84-426E-40DD-AFC4-6F175D3DCCD1}">
-              <a14:hiddenFill xmlns="" xmlns:a14="http://schemas.microsoft.com/office/drawing/2010/main">
+              <a14:hiddenFill xmlns:a14="http://schemas.microsoft.com/office/drawing/2010/main">
                 <a:solidFill>
                   <a:srgbClr val="FFFFFF"/>
                 </a:solidFill>
               </a14:hiddenFill>
             </a:ext>
             <a:ext uri="{91240B29-F687-4F45-9708-019B960494DF}">
-              <a14:hiddenLine xmlns="" xmlns:a14="http://schemas.microsoft.com/office/drawing/2010/main" w="9525">
+              <a14:hiddenLine xmlns:a14="http://schemas.microsoft.com/office/drawing/2010/main" w="9525">
                 <a:solidFill>
                   <a:srgbClr val="000000"/>
                 </a:solidFill>
@@ -23027,7 +23758,7 @@
             </a:clrChange>
             <a:extLst>
               <a:ext uri="{28A0092B-C50C-407E-A947-70E740481C1C}">
-                <a14:useLocalDpi xmlns="" xmlns:a14="http://schemas.microsoft.com/office/drawing/2010/main" val="0"/>
+                <a14:useLocalDpi xmlns:a14="http://schemas.microsoft.com/office/drawing/2010/main" val="0"/>
               </a:ext>
             </a:extLst>
           </a:blip>
@@ -23050,14 +23781,14 @@
           </a:ln>
           <a:extLst>
             <a:ext uri="{909E8E84-426E-40DD-AFC4-6F175D3DCCD1}">
-              <a14:hiddenFill xmlns="" xmlns:a14="http://schemas.microsoft.com/office/drawing/2010/main">
+              <a14:hiddenFill xmlns:a14="http://schemas.microsoft.com/office/drawing/2010/main">
                 <a:solidFill>
                   <a:srgbClr val="FFFFFF"/>
                 </a:solidFill>
               </a14:hiddenFill>
             </a:ext>
             <a:ext uri="{91240B29-F687-4F45-9708-019B960494DF}">
-              <a14:hiddenLine xmlns="" xmlns:a14="http://schemas.microsoft.com/office/drawing/2010/main" w="9525">
+              <a14:hiddenLine xmlns:a14="http://schemas.microsoft.com/office/drawing/2010/main" w="9525">
                 <a:solidFill>
                   <a:srgbClr val="000000"/>
                 </a:solidFill>
@@ -23093,7 +23824,7 @@
           </a:ln>
           <a:extLst>
             <a:ext uri="{91240B29-F687-4F45-9708-019B960494DF}">
-              <a14:hiddenLine xmlns="" xmlns:a14="http://schemas.microsoft.com/office/drawing/2010/main" w="9525">
+              <a14:hiddenLine xmlns:a14="http://schemas.microsoft.com/office/drawing/2010/main" w="9525">
                 <a:solidFill>
                   <a:srgbClr val="000000"/>
                 </a:solidFill>
@@ -23136,14 +23867,14 @@
           </a:ln>
           <a:extLst>
             <a:ext uri="{909E8E84-426E-40DD-AFC4-6F175D3DCCD1}">
-              <a14:hiddenFill xmlns="" xmlns:a14="http://schemas.microsoft.com/office/drawing/2010/main">
+              <a14:hiddenFill xmlns:a14="http://schemas.microsoft.com/office/drawing/2010/main">
                 <a:solidFill>
                   <a:srgbClr val="FFFFFF"/>
                 </a:solidFill>
               </a14:hiddenFill>
             </a:ext>
             <a:ext uri="{91240B29-F687-4F45-9708-019B960494DF}">
-              <a14:hiddenLine xmlns="" xmlns:a14="http://schemas.microsoft.com/office/drawing/2010/main" w="9525">
+              <a14:hiddenLine xmlns:a14="http://schemas.microsoft.com/office/drawing/2010/main" w="9525">
                 <a:solidFill>
                   <a:srgbClr val="000000"/>
                 </a:solidFill>
@@ -23162,7 +23893,7 @@
           <a:p>
             <a:pPr algn="ctr"/>
             <a:r>
-              <a:rPr lang="zh-CN" altLang="en-US" sz="4800" b="1" dirty="0" smtClean="0">
+              <a:rPr lang="zh-CN" altLang="en-US" sz="4800" b="1" dirty="0">
                 <a:solidFill>
                   <a:schemeClr val="bg1"/>
                 </a:solidFill>
@@ -23184,7 +23915,7 @@
     </p:spTree>
     <p:extLst>
       <p:ext uri="{BB962C8B-B14F-4D97-AF65-F5344CB8AC3E}">
-        <p14:creationId xmlns="" xmlns:p14="http://schemas.microsoft.com/office/powerpoint/2010/main" val="1794643535"/>
+        <p14:creationId xmlns:p14="http://schemas.microsoft.com/office/powerpoint/2010/main" val="1794643535"/>
       </p:ext>
     </p:extLst>
   </p:cSld>
@@ -23192,13 +23923,6 @@
     <a:masterClrMapping/>
   </p:clrMapOvr>
   <p:transition/>
-  <p:timing>
-    <p:tnLst>
-      <p:par>
-        <p:cTn id="1" dur="indefinite" restart="never" nodeType="tmRoot"/>
-      </p:par>
-    </p:tnLst>
-  </p:timing>
 </p:sld>
 </file>
 
@@ -23241,14 +23965,14 @@
           <a:ln/>
           <a:extLst>
             <a:ext uri="{909E8E84-426E-40DD-AFC4-6F175D3DCCD1}">
-              <a14:hiddenFill xmlns="" xmlns:a14="http://schemas.microsoft.com/office/drawing/2010/main">
+              <a14:hiddenFill xmlns:a14="http://schemas.microsoft.com/office/drawing/2010/main">
                 <a:solidFill>
                   <a:srgbClr val="FFFFFF"/>
                 </a:solidFill>
               </a14:hiddenFill>
             </a:ext>
             <a:ext uri="{91240B29-F687-4F45-9708-019B960494DF}">
-              <a14:hiddenLine xmlns="" xmlns:a14="http://schemas.microsoft.com/office/drawing/2010/main" w="9525">
+              <a14:hiddenLine xmlns:a14="http://schemas.microsoft.com/office/drawing/2010/main" w="9525">
                 <a:solidFill>
                   <a:srgbClr val="000000"/>
                 </a:solidFill>
@@ -23378,34 +24102,34 @@
               <a:t>8</a:t>
             </a:fld>
             <a:r>
-              <a:rPr lang="en-GB" altLang="zh-CN" sz="800" dirty="0" smtClean="0">
+              <a:rPr lang="en-GB" altLang="zh-CN" sz="800" dirty="0">
                 <a:latin typeface="微软雅黑" pitchFamily="34" charset="-122"/>
                 <a:ea typeface="微软雅黑" pitchFamily="34" charset="-122"/>
               </a:rPr>
               <a:t> | 2010</a:t>
             </a:r>
             <a:r>
-              <a:rPr lang="zh-CN" altLang="en-GB" sz="800" smtClean="0">
+              <a:rPr lang="zh-CN" altLang="en-GB" sz="800">
                 <a:latin typeface="微软雅黑" pitchFamily="34" charset="-122"/>
                 <a:ea typeface="微软雅黑" pitchFamily="34" charset="-122"/>
               </a:rPr>
               <a:t>年</a:t>
             </a:r>
             <a:r>
-              <a:rPr lang="en-GB" altLang="zh-CN" sz="800" dirty="0" smtClean="0">
+              <a:rPr lang="en-GB" altLang="zh-CN" sz="800" dirty="0">
                 <a:latin typeface="微软雅黑" pitchFamily="34" charset="-122"/>
                 <a:ea typeface="微软雅黑" pitchFamily="34" charset="-122"/>
               </a:rPr>
               <a:t>11</a:t>
             </a:r>
             <a:r>
-              <a:rPr lang="zh-CN" altLang="en-GB" sz="800" smtClean="0">
+              <a:rPr lang="zh-CN" altLang="en-GB" sz="800">
                 <a:latin typeface="微软雅黑" pitchFamily="34" charset="-122"/>
                 <a:ea typeface="微软雅黑" pitchFamily="34" charset="-122"/>
               </a:rPr>
               <a:t>月</a:t>
             </a:r>
-            <a:endParaRPr lang="zh-CN" sz="800" smtClean="0">
+            <a:endParaRPr lang="zh-CN" sz="800">
               <a:latin typeface="微软雅黑" pitchFamily="34" charset="-122"/>
               <a:ea typeface="微软雅黑" pitchFamily="34" charset="-122"/>
             </a:endParaRPr>
@@ -23434,14 +24158,14 @@
           </a:ln>
           <a:extLst>
             <a:ext uri="{909E8E84-426E-40DD-AFC4-6F175D3DCCD1}">
-              <a14:hiddenFill xmlns="" xmlns:a14="http://schemas.microsoft.com/office/drawing/2010/main">
+              <a14:hiddenFill xmlns:a14="http://schemas.microsoft.com/office/drawing/2010/main">
                 <a:solidFill>
                   <a:srgbClr val="FFFFFF"/>
                 </a:solidFill>
               </a14:hiddenFill>
             </a:ext>
             <a:ext uri="{91240B29-F687-4F45-9708-019B960494DF}">
-              <a14:hiddenLine xmlns="" xmlns:a14="http://schemas.microsoft.com/office/drawing/2010/main" w="9525">
+              <a14:hiddenLine xmlns:a14="http://schemas.microsoft.com/office/drawing/2010/main" w="9525">
                 <a:solidFill>
                   <a:srgbClr val="000000"/>
                 </a:solidFill>
@@ -23643,7 +24367,7 @@
             </a:clrChange>
             <a:extLst>
               <a:ext uri="{28A0092B-C50C-407E-A947-70E740481C1C}">
-                <a14:useLocalDpi xmlns="" xmlns:a14="http://schemas.microsoft.com/office/drawing/2010/main" val="0"/>
+                <a14:useLocalDpi xmlns:a14="http://schemas.microsoft.com/office/drawing/2010/main" val="0"/>
               </a:ext>
             </a:extLst>
           </a:blip>
@@ -23666,14 +24390,14 @@
           </a:ln>
           <a:extLst>
             <a:ext uri="{909E8E84-426E-40DD-AFC4-6F175D3DCCD1}">
-              <a14:hiddenFill xmlns="" xmlns:a14="http://schemas.microsoft.com/office/drawing/2010/main">
+              <a14:hiddenFill xmlns:a14="http://schemas.microsoft.com/office/drawing/2010/main">
                 <a:solidFill>
                   <a:srgbClr val="FFFFFF"/>
                 </a:solidFill>
               </a14:hiddenFill>
             </a:ext>
             <a:ext uri="{91240B29-F687-4F45-9708-019B960494DF}">
-              <a14:hiddenLine xmlns="" xmlns:a14="http://schemas.microsoft.com/office/drawing/2010/main" w="9525">
+              <a14:hiddenLine xmlns:a14="http://schemas.microsoft.com/office/drawing/2010/main" w="9525">
                 <a:solidFill>
                   <a:srgbClr val="000000"/>
                 </a:solidFill>
@@ -23709,7 +24433,7 @@
           </a:ln>
           <a:extLst>
             <a:ext uri="{91240B29-F687-4F45-9708-019B960494DF}">
-              <a14:hiddenLine xmlns="" xmlns:a14="http://schemas.microsoft.com/office/drawing/2010/main" w="9525">
+              <a14:hiddenLine xmlns:a14="http://schemas.microsoft.com/office/drawing/2010/main" w="9525">
                 <a:solidFill>
                   <a:srgbClr val="000000"/>
                 </a:solidFill>
@@ -23752,14 +24476,14 @@
           </a:ln>
           <a:extLst>
             <a:ext uri="{909E8E84-426E-40DD-AFC4-6F175D3DCCD1}">
-              <a14:hiddenFill xmlns="" xmlns:a14="http://schemas.microsoft.com/office/drawing/2010/main">
+              <a14:hiddenFill xmlns:a14="http://schemas.microsoft.com/office/drawing/2010/main">
                 <a:solidFill>
                   <a:srgbClr val="FFFFFF"/>
                 </a:solidFill>
               </a14:hiddenFill>
             </a:ext>
             <a:ext uri="{91240B29-F687-4F45-9708-019B960494DF}">
-              <a14:hiddenLine xmlns="" xmlns:a14="http://schemas.microsoft.com/office/drawing/2010/main" w="9525">
+              <a14:hiddenLine xmlns:a14="http://schemas.microsoft.com/office/drawing/2010/main" w="9525">
                 <a:solidFill>
                   <a:srgbClr val="000000"/>
                 </a:solidFill>
@@ -23778,24 +24502,14 @@
           <a:p>
             <a:pPr algn="ctr"/>
             <a:r>
-              <a:rPr lang="zh-CN" altLang="en-US" sz="4800" b="1" dirty="0" smtClean="0">
+              <a:rPr lang="zh-CN" altLang="en-US" sz="4800" b="1" dirty="0">
                 <a:solidFill>
                   <a:schemeClr val="bg1"/>
                 </a:solidFill>
                 <a:latin typeface="微软雅黑" pitchFamily="34" charset="-122"/>
                 <a:ea typeface="微软雅黑" pitchFamily="34" charset="-122"/>
               </a:rPr>
-              <a:t>演示</a:t>
-            </a:r>
-            <a:r>
-              <a:rPr lang="zh-CN" altLang="en-US" sz="4800" b="1" dirty="0" smtClean="0">
-                <a:solidFill>
-                  <a:schemeClr val="bg1"/>
-                </a:solidFill>
-                <a:latin typeface="微软雅黑" pitchFamily="34" charset="-122"/>
-                <a:ea typeface="微软雅黑" pitchFamily="34" charset="-122"/>
-              </a:rPr>
-              <a:t>完毕</a:t>
+              <a:t>演示完毕</a:t>
             </a:r>
             <a:endParaRPr lang="en-US" altLang="zh-CN" sz="4800" b="1" dirty="0">
               <a:solidFill>
@@ -23808,7 +24522,7 @@
           <a:p>
             <a:pPr algn="ctr"/>
             <a:r>
-              <a:rPr lang="en-US" altLang="zh-CN" sz="4800" b="1" dirty="0" smtClean="0">
+              <a:rPr lang="en-US" altLang="zh-CN" sz="4800" b="1" dirty="0">
                 <a:solidFill>
                   <a:schemeClr val="bg1"/>
                 </a:solidFill>
@@ -23830,7 +24544,7 @@
     </p:spTree>
     <p:extLst>
       <p:ext uri="{BB962C8B-B14F-4D97-AF65-F5344CB8AC3E}">
-        <p14:creationId xmlns="" xmlns:p14="http://schemas.microsoft.com/office/powerpoint/2010/main" val="2102871912"/>
+        <p14:creationId xmlns:p14="http://schemas.microsoft.com/office/powerpoint/2010/main" val="2102871912"/>
       </p:ext>
     </p:extLst>
   </p:cSld>
@@ -23838,13 +24552,6 @@
     <a:masterClrMapping/>
   </p:clrMapOvr>
   <p:transition/>
-  <p:timing>
-    <p:tnLst>
-      <p:par>
-        <p:cTn id="1" dur="indefinite" restart="never" nodeType="tmRoot"/>
-      </p:par>
-    </p:tnLst>
-  </p:timing>
 </p:sld>
 </file>
 
